--- a/Technasium-Dag-2-Presentatie-2-Python While en ggd.pptx
+++ b/Technasium-Dag-2-Presentatie-2-Python While en ggd.pptx
@@ -2,7 +2,7 @@
 <file path=ppt/presentation.xml><?xml version="1.0" encoding="utf-8"?>
 <p:presentation xmlns:a="http://schemas.openxmlformats.org/drawingml/2006/main" xmlns:r="http://schemas.openxmlformats.org/officeDocument/2006/relationships" xmlns:p="http://schemas.openxmlformats.org/presentationml/2006/main" saveSubsetFonts="1" autoCompressPictures="0">
   <p:sldMasterIdLst>
-    <p:sldMasterId id="2147483648" r:id="rId1"/>
+    <p:sldMasterId id="2147483661" r:id="rId1"/>
   </p:sldMasterIdLst>
   <p:notesMasterIdLst>
     <p:notesMasterId r:id="rId26"/>
@@ -37,7 +37,7 @@
   <p:notesSz cx="6858000" cy="9144000"/>
   <p:defaultTextStyle>
     <a:defPPr>
-      <a:defRPr lang="en-US"/>
+      <a:defRPr lang="nl-NL"/>
     </a:defPPr>
     <a:lvl1pPr marL="0" algn="l" defTabSz="914400" rtl="0" eaLnBrk="1" latinLnBrk="0" hangingPunct="1">
       <a:defRPr sz="1800" kern="1200">
@@ -220,7 +220,7 @@
           <a:p>
             <a:fld id="{48706978-EB0F-E44D-9C63-35E683643073}" type="datetimeFigureOut">
               <a:rPr lang="en-US" smtClean="0"/>
-              <a:t>11/30/2023</a:t>
+              <a:t>11/6/2024</a:t>
             </a:fld>
             <a:endParaRPr lang="en-US"/>
           </a:p>
@@ -489,7 +489,7 @@
 
 <file path=ppt/slideLayouts/slideLayout1.xml><?xml version="1.0" encoding="utf-8"?>
 <p:sldLayout xmlns:a="http://schemas.openxmlformats.org/drawingml/2006/main" xmlns:r="http://schemas.openxmlformats.org/officeDocument/2006/relationships" xmlns:p="http://schemas.openxmlformats.org/presentationml/2006/main" type="title" preserve="1">
-  <p:cSld name="Title Slide">
+  <p:cSld name="Titeldia">
     <p:spTree>
       <p:nvGrpSpPr>
         <p:cNvPr id="1" name=""/>
@@ -506,7 +506,13 @@
       </p:grpSpPr>
       <p:sp>
         <p:nvSpPr>
-          <p:cNvPr id="2" name="Title 1"/>
+          <p:cNvPr id="2" name="Titel 1">
+            <a:extLst>
+              <a:ext uri="{FF2B5EF4-FFF2-40B4-BE49-F238E27FC236}">
+                <a16:creationId xmlns:a16="http://schemas.microsoft.com/office/drawing/2014/main" id="{78386BFB-E5EB-0248-69AD-C07DA6527BA8}"/>
+              </a:ext>
+            </a:extLst>
+          </p:cNvPr>
           <p:cNvSpPr>
             <a:spLocks noGrp="1"/>
           </p:cNvSpPr>
@@ -529,15 +535,21 @@
           </a:lstStyle>
           <a:p>
             <a:r>
-              <a:rPr lang="en-US"/>
-              <a:t>Click to edit Master title style</a:t>
+              <a:rPr lang="nl-NL"/>
+              <a:t>Klik om stijl te bewerken</a:t>
             </a:r>
           </a:p>
         </p:txBody>
       </p:sp>
       <p:sp>
         <p:nvSpPr>
-          <p:cNvPr id="3" name="Subtitle 2"/>
+          <p:cNvPr id="3" name="Ondertitel 2">
+            <a:extLst>
+              <a:ext uri="{FF2B5EF4-FFF2-40B4-BE49-F238E27FC236}">
+                <a16:creationId xmlns:a16="http://schemas.microsoft.com/office/drawing/2014/main" id="{BDC6182A-A0E1-B023-5145-F14433B16FCD}"/>
+              </a:ext>
+            </a:extLst>
+          </p:cNvPr>
           <p:cNvSpPr>
             <a:spLocks noGrp="1"/>
           </p:cNvSpPr>
@@ -593,15 +605,21 @@
           </a:lstStyle>
           <a:p>
             <a:r>
-              <a:rPr lang="en-US"/>
-              <a:t>Click to edit Master subtitle style</a:t>
+              <a:rPr lang="nl-NL"/>
+              <a:t>Klikken om de ondertitelstijl van het model te bewerken</a:t>
             </a:r>
           </a:p>
         </p:txBody>
       </p:sp>
       <p:sp>
         <p:nvSpPr>
-          <p:cNvPr id="4" name="Date Placeholder 3"/>
+          <p:cNvPr id="4" name="Tijdelijke aanduiding voor datum 3">
+            <a:extLst>
+              <a:ext uri="{FF2B5EF4-FFF2-40B4-BE49-F238E27FC236}">
+                <a16:creationId xmlns:a16="http://schemas.microsoft.com/office/drawing/2014/main" id="{A6CEE30D-402E-D4DC-401F-12D70BDE021C}"/>
+              </a:ext>
+            </a:extLst>
+          </p:cNvPr>
           <p:cNvSpPr>
             <a:spLocks noGrp="1"/>
           </p:cNvSpPr>
@@ -616,7 +634,7 @@
           <a:p>
             <a:fld id="{F0E53E00-DC67-B043-B571-30083E803751}" type="datetimeFigureOut">
               <a:rPr lang="en-US" smtClean="0"/>
-              <a:t>11/30/2023</a:t>
+              <a:t>11/6/2024</a:t>
             </a:fld>
             <a:endParaRPr lang="en-US"/>
           </a:p>
@@ -624,7 +642,13 @@
       </p:sp>
       <p:sp>
         <p:nvSpPr>
-          <p:cNvPr id="5" name="Footer Placeholder 4"/>
+          <p:cNvPr id="5" name="Tijdelijke aanduiding voor voettekst 4">
+            <a:extLst>
+              <a:ext uri="{FF2B5EF4-FFF2-40B4-BE49-F238E27FC236}">
+                <a16:creationId xmlns:a16="http://schemas.microsoft.com/office/drawing/2014/main" id="{1362C7AC-5C4A-0754-D714-01D30681F07C}"/>
+              </a:ext>
+            </a:extLst>
+          </p:cNvPr>
           <p:cNvSpPr>
             <a:spLocks noGrp="1"/>
           </p:cNvSpPr>
@@ -643,7 +667,13 @@
       </p:sp>
       <p:sp>
         <p:nvSpPr>
-          <p:cNvPr id="6" name="Slide Number Placeholder 5"/>
+          <p:cNvPr id="6" name="Tijdelijke aanduiding voor dianummer 5">
+            <a:extLst>
+              <a:ext uri="{FF2B5EF4-FFF2-40B4-BE49-F238E27FC236}">
+                <a16:creationId xmlns:a16="http://schemas.microsoft.com/office/drawing/2014/main" id="{03158B5C-1C5F-0A54-DE29-1BE2FA680A8D}"/>
+              </a:ext>
+            </a:extLst>
+          </p:cNvPr>
           <p:cNvSpPr>
             <a:spLocks noGrp="1"/>
           </p:cNvSpPr>
@@ -667,7 +697,7 @@
     </p:spTree>
     <p:extLst>
       <p:ext uri="{BB962C8B-B14F-4D97-AF65-F5344CB8AC3E}">
-        <p14:creationId xmlns:p14="http://schemas.microsoft.com/office/powerpoint/2010/main" val="1089508071"/>
+        <p14:creationId xmlns:p14="http://schemas.microsoft.com/office/powerpoint/2010/main" val="1580015"/>
       </p:ext>
     </p:extLst>
   </p:cSld>
@@ -678,8 +708,8 @@
 </file>
 
 <file path=ppt/slideLayouts/slideLayout10.xml><?xml version="1.0" encoding="utf-8"?>
-<p:sldLayout xmlns:a="http://schemas.openxmlformats.org/drawingml/2006/main" xmlns:r="http://schemas.openxmlformats.org/officeDocument/2006/relationships" xmlns:p="http://schemas.openxmlformats.org/presentationml/2006/main" type="picTx" preserve="1">
-  <p:cSld name="Picture with Caption">
+<p:sldLayout xmlns:a="http://schemas.openxmlformats.org/drawingml/2006/main" xmlns:r="http://schemas.openxmlformats.org/officeDocument/2006/relationships" xmlns:p="http://schemas.openxmlformats.org/presentationml/2006/main" type="vertTx" preserve="1">
+  <p:cSld name="Titel en verticale tekst">
     <p:spTree>
       <p:nvGrpSpPr>
         <p:cNvPr id="1" name=""/>
@@ -696,7 +726,13 @@
       </p:grpSpPr>
       <p:sp>
         <p:nvSpPr>
-          <p:cNvPr id="2" name="Title 1"/>
+          <p:cNvPr id="2" name="Titel 1">
+            <a:extLst>
+              <a:ext uri="{FF2B5EF4-FFF2-40B4-BE49-F238E27FC236}">
+                <a16:creationId xmlns:a16="http://schemas.microsoft.com/office/drawing/2014/main" id="{5F556A19-E914-5B30-F70B-1BE1D6F964C7}"/>
+              </a:ext>
+            </a:extLst>
+          </p:cNvPr>
           <p:cNvSpPr>
             <a:spLocks noGrp="1"/>
           </p:cNvSpPr>
@@ -704,156 +740,84 @@
             <p:ph type="title"/>
           </p:nvPr>
         </p:nvSpPr>
-        <p:spPr>
-          <a:xfrm>
-            <a:off x="839788" y="457200"/>
-            <a:ext cx="3932237" cy="1600200"/>
-          </a:xfrm>
-        </p:spPr>
+        <p:spPr/>
         <p:txBody>
-          <a:bodyPr anchor="b"/>
-          <a:lstStyle>
-            <a:lvl1pPr>
-              <a:defRPr sz="3200"/>
-            </a:lvl1pPr>
-          </a:lstStyle>
+          <a:bodyPr/>
+          <a:lstStyle/>
           <a:p>
             <a:r>
-              <a:rPr lang="en-US"/>
-              <a:t>Click to edit Master title style</a:t>
+              <a:rPr lang="nl-NL"/>
+              <a:t>Klik om stijl te bewerken</a:t>
             </a:r>
           </a:p>
         </p:txBody>
       </p:sp>
       <p:sp>
         <p:nvSpPr>
-          <p:cNvPr id="3" name="Picture Placeholder 2"/>
+          <p:cNvPr id="3" name="Tijdelijke aanduiding voor verticale tekst 2">
+            <a:extLst>
+              <a:ext uri="{FF2B5EF4-FFF2-40B4-BE49-F238E27FC236}">
+                <a16:creationId xmlns:a16="http://schemas.microsoft.com/office/drawing/2014/main" id="{A4368470-47CE-104F-5B6D-5AAAC5DDB15A}"/>
+              </a:ext>
+            </a:extLst>
+          </p:cNvPr>
           <p:cNvSpPr>
             <a:spLocks noGrp="1"/>
           </p:cNvSpPr>
           <p:nvPr>
-            <p:ph type="pic" idx="1"/>
+            <p:ph type="body" orient="vert" idx="1"/>
           </p:nvPr>
         </p:nvSpPr>
-        <p:spPr>
-          <a:xfrm>
-            <a:off x="5183188" y="987425"/>
-            <a:ext cx="6172200" cy="4873625"/>
-          </a:xfrm>
-        </p:spPr>
+        <p:spPr/>
         <p:txBody>
-          <a:bodyPr/>
-          <a:lstStyle>
-            <a:lvl1pPr marL="0" indent="0">
-              <a:buNone/>
-              <a:defRPr sz="3200"/>
-            </a:lvl1pPr>
-            <a:lvl2pPr marL="457200" indent="0">
-              <a:buNone/>
-              <a:defRPr sz="2800"/>
-            </a:lvl2pPr>
-            <a:lvl3pPr marL="914400" indent="0">
-              <a:buNone/>
-              <a:defRPr sz="2400"/>
-            </a:lvl3pPr>
-            <a:lvl4pPr marL="1371600" indent="0">
-              <a:buNone/>
-              <a:defRPr sz="2000"/>
-            </a:lvl4pPr>
-            <a:lvl5pPr marL="1828800" indent="0">
-              <a:buNone/>
-              <a:defRPr sz="2000"/>
-            </a:lvl5pPr>
-            <a:lvl6pPr marL="2286000" indent="0">
-              <a:buNone/>
-              <a:defRPr sz="2000"/>
-            </a:lvl6pPr>
-            <a:lvl7pPr marL="2743200" indent="0">
-              <a:buNone/>
-              <a:defRPr sz="2000"/>
-            </a:lvl7pPr>
-            <a:lvl8pPr marL="3200400" indent="0">
-              <a:buNone/>
-              <a:defRPr sz="2000"/>
-            </a:lvl8pPr>
-            <a:lvl9pPr marL="3657600" indent="0">
-              <a:buNone/>
-              <a:defRPr sz="2000"/>
-            </a:lvl9pPr>
-          </a:lstStyle>
+          <a:bodyPr vert="eaVert"/>
+          <a:lstStyle/>
           <a:p>
-            <a:endParaRPr lang="en-US"/>
+            <a:pPr lvl="0"/>
+            <a:r>
+              <a:rPr lang="nl-NL"/>
+              <a:t>Klikken om de tekststijl van het model te bewerken</a:t>
+            </a:r>
+          </a:p>
+          <a:p>
+            <a:pPr lvl="1"/>
+            <a:r>
+              <a:rPr lang="nl-NL"/>
+              <a:t>Tweede niveau</a:t>
+            </a:r>
+          </a:p>
+          <a:p>
+            <a:pPr lvl="2"/>
+            <a:r>
+              <a:rPr lang="nl-NL"/>
+              <a:t>Derde niveau</a:t>
+            </a:r>
+          </a:p>
+          <a:p>
+            <a:pPr lvl="3"/>
+            <a:r>
+              <a:rPr lang="nl-NL"/>
+              <a:t>Vierde niveau</a:t>
+            </a:r>
+          </a:p>
+          <a:p>
+            <a:pPr lvl="4"/>
+            <a:r>
+              <a:rPr lang="nl-NL"/>
+              <a:t>Vijfde niveau</a:t>
+            </a:r>
           </a:p>
         </p:txBody>
       </p:sp>
       <p:sp>
         <p:nvSpPr>
-          <p:cNvPr id="4" name="Text Placeholder 3"/>
-          <p:cNvSpPr>
-            <a:spLocks noGrp="1"/>
-          </p:cNvSpPr>
-          <p:nvPr>
-            <p:ph type="body" sz="half" idx="2"/>
-          </p:nvPr>
-        </p:nvSpPr>
-        <p:spPr>
-          <a:xfrm>
-            <a:off x="839788" y="2057400"/>
-            <a:ext cx="3932237" cy="3811588"/>
-          </a:xfrm>
-        </p:spPr>
-        <p:txBody>
-          <a:bodyPr/>
-          <a:lstStyle>
-            <a:lvl1pPr marL="0" indent="0">
-              <a:buNone/>
-              <a:defRPr sz="1600"/>
-            </a:lvl1pPr>
-            <a:lvl2pPr marL="457200" indent="0">
-              <a:buNone/>
-              <a:defRPr sz="1400"/>
-            </a:lvl2pPr>
-            <a:lvl3pPr marL="914400" indent="0">
-              <a:buNone/>
-              <a:defRPr sz="1200"/>
-            </a:lvl3pPr>
-            <a:lvl4pPr marL="1371600" indent="0">
-              <a:buNone/>
-              <a:defRPr sz="1000"/>
-            </a:lvl4pPr>
-            <a:lvl5pPr marL="1828800" indent="0">
-              <a:buNone/>
-              <a:defRPr sz="1000"/>
-            </a:lvl5pPr>
-            <a:lvl6pPr marL="2286000" indent="0">
-              <a:buNone/>
-              <a:defRPr sz="1000"/>
-            </a:lvl6pPr>
-            <a:lvl7pPr marL="2743200" indent="0">
-              <a:buNone/>
-              <a:defRPr sz="1000"/>
-            </a:lvl7pPr>
-            <a:lvl8pPr marL="3200400" indent="0">
-              <a:buNone/>
-              <a:defRPr sz="1000"/>
-            </a:lvl8pPr>
-            <a:lvl9pPr marL="3657600" indent="0">
-              <a:buNone/>
-              <a:defRPr sz="1000"/>
-            </a:lvl9pPr>
-          </a:lstStyle>
-          <a:p>
-            <a:pPr lvl="0"/>
-            <a:r>
-              <a:rPr lang="en-US"/>
-              <a:t>Click to edit Master text styles</a:t>
-            </a:r>
-          </a:p>
-        </p:txBody>
-      </p:sp>
-      <p:sp>
-        <p:nvSpPr>
-          <p:cNvPr id="5" name="Date Placeholder 4"/>
+          <p:cNvPr id="4" name="Tijdelijke aanduiding voor datum 3">
+            <a:extLst>
+              <a:ext uri="{FF2B5EF4-FFF2-40B4-BE49-F238E27FC236}">
+                <a16:creationId xmlns:a16="http://schemas.microsoft.com/office/drawing/2014/main" id="{CC5481BE-AE2C-09B9-08B8-7CF412C98D4F}"/>
+              </a:ext>
+            </a:extLst>
+          </p:cNvPr>
           <p:cNvSpPr>
             <a:spLocks noGrp="1"/>
           </p:cNvSpPr>
@@ -868,7 +832,7 @@
           <a:p>
             <a:fld id="{F0E53E00-DC67-B043-B571-30083E803751}" type="datetimeFigureOut">
               <a:rPr lang="en-US" smtClean="0"/>
-              <a:t>11/30/2023</a:t>
+              <a:t>11/6/2024</a:t>
             </a:fld>
             <a:endParaRPr lang="en-US"/>
           </a:p>
@@ -876,7 +840,13 @@
       </p:sp>
       <p:sp>
         <p:nvSpPr>
-          <p:cNvPr id="6" name="Footer Placeholder 5"/>
+          <p:cNvPr id="5" name="Tijdelijke aanduiding voor voettekst 4">
+            <a:extLst>
+              <a:ext uri="{FF2B5EF4-FFF2-40B4-BE49-F238E27FC236}">
+                <a16:creationId xmlns:a16="http://schemas.microsoft.com/office/drawing/2014/main" id="{5EB426BA-2D4D-3AB4-E48C-1B0AE57C9898}"/>
+              </a:ext>
+            </a:extLst>
+          </p:cNvPr>
           <p:cNvSpPr>
             <a:spLocks noGrp="1"/>
           </p:cNvSpPr>
@@ -895,7 +865,13 @@
       </p:sp>
       <p:sp>
         <p:nvSpPr>
-          <p:cNvPr id="7" name="Slide Number Placeholder 6"/>
+          <p:cNvPr id="6" name="Tijdelijke aanduiding voor dianummer 5">
+            <a:extLst>
+              <a:ext uri="{FF2B5EF4-FFF2-40B4-BE49-F238E27FC236}">
+                <a16:creationId xmlns:a16="http://schemas.microsoft.com/office/drawing/2014/main" id="{96DB8678-A372-61D6-3EBC-314CE1F55C51}"/>
+              </a:ext>
+            </a:extLst>
+          </p:cNvPr>
           <p:cNvSpPr>
             <a:spLocks noGrp="1"/>
           </p:cNvSpPr>
@@ -919,7 +895,7 @@
     </p:spTree>
     <p:extLst>
       <p:ext uri="{BB962C8B-B14F-4D97-AF65-F5344CB8AC3E}">
-        <p14:creationId xmlns:p14="http://schemas.microsoft.com/office/powerpoint/2010/main" val="311735902"/>
+        <p14:creationId xmlns:p14="http://schemas.microsoft.com/office/powerpoint/2010/main" val="2459310720"/>
       </p:ext>
     </p:extLst>
   </p:cSld>
@@ -930,8 +906,8 @@
 </file>
 
 <file path=ppt/slideLayouts/slideLayout11.xml><?xml version="1.0" encoding="utf-8"?>
-<p:sldLayout xmlns:a="http://schemas.openxmlformats.org/drawingml/2006/main" xmlns:r="http://schemas.openxmlformats.org/officeDocument/2006/relationships" xmlns:p="http://schemas.openxmlformats.org/presentationml/2006/main" type="vertTx" preserve="1">
-  <p:cSld name="Title and Vertical Text">
+<p:sldLayout xmlns:a="http://schemas.openxmlformats.org/drawingml/2006/main" xmlns:r="http://schemas.openxmlformats.org/officeDocument/2006/relationships" xmlns:p="http://schemas.openxmlformats.org/presentationml/2006/main" type="vertTitleAndTx" preserve="1">
+  <p:cSld name="Verticale titel en tekst">
     <p:spTree>
       <p:nvGrpSpPr>
         <p:cNvPr id="1" name=""/>
@@ -948,29 +924,46 @@
       </p:grpSpPr>
       <p:sp>
         <p:nvSpPr>
-          <p:cNvPr id="2" name="Title 1"/>
+          <p:cNvPr id="2" name="Verticale titel 1">
+            <a:extLst>
+              <a:ext uri="{FF2B5EF4-FFF2-40B4-BE49-F238E27FC236}">
+                <a16:creationId xmlns:a16="http://schemas.microsoft.com/office/drawing/2014/main" id="{C266DDF5-CA5F-C0C6-50F1-94110EC6A328}"/>
+              </a:ext>
+            </a:extLst>
+          </p:cNvPr>
           <p:cNvSpPr>
             <a:spLocks noGrp="1"/>
           </p:cNvSpPr>
           <p:nvPr>
-            <p:ph type="title"/>
+            <p:ph type="title" orient="vert"/>
           </p:nvPr>
         </p:nvSpPr>
-        <p:spPr/>
+        <p:spPr>
+          <a:xfrm>
+            <a:off x="8724900" y="365125"/>
+            <a:ext cx="2628900" cy="5811838"/>
+          </a:xfrm>
+        </p:spPr>
         <p:txBody>
-          <a:bodyPr/>
+          <a:bodyPr vert="eaVert"/>
           <a:lstStyle/>
           <a:p>
             <a:r>
-              <a:rPr lang="en-US"/>
-              <a:t>Click to edit Master title style</a:t>
+              <a:rPr lang="nl-NL"/>
+              <a:t>Klik om stijl te bewerken</a:t>
             </a:r>
           </a:p>
         </p:txBody>
       </p:sp>
       <p:sp>
         <p:nvSpPr>
-          <p:cNvPr id="3" name="Vertical Text Placeholder 2"/>
+          <p:cNvPr id="3" name="Tijdelijke aanduiding voor verticale tekst 2">
+            <a:extLst>
+              <a:ext uri="{FF2B5EF4-FFF2-40B4-BE49-F238E27FC236}">
+                <a16:creationId xmlns:a16="http://schemas.microsoft.com/office/drawing/2014/main" id="{EA31482D-6214-131A-2292-A7925AD05932}"/>
+              </a:ext>
+            </a:extLst>
+          </p:cNvPr>
           <p:cNvSpPr>
             <a:spLocks noGrp="1"/>
           </p:cNvSpPr>
@@ -978,50 +971,61 @@
             <p:ph type="body" orient="vert" idx="1"/>
           </p:nvPr>
         </p:nvSpPr>
-        <p:spPr/>
+        <p:spPr>
+          <a:xfrm>
+            <a:off x="838200" y="365125"/>
+            <a:ext cx="7734300" cy="5811838"/>
+          </a:xfrm>
+        </p:spPr>
         <p:txBody>
           <a:bodyPr vert="eaVert"/>
           <a:lstStyle/>
           <a:p>
             <a:pPr lvl="0"/>
             <a:r>
-              <a:rPr lang="en-US"/>
-              <a:t>Click to edit Master text styles</a:t>
+              <a:rPr lang="nl-NL"/>
+              <a:t>Klikken om de tekststijl van het model te bewerken</a:t>
             </a:r>
           </a:p>
           <a:p>
             <a:pPr lvl="1"/>
             <a:r>
-              <a:rPr lang="en-US"/>
-              <a:t>Second level</a:t>
+              <a:rPr lang="nl-NL"/>
+              <a:t>Tweede niveau</a:t>
             </a:r>
           </a:p>
           <a:p>
             <a:pPr lvl="2"/>
             <a:r>
-              <a:rPr lang="en-US"/>
-              <a:t>Third level</a:t>
+              <a:rPr lang="nl-NL"/>
+              <a:t>Derde niveau</a:t>
             </a:r>
           </a:p>
           <a:p>
             <a:pPr lvl="3"/>
             <a:r>
-              <a:rPr lang="en-US"/>
-              <a:t>Fourth level</a:t>
+              <a:rPr lang="nl-NL"/>
+              <a:t>Vierde niveau</a:t>
             </a:r>
           </a:p>
           <a:p>
             <a:pPr lvl="4"/>
             <a:r>
-              <a:rPr lang="en-US"/>
-              <a:t>Fifth level</a:t>
+              <a:rPr lang="nl-NL"/>
+              <a:t>Vijfde niveau</a:t>
             </a:r>
           </a:p>
         </p:txBody>
       </p:sp>
       <p:sp>
         <p:nvSpPr>
-          <p:cNvPr id="4" name="Date Placeholder 3"/>
+          <p:cNvPr id="4" name="Tijdelijke aanduiding voor datum 3">
+            <a:extLst>
+              <a:ext uri="{FF2B5EF4-FFF2-40B4-BE49-F238E27FC236}">
+                <a16:creationId xmlns:a16="http://schemas.microsoft.com/office/drawing/2014/main" id="{13EE2830-E0EA-47C7-E5F9-3E7FCC3C6903}"/>
+              </a:ext>
+            </a:extLst>
+          </p:cNvPr>
           <p:cNvSpPr>
             <a:spLocks noGrp="1"/>
           </p:cNvSpPr>
@@ -1036,7 +1040,7 @@
           <a:p>
             <a:fld id="{F0E53E00-DC67-B043-B571-30083E803751}" type="datetimeFigureOut">
               <a:rPr lang="en-US" smtClean="0"/>
-              <a:t>11/30/2023</a:t>
+              <a:t>11/6/2024</a:t>
             </a:fld>
             <a:endParaRPr lang="en-US"/>
           </a:p>
@@ -1044,7 +1048,13 @@
       </p:sp>
       <p:sp>
         <p:nvSpPr>
-          <p:cNvPr id="5" name="Footer Placeholder 4"/>
+          <p:cNvPr id="5" name="Tijdelijke aanduiding voor voettekst 4">
+            <a:extLst>
+              <a:ext uri="{FF2B5EF4-FFF2-40B4-BE49-F238E27FC236}">
+                <a16:creationId xmlns:a16="http://schemas.microsoft.com/office/drawing/2014/main" id="{9C950423-5E06-274E-37F4-27532CA6C566}"/>
+              </a:ext>
+            </a:extLst>
+          </p:cNvPr>
           <p:cNvSpPr>
             <a:spLocks noGrp="1"/>
           </p:cNvSpPr>
@@ -1063,7 +1073,13 @@
       </p:sp>
       <p:sp>
         <p:nvSpPr>
-          <p:cNvPr id="6" name="Slide Number Placeholder 5"/>
+          <p:cNvPr id="6" name="Tijdelijke aanduiding voor dianummer 5">
+            <a:extLst>
+              <a:ext uri="{FF2B5EF4-FFF2-40B4-BE49-F238E27FC236}">
+                <a16:creationId xmlns:a16="http://schemas.microsoft.com/office/drawing/2014/main" id="{9AB48885-80C9-EAF6-6306-5C5CB79DD985}"/>
+              </a:ext>
+            </a:extLst>
+          </p:cNvPr>
           <p:cNvSpPr>
             <a:spLocks noGrp="1"/>
           </p:cNvSpPr>
@@ -1087,7 +1103,7 @@
     </p:spTree>
     <p:extLst>
       <p:ext uri="{BB962C8B-B14F-4D97-AF65-F5344CB8AC3E}">
-        <p14:creationId xmlns:p14="http://schemas.microsoft.com/office/powerpoint/2010/main" val="1632689881"/>
+        <p14:creationId xmlns:p14="http://schemas.microsoft.com/office/powerpoint/2010/main" val="3976896600"/>
       </p:ext>
     </p:extLst>
   </p:cSld>
@@ -1098,1618 +1114,6 @@
 </file>
 
 <file path=ppt/slideLayouts/slideLayout12.xml><?xml version="1.0" encoding="utf-8"?>
-<p:sldLayout xmlns:a="http://schemas.openxmlformats.org/drawingml/2006/main" xmlns:r="http://schemas.openxmlformats.org/officeDocument/2006/relationships" xmlns:p="http://schemas.openxmlformats.org/presentationml/2006/main" type="vertTitleAndTx" preserve="1">
-  <p:cSld name="Vertical Title and Text">
-    <p:spTree>
-      <p:nvGrpSpPr>
-        <p:cNvPr id="1" name=""/>
-        <p:cNvGrpSpPr/>
-        <p:nvPr/>
-      </p:nvGrpSpPr>
-      <p:grpSpPr>
-        <a:xfrm>
-          <a:off x="0" y="0"/>
-          <a:ext cx="0" cy="0"/>
-          <a:chOff x="0" y="0"/>
-          <a:chExt cx="0" cy="0"/>
-        </a:xfrm>
-      </p:grpSpPr>
-      <p:sp>
-        <p:nvSpPr>
-          <p:cNvPr id="2" name="Vertical Title 1"/>
-          <p:cNvSpPr>
-            <a:spLocks noGrp="1"/>
-          </p:cNvSpPr>
-          <p:nvPr>
-            <p:ph type="title" orient="vert"/>
-          </p:nvPr>
-        </p:nvSpPr>
-        <p:spPr>
-          <a:xfrm>
-            <a:off x="8724900" y="365125"/>
-            <a:ext cx="2628900" cy="5811838"/>
-          </a:xfrm>
-        </p:spPr>
-        <p:txBody>
-          <a:bodyPr vert="eaVert"/>
-          <a:lstStyle/>
-          <a:p>
-            <a:r>
-              <a:rPr lang="en-US"/>
-              <a:t>Click to edit Master title style</a:t>
-            </a:r>
-          </a:p>
-        </p:txBody>
-      </p:sp>
-      <p:sp>
-        <p:nvSpPr>
-          <p:cNvPr id="3" name="Vertical Text Placeholder 2"/>
-          <p:cNvSpPr>
-            <a:spLocks noGrp="1"/>
-          </p:cNvSpPr>
-          <p:nvPr>
-            <p:ph type="body" orient="vert" idx="1"/>
-          </p:nvPr>
-        </p:nvSpPr>
-        <p:spPr>
-          <a:xfrm>
-            <a:off x="838200" y="365125"/>
-            <a:ext cx="7734300" cy="5811838"/>
-          </a:xfrm>
-        </p:spPr>
-        <p:txBody>
-          <a:bodyPr vert="eaVert"/>
-          <a:lstStyle/>
-          <a:p>
-            <a:pPr lvl="0"/>
-            <a:r>
-              <a:rPr lang="en-US"/>
-              <a:t>Click to edit Master text styles</a:t>
-            </a:r>
-          </a:p>
-          <a:p>
-            <a:pPr lvl="1"/>
-            <a:r>
-              <a:rPr lang="en-US"/>
-              <a:t>Second level</a:t>
-            </a:r>
-          </a:p>
-          <a:p>
-            <a:pPr lvl="2"/>
-            <a:r>
-              <a:rPr lang="en-US"/>
-              <a:t>Third level</a:t>
-            </a:r>
-          </a:p>
-          <a:p>
-            <a:pPr lvl="3"/>
-            <a:r>
-              <a:rPr lang="en-US"/>
-              <a:t>Fourth level</a:t>
-            </a:r>
-          </a:p>
-          <a:p>
-            <a:pPr lvl="4"/>
-            <a:r>
-              <a:rPr lang="en-US"/>
-              <a:t>Fifth level</a:t>
-            </a:r>
-          </a:p>
-        </p:txBody>
-      </p:sp>
-      <p:sp>
-        <p:nvSpPr>
-          <p:cNvPr id="4" name="Date Placeholder 3"/>
-          <p:cNvSpPr>
-            <a:spLocks noGrp="1"/>
-          </p:cNvSpPr>
-          <p:nvPr>
-            <p:ph type="dt" sz="half" idx="10"/>
-          </p:nvPr>
-        </p:nvSpPr>
-        <p:spPr/>
-        <p:txBody>
-          <a:bodyPr/>
-          <a:lstStyle/>
-          <a:p>
-            <a:fld id="{F0E53E00-DC67-B043-B571-30083E803751}" type="datetimeFigureOut">
-              <a:rPr lang="en-US" smtClean="0"/>
-              <a:t>11/30/2023</a:t>
-            </a:fld>
-            <a:endParaRPr lang="en-US"/>
-          </a:p>
-        </p:txBody>
-      </p:sp>
-      <p:sp>
-        <p:nvSpPr>
-          <p:cNvPr id="5" name="Footer Placeholder 4"/>
-          <p:cNvSpPr>
-            <a:spLocks noGrp="1"/>
-          </p:cNvSpPr>
-          <p:nvPr>
-            <p:ph type="ftr" sz="quarter" idx="11"/>
-          </p:nvPr>
-        </p:nvSpPr>
-        <p:spPr/>
-        <p:txBody>
-          <a:bodyPr/>
-          <a:lstStyle/>
-          <a:p>
-            <a:endParaRPr lang="en-US"/>
-          </a:p>
-        </p:txBody>
-      </p:sp>
-      <p:sp>
-        <p:nvSpPr>
-          <p:cNvPr id="6" name="Slide Number Placeholder 5"/>
-          <p:cNvSpPr>
-            <a:spLocks noGrp="1"/>
-          </p:cNvSpPr>
-          <p:nvPr>
-            <p:ph type="sldNum" sz="quarter" idx="12"/>
-          </p:nvPr>
-        </p:nvSpPr>
-        <p:spPr/>
-        <p:txBody>
-          <a:bodyPr/>
-          <a:lstStyle/>
-          <a:p>
-            <a:fld id="{1EF4C9A1-A5AA-A442-908E-CD6EBABAD4FA}" type="slidenum">
-              <a:rPr lang="en-US" smtClean="0"/>
-              <a:t>‹nr.›</a:t>
-            </a:fld>
-            <a:endParaRPr lang="en-US"/>
-          </a:p>
-        </p:txBody>
-      </p:sp>
-    </p:spTree>
-    <p:extLst>
-      <p:ext uri="{BB962C8B-B14F-4D97-AF65-F5344CB8AC3E}">
-        <p14:creationId xmlns:p14="http://schemas.microsoft.com/office/powerpoint/2010/main" val="72788601"/>
-      </p:ext>
-    </p:extLst>
-  </p:cSld>
-  <p:clrMapOvr>
-    <a:masterClrMapping/>
-  </p:clrMapOvr>
-</p:sldLayout>
-</file>
-
-<file path=ppt/slideLayouts/slideLayout2.xml><?xml version="1.0" encoding="utf-8"?>
-<p:sldLayout xmlns:a="http://schemas.openxmlformats.org/drawingml/2006/main" xmlns:r="http://schemas.openxmlformats.org/officeDocument/2006/relationships" xmlns:p="http://schemas.openxmlformats.org/presentationml/2006/main" type="obj" preserve="1">
-  <p:cSld name="Title and Content">
-    <p:spTree>
-      <p:nvGrpSpPr>
-        <p:cNvPr id="1" name=""/>
-        <p:cNvGrpSpPr/>
-        <p:nvPr/>
-      </p:nvGrpSpPr>
-      <p:grpSpPr>
-        <a:xfrm>
-          <a:off x="0" y="0"/>
-          <a:ext cx="0" cy="0"/>
-          <a:chOff x="0" y="0"/>
-          <a:chExt cx="0" cy="0"/>
-        </a:xfrm>
-      </p:grpSpPr>
-      <p:sp>
-        <p:nvSpPr>
-          <p:cNvPr id="2" name="Title 1"/>
-          <p:cNvSpPr>
-            <a:spLocks noGrp="1"/>
-          </p:cNvSpPr>
-          <p:nvPr>
-            <p:ph type="title"/>
-          </p:nvPr>
-        </p:nvSpPr>
-        <p:spPr/>
-        <p:txBody>
-          <a:bodyPr/>
-          <a:lstStyle/>
-          <a:p>
-            <a:r>
-              <a:rPr lang="en-US"/>
-              <a:t>Click to edit Master title style</a:t>
-            </a:r>
-          </a:p>
-        </p:txBody>
-      </p:sp>
-      <p:sp>
-        <p:nvSpPr>
-          <p:cNvPr id="3" name="Content Placeholder 2"/>
-          <p:cNvSpPr>
-            <a:spLocks noGrp="1"/>
-          </p:cNvSpPr>
-          <p:nvPr>
-            <p:ph idx="1"/>
-          </p:nvPr>
-        </p:nvSpPr>
-        <p:spPr/>
-        <p:txBody>
-          <a:bodyPr/>
-          <a:lstStyle/>
-          <a:p>
-            <a:pPr lvl="0"/>
-            <a:r>
-              <a:rPr lang="en-US"/>
-              <a:t>Click to edit Master text styles</a:t>
-            </a:r>
-          </a:p>
-          <a:p>
-            <a:pPr lvl="1"/>
-            <a:r>
-              <a:rPr lang="en-US"/>
-              <a:t>Second level</a:t>
-            </a:r>
-          </a:p>
-          <a:p>
-            <a:pPr lvl="2"/>
-            <a:r>
-              <a:rPr lang="en-US"/>
-              <a:t>Third level</a:t>
-            </a:r>
-          </a:p>
-          <a:p>
-            <a:pPr lvl="3"/>
-            <a:r>
-              <a:rPr lang="en-US"/>
-              <a:t>Fourth level</a:t>
-            </a:r>
-          </a:p>
-          <a:p>
-            <a:pPr lvl="4"/>
-            <a:r>
-              <a:rPr lang="en-US"/>
-              <a:t>Fifth level</a:t>
-            </a:r>
-          </a:p>
-        </p:txBody>
-      </p:sp>
-      <p:sp>
-        <p:nvSpPr>
-          <p:cNvPr id="4" name="Date Placeholder 3"/>
-          <p:cNvSpPr>
-            <a:spLocks noGrp="1"/>
-          </p:cNvSpPr>
-          <p:nvPr>
-            <p:ph type="dt" sz="half" idx="10"/>
-          </p:nvPr>
-        </p:nvSpPr>
-        <p:spPr/>
-        <p:txBody>
-          <a:bodyPr/>
-          <a:lstStyle/>
-          <a:p>
-            <a:fld id="{F0E53E00-DC67-B043-B571-30083E803751}" type="datetimeFigureOut">
-              <a:rPr lang="en-US" smtClean="0"/>
-              <a:t>11/30/2023</a:t>
-            </a:fld>
-            <a:endParaRPr lang="en-US"/>
-          </a:p>
-        </p:txBody>
-      </p:sp>
-      <p:sp>
-        <p:nvSpPr>
-          <p:cNvPr id="5" name="Footer Placeholder 4"/>
-          <p:cNvSpPr>
-            <a:spLocks noGrp="1"/>
-          </p:cNvSpPr>
-          <p:nvPr>
-            <p:ph type="ftr" sz="quarter" idx="11"/>
-          </p:nvPr>
-        </p:nvSpPr>
-        <p:spPr/>
-        <p:txBody>
-          <a:bodyPr/>
-          <a:lstStyle/>
-          <a:p>
-            <a:endParaRPr lang="en-US"/>
-          </a:p>
-        </p:txBody>
-      </p:sp>
-      <p:sp>
-        <p:nvSpPr>
-          <p:cNvPr id="6" name="Slide Number Placeholder 5"/>
-          <p:cNvSpPr>
-            <a:spLocks noGrp="1"/>
-          </p:cNvSpPr>
-          <p:nvPr>
-            <p:ph type="sldNum" sz="quarter" idx="12"/>
-          </p:nvPr>
-        </p:nvSpPr>
-        <p:spPr/>
-        <p:txBody>
-          <a:bodyPr/>
-          <a:lstStyle/>
-          <a:p>
-            <a:fld id="{1EF4C9A1-A5AA-A442-908E-CD6EBABAD4FA}" type="slidenum">
-              <a:rPr lang="en-US" smtClean="0"/>
-              <a:t>‹nr.›</a:t>
-            </a:fld>
-            <a:endParaRPr lang="en-US"/>
-          </a:p>
-        </p:txBody>
-      </p:sp>
-      <p:pic>
-        <p:nvPicPr>
-          <p:cNvPr id="7" name="Picture 6"/>
-          <p:cNvPicPr>
-            <a:picLocks noChangeAspect="1"/>
-          </p:cNvPicPr>
-          <p:nvPr userDrawn="1"/>
-        </p:nvPicPr>
-        <p:blipFill>
-          <a:blip r:embed="rId2">
-            <a:alphaModFix amt="35000"/>
-            <a:extLst>
-              <a:ext uri="{28A0092B-C50C-407E-A947-70E740481C1C}">
-                <a14:useLocalDpi xmlns:a14="http://schemas.microsoft.com/office/drawing/2010/main" val="0"/>
-              </a:ext>
-            </a:extLst>
-          </a:blip>
-          <a:stretch>
-            <a:fillRect/>
-          </a:stretch>
-        </p:blipFill>
-        <p:spPr>
-          <a:xfrm>
-            <a:off x="9360000" y="0"/>
-            <a:ext cx="7740203" cy="2614411"/>
-          </a:xfrm>
-          <a:prstGeom prst="rect">
-            <a:avLst/>
-          </a:prstGeom>
-        </p:spPr>
-      </p:pic>
-      <p:pic>
-        <p:nvPicPr>
-          <p:cNvPr id="8" name="Picture 7"/>
-          <p:cNvPicPr>
-            <a:picLocks noChangeAspect="1"/>
-          </p:cNvPicPr>
-          <p:nvPr userDrawn="1"/>
-        </p:nvPicPr>
-        <p:blipFill>
-          <a:blip r:embed="rId3">
-            <a:alphaModFix amt="35000"/>
-            <a:extLst>
-              <a:ext uri="{28A0092B-C50C-407E-A947-70E740481C1C}">
-                <a14:useLocalDpi xmlns:a14="http://schemas.microsoft.com/office/drawing/2010/main" val="0"/>
-              </a:ext>
-            </a:extLst>
-          </a:blip>
-          <a:stretch>
-            <a:fillRect/>
-          </a:stretch>
-        </p:blipFill>
-        <p:spPr>
-          <a:xfrm>
-            <a:off x="360000" y="2700000"/>
-            <a:ext cx="5930153" cy="5930153"/>
-          </a:xfrm>
-          <a:prstGeom prst="rect">
-            <a:avLst/>
-          </a:prstGeom>
-        </p:spPr>
-      </p:pic>
-      <p:sp>
-        <p:nvSpPr>
-          <p:cNvPr id="9" name="Rectangle 8"/>
-          <p:cNvSpPr/>
-          <p:nvPr userDrawn="1"/>
-        </p:nvSpPr>
-        <p:spPr>
-          <a:xfrm>
-            <a:off x="2209800" y="4744757"/>
-            <a:ext cx="4370294" cy="1976718"/>
-          </a:xfrm>
-          <a:prstGeom prst="rect">
-            <a:avLst/>
-          </a:prstGeom>
-          <a:solidFill>
-            <a:schemeClr val="bg1"/>
-          </a:solidFill>
-          <a:ln>
-            <a:noFill/>
-          </a:ln>
-        </p:spPr>
-        <p:style>
-          <a:lnRef idx="2">
-            <a:schemeClr val="accent1">
-              <a:shade val="50000"/>
-            </a:schemeClr>
-          </a:lnRef>
-          <a:fillRef idx="1">
-            <a:schemeClr val="accent1"/>
-          </a:fillRef>
-          <a:effectRef idx="0">
-            <a:schemeClr val="accent1"/>
-          </a:effectRef>
-          <a:fontRef idx="minor">
-            <a:schemeClr val="lt1"/>
-          </a:fontRef>
-        </p:style>
-        <p:txBody>
-          <a:bodyPr rtlCol="0" anchor="ctr"/>
-          <a:lstStyle/>
-          <a:p>
-            <a:pPr algn="ctr"/>
-            <a:endParaRPr lang="en-US"/>
-          </a:p>
-        </p:txBody>
-      </p:sp>
-    </p:spTree>
-    <p:extLst>
-      <p:ext uri="{BB962C8B-B14F-4D97-AF65-F5344CB8AC3E}">
-        <p14:creationId xmlns:p14="http://schemas.microsoft.com/office/powerpoint/2010/main" val="1916574975"/>
-      </p:ext>
-    </p:extLst>
-  </p:cSld>
-  <p:clrMapOvr>
-    <a:masterClrMapping/>
-  </p:clrMapOvr>
-</p:sldLayout>
-</file>
-
-<file path=ppt/slideLayouts/slideLayout3.xml><?xml version="1.0" encoding="utf-8"?>
-<p:sldLayout xmlns:a="http://schemas.openxmlformats.org/drawingml/2006/main" xmlns:r="http://schemas.openxmlformats.org/officeDocument/2006/relationships" xmlns:p="http://schemas.openxmlformats.org/presentationml/2006/main" type="secHead" preserve="1">
-  <p:cSld name="Section Header">
-    <p:spTree>
-      <p:nvGrpSpPr>
-        <p:cNvPr id="1" name=""/>
-        <p:cNvGrpSpPr/>
-        <p:nvPr/>
-      </p:nvGrpSpPr>
-      <p:grpSpPr>
-        <a:xfrm>
-          <a:off x="0" y="0"/>
-          <a:ext cx="0" cy="0"/>
-          <a:chOff x="0" y="0"/>
-          <a:chExt cx="0" cy="0"/>
-        </a:xfrm>
-      </p:grpSpPr>
-      <p:sp>
-        <p:nvSpPr>
-          <p:cNvPr id="2" name="Title 1"/>
-          <p:cNvSpPr>
-            <a:spLocks noGrp="1"/>
-          </p:cNvSpPr>
-          <p:nvPr>
-            <p:ph type="title"/>
-          </p:nvPr>
-        </p:nvSpPr>
-        <p:spPr>
-          <a:xfrm>
-            <a:off x="831850" y="1709738"/>
-            <a:ext cx="10515600" cy="2852737"/>
-          </a:xfrm>
-        </p:spPr>
-        <p:txBody>
-          <a:bodyPr anchor="b"/>
-          <a:lstStyle>
-            <a:lvl1pPr>
-              <a:defRPr sz="6000"/>
-            </a:lvl1pPr>
-          </a:lstStyle>
-          <a:p>
-            <a:r>
-              <a:rPr lang="en-US"/>
-              <a:t>Click to edit Master title style</a:t>
-            </a:r>
-          </a:p>
-        </p:txBody>
-      </p:sp>
-      <p:sp>
-        <p:nvSpPr>
-          <p:cNvPr id="3" name="Text Placeholder 2"/>
-          <p:cNvSpPr>
-            <a:spLocks noGrp="1"/>
-          </p:cNvSpPr>
-          <p:nvPr>
-            <p:ph type="body" idx="1"/>
-          </p:nvPr>
-        </p:nvSpPr>
-        <p:spPr>
-          <a:xfrm>
-            <a:off x="831850" y="4589463"/>
-            <a:ext cx="10515600" cy="1500187"/>
-          </a:xfrm>
-        </p:spPr>
-        <p:txBody>
-          <a:bodyPr/>
-          <a:lstStyle>
-            <a:lvl1pPr marL="0" indent="0">
-              <a:buNone/>
-              <a:defRPr sz="2400">
-                <a:solidFill>
-                  <a:schemeClr val="tx1">
-                    <a:tint val="75000"/>
-                  </a:schemeClr>
-                </a:solidFill>
-              </a:defRPr>
-            </a:lvl1pPr>
-            <a:lvl2pPr marL="457200" indent="0">
-              <a:buNone/>
-              <a:defRPr sz="2000">
-                <a:solidFill>
-                  <a:schemeClr val="tx1">
-                    <a:tint val="75000"/>
-                  </a:schemeClr>
-                </a:solidFill>
-              </a:defRPr>
-            </a:lvl2pPr>
-            <a:lvl3pPr marL="914400" indent="0">
-              <a:buNone/>
-              <a:defRPr sz="1800">
-                <a:solidFill>
-                  <a:schemeClr val="tx1">
-                    <a:tint val="75000"/>
-                  </a:schemeClr>
-                </a:solidFill>
-              </a:defRPr>
-            </a:lvl3pPr>
-            <a:lvl4pPr marL="1371600" indent="0">
-              <a:buNone/>
-              <a:defRPr sz="1600">
-                <a:solidFill>
-                  <a:schemeClr val="tx1">
-                    <a:tint val="75000"/>
-                  </a:schemeClr>
-                </a:solidFill>
-              </a:defRPr>
-            </a:lvl4pPr>
-            <a:lvl5pPr marL="1828800" indent="0">
-              <a:buNone/>
-              <a:defRPr sz="1600">
-                <a:solidFill>
-                  <a:schemeClr val="tx1">
-                    <a:tint val="75000"/>
-                  </a:schemeClr>
-                </a:solidFill>
-              </a:defRPr>
-            </a:lvl5pPr>
-            <a:lvl6pPr marL="2286000" indent="0">
-              <a:buNone/>
-              <a:defRPr sz="1600">
-                <a:solidFill>
-                  <a:schemeClr val="tx1">
-                    <a:tint val="75000"/>
-                  </a:schemeClr>
-                </a:solidFill>
-              </a:defRPr>
-            </a:lvl6pPr>
-            <a:lvl7pPr marL="2743200" indent="0">
-              <a:buNone/>
-              <a:defRPr sz="1600">
-                <a:solidFill>
-                  <a:schemeClr val="tx1">
-                    <a:tint val="75000"/>
-                  </a:schemeClr>
-                </a:solidFill>
-              </a:defRPr>
-            </a:lvl7pPr>
-            <a:lvl8pPr marL="3200400" indent="0">
-              <a:buNone/>
-              <a:defRPr sz="1600">
-                <a:solidFill>
-                  <a:schemeClr val="tx1">
-                    <a:tint val="75000"/>
-                  </a:schemeClr>
-                </a:solidFill>
-              </a:defRPr>
-            </a:lvl8pPr>
-            <a:lvl9pPr marL="3657600" indent="0">
-              <a:buNone/>
-              <a:defRPr sz="1600">
-                <a:solidFill>
-                  <a:schemeClr val="tx1">
-                    <a:tint val="75000"/>
-                  </a:schemeClr>
-                </a:solidFill>
-              </a:defRPr>
-            </a:lvl9pPr>
-          </a:lstStyle>
-          <a:p>
-            <a:pPr lvl="0"/>
-            <a:r>
-              <a:rPr lang="en-US"/>
-              <a:t>Click to edit Master text styles</a:t>
-            </a:r>
-          </a:p>
-        </p:txBody>
-      </p:sp>
-      <p:sp>
-        <p:nvSpPr>
-          <p:cNvPr id="4" name="Date Placeholder 3"/>
-          <p:cNvSpPr>
-            <a:spLocks noGrp="1"/>
-          </p:cNvSpPr>
-          <p:nvPr>
-            <p:ph type="dt" sz="half" idx="10"/>
-          </p:nvPr>
-        </p:nvSpPr>
-        <p:spPr/>
-        <p:txBody>
-          <a:bodyPr/>
-          <a:lstStyle/>
-          <a:p>
-            <a:fld id="{F0E53E00-DC67-B043-B571-30083E803751}" type="datetimeFigureOut">
-              <a:rPr lang="en-US" smtClean="0"/>
-              <a:t>11/30/2023</a:t>
-            </a:fld>
-            <a:endParaRPr lang="en-US"/>
-          </a:p>
-        </p:txBody>
-      </p:sp>
-      <p:sp>
-        <p:nvSpPr>
-          <p:cNvPr id="5" name="Footer Placeholder 4"/>
-          <p:cNvSpPr>
-            <a:spLocks noGrp="1"/>
-          </p:cNvSpPr>
-          <p:nvPr>
-            <p:ph type="ftr" sz="quarter" idx="11"/>
-          </p:nvPr>
-        </p:nvSpPr>
-        <p:spPr/>
-        <p:txBody>
-          <a:bodyPr/>
-          <a:lstStyle/>
-          <a:p>
-            <a:endParaRPr lang="en-US"/>
-          </a:p>
-        </p:txBody>
-      </p:sp>
-      <p:sp>
-        <p:nvSpPr>
-          <p:cNvPr id="6" name="Slide Number Placeholder 5"/>
-          <p:cNvSpPr>
-            <a:spLocks noGrp="1"/>
-          </p:cNvSpPr>
-          <p:nvPr>
-            <p:ph type="sldNum" sz="quarter" idx="12"/>
-          </p:nvPr>
-        </p:nvSpPr>
-        <p:spPr/>
-        <p:txBody>
-          <a:bodyPr/>
-          <a:lstStyle/>
-          <a:p>
-            <a:fld id="{1EF4C9A1-A5AA-A442-908E-CD6EBABAD4FA}" type="slidenum">
-              <a:rPr lang="en-US" smtClean="0"/>
-              <a:t>‹nr.›</a:t>
-            </a:fld>
-            <a:endParaRPr lang="en-US"/>
-          </a:p>
-        </p:txBody>
-      </p:sp>
-    </p:spTree>
-    <p:extLst>
-      <p:ext uri="{BB962C8B-B14F-4D97-AF65-F5344CB8AC3E}">
-        <p14:creationId xmlns:p14="http://schemas.microsoft.com/office/powerpoint/2010/main" val="1768383472"/>
-      </p:ext>
-    </p:extLst>
-  </p:cSld>
-  <p:clrMapOvr>
-    <a:masterClrMapping/>
-  </p:clrMapOvr>
-</p:sldLayout>
-</file>
-
-<file path=ppt/slideLayouts/slideLayout4.xml><?xml version="1.0" encoding="utf-8"?>
-<p:sldLayout xmlns:a="http://schemas.openxmlformats.org/drawingml/2006/main" xmlns:r="http://schemas.openxmlformats.org/officeDocument/2006/relationships" xmlns:p="http://schemas.openxmlformats.org/presentationml/2006/main" type="twoObj" preserve="1">
-  <p:cSld name="Two Content">
-    <p:spTree>
-      <p:nvGrpSpPr>
-        <p:cNvPr id="1" name=""/>
-        <p:cNvGrpSpPr/>
-        <p:nvPr/>
-      </p:nvGrpSpPr>
-      <p:grpSpPr>
-        <a:xfrm>
-          <a:off x="0" y="0"/>
-          <a:ext cx="0" cy="0"/>
-          <a:chOff x="0" y="0"/>
-          <a:chExt cx="0" cy="0"/>
-        </a:xfrm>
-      </p:grpSpPr>
-      <p:sp>
-        <p:nvSpPr>
-          <p:cNvPr id="2" name="Title 1"/>
-          <p:cNvSpPr>
-            <a:spLocks noGrp="1"/>
-          </p:cNvSpPr>
-          <p:nvPr>
-            <p:ph type="title"/>
-          </p:nvPr>
-        </p:nvSpPr>
-        <p:spPr/>
-        <p:txBody>
-          <a:bodyPr/>
-          <a:lstStyle/>
-          <a:p>
-            <a:r>
-              <a:rPr lang="en-US"/>
-              <a:t>Click to edit Master title style</a:t>
-            </a:r>
-          </a:p>
-        </p:txBody>
-      </p:sp>
-      <p:sp>
-        <p:nvSpPr>
-          <p:cNvPr id="3" name="Content Placeholder 2"/>
-          <p:cNvSpPr>
-            <a:spLocks noGrp="1"/>
-          </p:cNvSpPr>
-          <p:nvPr>
-            <p:ph sz="half" idx="1"/>
-          </p:nvPr>
-        </p:nvSpPr>
-        <p:spPr>
-          <a:xfrm>
-            <a:off x="838200" y="1825625"/>
-            <a:ext cx="5181600" cy="4351338"/>
-          </a:xfrm>
-        </p:spPr>
-        <p:txBody>
-          <a:bodyPr/>
-          <a:lstStyle/>
-          <a:p>
-            <a:pPr lvl="0"/>
-            <a:r>
-              <a:rPr lang="en-US"/>
-              <a:t>Click to edit Master text styles</a:t>
-            </a:r>
-          </a:p>
-          <a:p>
-            <a:pPr lvl="1"/>
-            <a:r>
-              <a:rPr lang="en-US"/>
-              <a:t>Second level</a:t>
-            </a:r>
-          </a:p>
-          <a:p>
-            <a:pPr lvl="2"/>
-            <a:r>
-              <a:rPr lang="en-US"/>
-              <a:t>Third level</a:t>
-            </a:r>
-          </a:p>
-          <a:p>
-            <a:pPr lvl="3"/>
-            <a:r>
-              <a:rPr lang="en-US"/>
-              <a:t>Fourth level</a:t>
-            </a:r>
-          </a:p>
-          <a:p>
-            <a:pPr lvl="4"/>
-            <a:r>
-              <a:rPr lang="en-US"/>
-              <a:t>Fifth level</a:t>
-            </a:r>
-          </a:p>
-        </p:txBody>
-      </p:sp>
-      <p:sp>
-        <p:nvSpPr>
-          <p:cNvPr id="4" name="Content Placeholder 3"/>
-          <p:cNvSpPr>
-            <a:spLocks noGrp="1"/>
-          </p:cNvSpPr>
-          <p:nvPr>
-            <p:ph sz="half" idx="2"/>
-          </p:nvPr>
-        </p:nvSpPr>
-        <p:spPr>
-          <a:xfrm>
-            <a:off x="6172200" y="1825625"/>
-            <a:ext cx="5181600" cy="4351338"/>
-          </a:xfrm>
-        </p:spPr>
-        <p:txBody>
-          <a:bodyPr/>
-          <a:lstStyle/>
-          <a:p>
-            <a:pPr lvl="0"/>
-            <a:r>
-              <a:rPr lang="en-US"/>
-              <a:t>Click to edit Master text styles</a:t>
-            </a:r>
-          </a:p>
-          <a:p>
-            <a:pPr lvl="1"/>
-            <a:r>
-              <a:rPr lang="en-US"/>
-              <a:t>Second level</a:t>
-            </a:r>
-          </a:p>
-          <a:p>
-            <a:pPr lvl="2"/>
-            <a:r>
-              <a:rPr lang="en-US"/>
-              <a:t>Third level</a:t>
-            </a:r>
-          </a:p>
-          <a:p>
-            <a:pPr lvl="3"/>
-            <a:r>
-              <a:rPr lang="en-US"/>
-              <a:t>Fourth level</a:t>
-            </a:r>
-          </a:p>
-          <a:p>
-            <a:pPr lvl="4"/>
-            <a:r>
-              <a:rPr lang="en-US"/>
-              <a:t>Fifth level</a:t>
-            </a:r>
-          </a:p>
-        </p:txBody>
-      </p:sp>
-      <p:sp>
-        <p:nvSpPr>
-          <p:cNvPr id="5" name="Date Placeholder 4"/>
-          <p:cNvSpPr>
-            <a:spLocks noGrp="1"/>
-          </p:cNvSpPr>
-          <p:nvPr>
-            <p:ph type="dt" sz="half" idx="10"/>
-          </p:nvPr>
-        </p:nvSpPr>
-        <p:spPr/>
-        <p:txBody>
-          <a:bodyPr/>
-          <a:lstStyle/>
-          <a:p>
-            <a:fld id="{F0E53E00-DC67-B043-B571-30083E803751}" type="datetimeFigureOut">
-              <a:rPr lang="en-US" smtClean="0"/>
-              <a:t>11/30/2023</a:t>
-            </a:fld>
-            <a:endParaRPr lang="en-US"/>
-          </a:p>
-        </p:txBody>
-      </p:sp>
-      <p:sp>
-        <p:nvSpPr>
-          <p:cNvPr id="6" name="Footer Placeholder 5"/>
-          <p:cNvSpPr>
-            <a:spLocks noGrp="1"/>
-          </p:cNvSpPr>
-          <p:nvPr>
-            <p:ph type="ftr" sz="quarter" idx="11"/>
-          </p:nvPr>
-        </p:nvSpPr>
-        <p:spPr/>
-        <p:txBody>
-          <a:bodyPr/>
-          <a:lstStyle/>
-          <a:p>
-            <a:endParaRPr lang="en-US"/>
-          </a:p>
-        </p:txBody>
-      </p:sp>
-      <p:sp>
-        <p:nvSpPr>
-          <p:cNvPr id="7" name="Slide Number Placeholder 6"/>
-          <p:cNvSpPr>
-            <a:spLocks noGrp="1"/>
-          </p:cNvSpPr>
-          <p:nvPr>
-            <p:ph type="sldNum" sz="quarter" idx="12"/>
-          </p:nvPr>
-        </p:nvSpPr>
-        <p:spPr/>
-        <p:txBody>
-          <a:bodyPr/>
-          <a:lstStyle/>
-          <a:p>
-            <a:fld id="{1EF4C9A1-A5AA-A442-908E-CD6EBABAD4FA}" type="slidenum">
-              <a:rPr lang="en-US" smtClean="0"/>
-              <a:t>‹nr.›</a:t>
-            </a:fld>
-            <a:endParaRPr lang="en-US"/>
-          </a:p>
-        </p:txBody>
-      </p:sp>
-    </p:spTree>
-    <p:extLst>
-      <p:ext uri="{BB962C8B-B14F-4D97-AF65-F5344CB8AC3E}">
-        <p14:creationId xmlns:p14="http://schemas.microsoft.com/office/powerpoint/2010/main" val="47339424"/>
-      </p:ext>
-    </p:extLst>
-  </p:cSld>
-  <p:clrMapOvr>
-    <a:masterClrMapping/>
-  </p:clrMapOvr>
-</p:sldLayout>
-</file>
-
-<file path=ppt/slideLayouts/slideLayout5.xml><?xml version="1.0" encoding="utf-8"?>
-<p:sldLayout xmlns:a="http://schemas.openxmlformats.org/drawingml/2006/main" xmlns:r="http://schemas.openxmlformats.org/officeDocument/2006/relationships" xmlns:p="http://schemas.openxmlformats.org/presentationml/2006/main" type="twoTxTwoObj" preserve="1">
-  <p:cSld name="Comparison">
-    <p:spTree>
-      <p:nvGrpSpPr>
-        <p:cNvPr id="1" name=""/>
-        <p:cNvGrpSpPr/>
-        <p:nvPr/>
-      </p:nvGrpSpPr>
-      <p:grpSpPr>
-        <a:xfrm>
-          <a:off x="0" y="0"/>
-          <a:ext cx="0" cy="0"/>
-          <a:chOff x="0" y="0"/>
-          <a:chExt cx="0" cy="0"/>
-        </a:xfrm>
-      </p:grpSpPr>
-      <p:sp>
-        <p:nvSpPr>
-          <p:cNvPr id="2" name="Title 1"/>
-          <p:cNvSpPr>
-            <a:spLocks noGrp="1"/>
-          </p:cNvSpPr>
-          <p:nvPr>
-            <p:ph type="title"/>
-          </p:nvPr>
-        </p:nvSpPr>
-        <p:spPr>
-          <a:xfrm>
-            <a:off x="839788" y="365125"/>
-            <a:ext cx="10515600" cy="1325563"/>
-          </a:xfrm>
-        </p:spPr>
-        <p:txBody>
-          <a:bodyPr/>
-          <a:lstStyle/>
-          <a:p>
-            <a:r>
-              <a:rPr lang="en-US"/>
-              <a:t>Click to edit Master title style</a:t>
-            </a:r>
-          </a:p>
-        </p:txBody>
-      </p:sp>
-      <p:sp>
-        <p:nvSpPr>
-          <p:cNvPr id="3" name="Text Placeholder 2"/>
-          <p:cNvSpPr>
-            <a:spLocks noGrp="1"/>
-          </p:cNvSpPr>
-          <p:nvPr>
-            <p:ph type="body" idx="1"/>
-          </p:nvPr>
-        </p:nvSpPr>
-        <p:spPr>
-          <a:xfrm>
-            <a:off x="839788" y="1681163"/>
-            <a:ext cx="5157787" cy="823912"/>
-          </a:xfrm>
-        </p:spPr>
-        <p:txBody>
-          <a:bodyPr anchor="b"/>
-          <a:lstStyle>
-            <a:lvl1pPr marL="0" indent="0">
-              <a:buNone/>
-              <a:defRPr sz="2400" b="1"/>
-            </a:lvl1pPr>
-            <a:lvl2pPr marL="457200" indent="0">
-              <a:buNone/>
-              <a:defRPr sz="2000" b="1"/>
-            </a:lvl2pPr>
-            <a:lvl3pPr marL="914400" indent="0">
-              <a:buNone/>
-              <a:defRPr sz="1800" b="1"/>
-            </a:lvl3pPr>
-            <a:lvl4pPr marL="1371600" indent="0">
-              <a:buNone/>
-              <a:defRPr sz="1600" b="1"/>
-            </a:lvl4pPr>
-            <a:lvl5pPr marL="1828800" indent="0">
-              <a:buNone/>
-              <a:defRPr sz="1600" b="1"/>
-            </a:lvl5pPr>
-            <a:lvl6pPr marL="2286000" indent="0">
-              <a:buNone/>
-              <a:defRPr sz="1600" b="1"/>
-            </a:lvl6pPr>
-            <a:lvl7pPr marL="2743200" indent="0">
-              <a:buNone/>
-              <a:defRPr sz="1600" b="1"/>
-            </a:lvl7pPr>
-            <a:lvl8pPr marL="3200400" indent="0">
-              <a:buNone/>
-              <a:defRPr sz="1600" b="1"/>
-            </a:lvl8pPr>
-            <a:lvl9pPr marL="3657600" indent="0">
-              <a:buNone/>
-              <a:defRPr sz="1600" b="1"/>
-            </a:lvl9pPr>
-          </a:lstStyle>
-          <a:p>
-            <a:pPr lvl="0"/>
-            <a:r>
-              <a:rPr lang="en-US"/>
-              <a:t>Click to edit Master text styles</a:t>
-            </a:r>
-          </a:p>
-        </p:txBody>
-      </p:sp>
-      <p:sp>
-        <p:nvSpPr>
-          <p:cNvPr id="4" name="Content Placeholder 3"/>
-          <p:cNvSpPr>
-            <a:spLocks noGrp="1"/>
-          </p:cNvSpPr>
-          <p:nvPr>
-            <p:ph sz="half" idx="2"/>
-          </p:nvPr>
-        </p:nvSpPr>
-        <p:spPr>
-          <a:xfrm>
-            <a:off x="839788" y="2505075"/>
-            <a:ext cx="5157787" cy="3684588"/>
-          </a:xfrm>
-        </p:spPr>
-        <p:txBody>
-          <a:bodyPr/>
-          <a:lstStyle/>
-          <a:p>
-            <a:pPr lvl="0"/>
-            <a:r>
-              <a:rPr lang="en-US"/>
-              <a:t>Click to edit Master text styles</a:t>
-            </a:r>
-          </a:p>
-          <a:p>
-            <a:pPr lvl="1"/>
-            <a:r>
-              <a:rPr lang="en-US"/>
-              <a:t>Second level</a:t>
-            </a:r>
-          </a:p>
-          <a:p>
-            <a:pPr lvl="2"/>
-            <a:r>
-              <a:rPr lang="en-US"/>
-              <a:t>Third level</a:t>
-            </a:r>
-          </a:p>
-          <a:p>
-            <a:pPr lvl="3"/>
-            <a:r>
-              <a:rPr lang="en-US"/>
-              <a:t>Fourth level</a:t>
-            </a:r>
-          </a:p>
-          <a:p>
-            <a:pPr lvl="4"/>
-            <a:r>
-              <a:rPr lang="en-US"/>
-              <a:t>Fifth level</a:t>
-            </a:r>
-          </a:p>
-        </p:txBody>
-      </p:sp>
-      <p:sp>
-        <p:nvSpPr>
-          <p:cNvPr id="5" name="Text Placeholder 4"/>
-          <p:cNvSpPr>
-            <a:spLocks noGrp="1"/>
-          </p:cNvSpPr>
-          <p:nvPr>
-            <p:ph type="body" sz="quarter" idx="3"/>
-          </p:nvPr>
-        </p:nvSpPr>
-        <p:spPr>
-          <a:xfrm>
-            <a:off x="6172200" y="1681163"/>
-            <a:ext cx="5183188" cy="823912"/>
-          </a:xfrm>
-        </p:spPr>
-        <p:txBody>
-          <a:bodyPr anchor="b"/>
-          <a:lstStyle>
-            <a:lvl1pPr marL="0" indent="0">
-              <a:buNone/>
-              <a:defRPr sz="2400" b="1"/>
-            </a:lvl1pPr>
-            <a:lvl2pPr marL="457200" indent="0">
-              <a:buNone/>
-              <a:defRPr sz="2000" b="1"/>
-            </a:lvl2pPr>
-            <a:lvl3pPr marL="914400" indent="0">
-              <a:buNone/>
-              <a:defRPr sz="1800" b="1"/>
-            </a:lvl3pPr>
-            <a:lvl4pPr marL="1371600" indent="0">
-              <a:buNone/>
-              <a:defRPr sz="1600" b="1"/>
-            </a:lvl4pPr>
-            <a:lvl5pPr marL="1828800" indent="0">
-              <a:buNone/>
-              <a:defRPr sz="1600" b="1"/>
-            </a:lvl5pPr>
-            <a:lvl6pPr marL="2286000" indent="0">
-              <a:buNone/>
-              <a:defRPr sz="1600" b="1"/>
-            </a:lvl6pPr>
-            <a:lvl7pPr marL="2743200" indent="0">
-              <a:buNone/>
-              <a:defRPr sz="1600" b="1"/>
-            </a:lvl7pPr>
-            <a:lvl8pPr marL="3200400" indent="0">
-              <a:buNone/>
-              <a:defRPr sz="1600" b="1"/>
-            </a:lvl8pPr>
-            <a:lvl9pPr marL="3657600" indent="0">
-              <a:buNone/>
-              <a:defRPr sz="1600" b="1"/>
-            </a:lvl9pPr>
-          </a:lstStyle>
-          <a:p>
-            <a:pPr lvl="0"/>
-            <a:r>
-              <a:rPr lang="en-US"/>
-              <a:t>Click to edit Master text styles</a:t>
-            </a:r>
-          </a:p>
-        </p:txBody>
-      </p:sp>
-      <p:sp>
-        <p:nvSpPr>
-          <p:cNvPr id="6" name="Content Placeholder 5"/>
-          <p:cNvSpPr>
-            <a:spLocks noGrp="1"/>
-          </p:cNvSpPr>
-          <p:nvPr>
-            <p:ph sz="quarter" idx="4"/>
-          </p:nvPr>
-        </p:nvSpPr>
-        <p:spPr>
-          <a:xfrm>
-            <a:off x="6172200" y="2505075"/>
-            <a:ext cx="5183188" cy="3684588"/>
-          </a:xfrm>
-        </p:spPr>
-        <p:txBody>
-          <a:bodyPr/>
-          <a:lstStyle/>
-          <a:p>
-            <a:pPr lvl="0"/>
-            <a:r>
-              <a:rPr lang="en-US"/>
-              <a:t>Click to edit Master text styles</a:t>
-            </a:r>
-          </a:p>
-          <a:p>
-            <a:pPr lvl="1"/>
-            <a:r>
-              <a:rPr lang="en-US"/>
-              <a:t>Second level</a:t>
-            </a:r>
-          </a:p>
-          <a:p>
-            <a:pPr lvl="2"/>
-            <a:r>
-              <a:rPr lang="en-US"/>
-              <a:t>Third level</a:t>
-            </a:r>
-          </a:p>
-          <a:p>
-            <a:pPr lvl="3"/>
-            <a:r>
-              <a:rPr lang="en-US"/>
-              <a:t>Fourth level</a:t>
-            </a:r>
-          </a:p>
-          <a:p>
-            <a:pPr lvl="4"/>
-            <a:r>
-              <a:rPr lang="en-US"/>
-              <a:t>Fifth level</a:t>
-            </a:r>
-          </a:p>
-        </p:txBody>
-      </p:sp>
-      <p:sp>
-        <p:nvSpPr>
-          <p:cNvPr id="7" name="Date Placeholder 6"/>
-          <p:cNvSpPr>
-            <a:spLocks noGrp="1"/>
-          </p:cNvSpPr>
-          <p:nvPr>
-            <p:ph type="dt" sz="half" idx="10"/>
-          </p:nvPr>
-        </p:nvSpPr>
-        <p:spPr/>
-        <p:txBody>
-          <a:bodyPr/>
-          <a:lstStyle/>
-          <a:p>
-            <a:fld id="{F0E53E00-DC67-B043-B571-30083E803751}" type="datetimeFigureOut">
-              <a:rPr lang="en-US" smtClean="0"/>
-              <a:t>11/30/2023</a:t>
-            </a:fld>
-            <a:endParaRPr lang="en-US"/>
-          </a:p>
-        </p:txBody>
-      </p:sp>
-      <p:sp>
-        <p:nvSpPr>
-          <p:cNvPr id="8" name="Footer Placeholder 7"/>
-          <p:cNvSpPr>
-            <a:spLocks noGrp="1"/>
-          </p:cNvSpPr>
-          <p:nvPr>
-            <p:ph type="ftr" sz="quarter" idx="11"/>
-          </p:nvPr>
-        </p:nvSpPr>
-        <p:spPr/>
-        <p:txBody>
-          <a:bodyPr/>
-          <a:lstStyle/>
-          <a:p>
-            <a:endParaRPr lang="en-US"/>
-          </a:p>
-        </p:txBody>
-      </p:sp>
-      <p:sp>
-        <p:nvSpPr>
-          <p:cNvPr id="9" name="Slide Number Placeholder 8"/>
-          <p:cNvSpPr>
-            <a:spLocks noGrp="1"/>
-          </p:cNvSpPr>
-          <p:nvPr>
-            <p:ph type="sldNum" sz="quarter" idx="12"/>
-          </p:nvPr>
-        </p:nvSpPr>
-        <p:spPr/>
-        <p:txBody>
-          <a:bodyPr/>
-          <a:lstStyle/>
-          <a:p>
-            <a:fld id="{1EF4C9A1-A5AA-A442-908E-CD6EBABAD4FA}" type="slidenum">
-              <a:rPr lang="en-US" smtClean="0"/>
-              <a:t>‹nr.›</a:t>
-            </a:fld>
-            <a:endParaRPr lang="en-US"/>
-          </a:p>
-        </p:txBody>
-      </p:sp>
-    </p:spTree>
-    <p:extLst>
-      <p:ext uri="{BB962C8B-B14F-4D97-AF65-F5344CB8AC3E}">
-        <p14:creationId xmlns:p14="http://schemas.microsoft.com/office/powerpoint/2010/main" val="1064749778"/>
-      </p:ext>
-    </p:extLst>
-  </p:cSld>
-  <p:clrMapOvr>
-    <a:masterClrMapping/>
-  </p:clrMapOvr>
-</p:sldLayout>
-</file>
-
-<file path=ppt/slideLayouts/slideLayout6.xml><?xml version="1.0" encoding="utf-8"?>
-<p:sldLayout xmlns:a="http://schemas.openxmlformats.org/drawingml/2006/main" xmlns:r="http://schemas.openxmlformats.org/officeDocument/2006/relationships" xmlns:p="http://schemas.openxmlformats.org/presentationml/2006/main" type="titleOnly" preserve="1">
-  <p:cSld name="Title Only">
-    <p:spTree>
-      <p:nvGrpSpPr>
-        <p:cNvPr id="1" name=""/>
-        <p:cNvGrpSpPr/>
-        <p:nvPr/>
-      </p:nvGrpSpPr>
-      <p:grpSpPr>
-        <a:xfrm>
-          <a:off x="0" y="0"/>
-          <a:ext cx="0" cy="0"/>
-          <a:chOff x="0" y="0"/>
-          <a:chExt cx="0" cy="0"/>
-        </a:xfrm>
-      </p:grpSpPr>
-      <p:sp>
-        <p:nvSpPr>
-          <p:cNvPr id="2" name="Title 1"/>
-          <p:cNvSpPr>
-            <a:spLocks noGrp="1"/>
-          </p:cNvSpPr>
-          <p:nvPr>
-            <p:ph type="title"/>
-          </p:nvPr>
-        </p:nvSpPr>
-        <p:spPr/>
-        <p:txBody>
-          <a:bodyPr/>
-          <a:lstStyle/>
-          <a:p>
-            <a:r>
-              <a:rPr lang="en-US"/>
-              <a:t>Click to edit Master title style</a:t>
-            </a:r>
-          </a:p>
-        </p:txBody>
-      </p:sp>
-      <p:sp>
-        <p:nvSpPr>
-          <p:cNvPr id="3" name="Date Placeholder 2"/>
-          <p:cNvSpPr>
-            <a:spLocks noGrp="1"/>
-          </p:cNvSpPr>
-          <p:nvPr>
-            <p:ph type="dt" sz="half" idx="10"/>
-          </p:nvPr>
-        </p:nvSpPr>
-        <p:spPr/>
-        <p:txBody>
-          <a:bodyPr/>
-          <a:lstStyle/>
-          <a:p>
-            <a:fld id="{F0E53E00-DC67-B043-B571-30083E803751}" type="datetimeFigureOut">
-              <a:rPr lang="en-US" smtClean="0"/>
-              <a:t>11/30/2023</a:t>
-            </a:fld>
-            <a:endParaRPr lang="en-US"/>
-          </a:p>
-        </p:txBody>
-      </p:sp>
-      <p:sp>
-        <p:nvSpPr>
-          <p:cNvPr id="4" name="Footer Placeholder 3"/>
-          <p:cNvSpPr>
-            <a:spLocks noGrp="1"/>
-          </p:cNvSpPr>
-          <p:nvPr>
-            <p:ph type="ftr" sz="quarter" idx="11"/>
-          </p:nvPr>
-        </p:nvSpPr>
-        <p:spPr/>
-        <p:txBody>
-          <a:bodyPr/>
-          <a:lstStyle/>
-          <a:p>
-            <a:endParaRPr lang="en-US"/>
-          </a:p>
-        </p:txBody>
-      </p:sp>
-      <p:sp>
-        <p:nvSpPr>
-          <p:cNvPr id="5" name="Slide Number Placeholder 4"/>
-          <p:cNvSpPr>
-            <a:spLocks noGrp="1"/>
-          </p:cNvSpPr>
-          <p:nvPr>
-            <p:ph type="sldNum" sz="quarter" idx="12"/>
-          </p:nvPr>
-        </p:nvSpPr>
-        <p:spPr/>
-        <p:txBody>
-          <a:bodyPr/>
-          <a:lstStyle/>
-          <a:p>
-            <a:fld id="{1EF4C9A1-A5AA-A442-908E-CD6EBABAD4FA}" type="slidenum">
-              <a:rPr lang="en-US" smtClean="0"/>
-              <a:t>‹nr.›</a:t>
-            </a:fld>
-            <a:endParaRPr lang="en-US"/>
-          </a:p>
-        </p:txBody>
-      </p:sp>
-    </p:spTree>
-    <p:extLst>
-      <p:ext uri="{BB962C8B-B14F-4D97-AF65-F5344CB8AC3E}">
-        <p14:creationId xmlns:p14="http://schemas.microsoft.com/office/powerpoint/2010/main" val="268288395"/>
-      </p:ext>
-    </p:extLst>
-  </p:cSld>
-  <p:clrMapOvr>
-    <a:masterClrMapping/>
-  </p:clrMapOvr>
-</p:sldLayout>
-</file>
-
-<file path=ppt/slideLayouts/slideLayout7.xml><?xml version="1.0" encoding="utf-8"?>
-<p:sldLayout xmlns:a="http://schemas.openxmlformats.org/drawingml/2006/main" xmlns:r="http://schemas.openxmlformats.org/officeDocument/2006/relationships" xmlns:p="http://schemas.openxmlformats.org/presentationml/2006/main" type="blank" preserve="1">
-  <p:cSld name="Blank">
-    <p:spTree>
-      <p:nvGrpSpPr>
-        <p:cNvPr id="1" name=""/>
-        <p:cNvGrpSpPr/>
-        <p:nvPr/>
-      </p:nvGrpSpPr>
-      <p:grpSpPr>
-        <a:xfrm>
-          <a:off x="0" y="0"/>
-          <a:ext cx="0" cy="0"/>
-          <a:chOff x="0" y="0"/>
-          <a:chExt cx="0" cy="0"/>
-        </a:xfrm>
-      </p:grpSpPr>
-      <p:sp>
-        <p:nvSpPr>
-          <p:cNvPr id="2" name="Date Placeholder 1"/>
-          <p:cNvSpPr>
-            <a:spLocks noGrp="1"/>
-          </p:cNvSpPr>
-          <p:nvPr>
-            <p:ph type="dt" sz="half" idx="10"/>
-          </p:nvPr>
-        </p:nvSpPr>
-        <p:spPr/>
-        <p:txBody>
-          <a:bodyPr/>
-          <a:lstStyle/>
-          <a:p>
-            <a:fld id="{F0E53E00-DC67-B043-B571-30083E803751}" type="datetimeFigureOut">
-              <a:rPr lang="en-US" smtClean="0"/>
-              <a:t>11/30/2023</a:t>
-            </a:fld>
-            <a:endParaRPr lang="en-US"/>
-          </a:p>
-        </p:txBody>
-      </p:sp>
-      <p:sp>
-        <p:nvSpPr>
-          <p:cNvPr id="3" name="Footer Placeholder 2"/>
-          <p:cNvSpPr>
-            <a:spLocks noGrp="1"/>
-          </p:cNvSpPr>
-          <p:nvPr>
-            <p:ph type="ftr" sz="quarter" idx="11"/>
-          </p:nvPr>
-        </p:nvSpPr>
-        <p:spPr/>
-        <p:txBody>
-          <a:bodyPr/>
-          <a:lstStyle/>
-          <a:p>
-            <a:endParaRPr lang="en-US"/>
-          </a:p>
-        </p:txBody>
-      </p:sp>
-      <p:sp>
-        <p:nvSpPr>
-          <p:cNvPr id="4" name="Slide Number Placeholder 3"/>
-          <p:cNvSpPr>
-            <a:spLocks noGrp="1"/>
-          </p:cNvSpPr>
-          <p:nvPr>
-            <p:ph type="sldNum" sz="quarter" idx="12"/>
-          </p:nvPr>
-        </p:nvSpPr>
-        <p:spPr/>
-        <p:txBody>
-          <a:bodyPr/>
-          <a:lstStyle/>
-          <a:p>
-            <a:fld id="{1EF4C9A1-A5AA-A442-908E-CD6EBABAD4FA}" type="slidenum">
-              <a:rPr lang="en-US" smtClean="0"/>
-              <a:t>‹nr.›</a:t>
-            </a:fld>
-            <a:endParaRPr lang="en-US"/>
-          </a:p>
-        </p:txBody>
-      </p:sp>
-      <p:pic>
-        <p:nvPicPr>
-          <p:cNvPr id="5" name="Picture 4"/>
-          <p:cNvPicPr>
-            <a:picLocks noChangeAspect="1"/>
-          </p:cNvPicPr>
-          <p:nvPr userDrawn="1"/>
-        </p:nvPicPr>
-        <p:blipFill>
-          <a:blip r:embed="rId2">
-            <a:alphaModFix amt="35000"/>
-            <a:extLst>
-              <a:ext uri="{28A0092B-C50C-407E-A947-70E740481C1C}">
-                <a14:useLocalDpi xmlns:a14="http://schemas.microsoft.com/office/drawing/2010/main" val="0"/>
-              </a:ext>
-            </a:extLst>
-          </a:blip>
-          <a:stretch>
-            <a:fillRect/>
-          </a:stretch>
-        </p:blipFill>
-        <p:spPr>
-          <a:xfrm>
-            <a:off x="9360000" y="0"/>
-            <a:ext cx="7740203" cy="2614411"/>
-          </a:xfrm>
-          <a:prstGeom prst="rect">
-            <a:avLst/>
-          </a:prstGeom>
-        </p:spPr>
-      </p:pic>
-      <p:pic>
-        <p:nvPicPr>
-          <p:cNvPr id="8" name="Picture 7"/>
-          <p:cNvPicPr>
-            <a:picLocks noChangeAspect="1"/>
-          </p:cNvPicPr>
-          <p:nvPr userDrawn="1"/>
-        </p:nvPicPr>
-        <p:blipFill>
-          <a:blip r:embed="rId3">
-            <a:alphaModFix amt="35000"/>
-            <a:extLst>
-              <a:ext uri="{28A0092B-C50C-407E-A947-70E740481C1C}">
-                <a14:useLocalDpi xmlns:a14="http://schemas.microsoft.com/office/drawing/2010/main" val="0"/>
-              </a:ext>
-            </a:extLst>
-          </a:blip>
-          <a:stretch>
-            <a:fillRect/>
-          </a:stretch>
-        </p:blipFill>
-        <p:spPr>
-          <a:xfrm>
-            <a:off x="360000" y="2700000"/>
-            <a:ext cx="5930153" cy="5930153"/>
-          </a:xfrm>
-          <a:prstGeom prst="rect">
-            <a:avLst/>
-          </a:prstGeom>
-        </p:spPr>
-      </p:pic>
-      <p:sp>
-        <p:nvSpPr>
-          <p:cNvPr id="9" name="Rectangle 8"/>
-          <p:cNvSpPr/>
-          <p:nvPr userDrawn="1"/>
-        </p:nvSpPr>
-        <p:spPr>
-          <a:xfrm>
-            <a:off x="2209800" y="4744757"/>
-            <a:ext cx="4370294" cy="1976718"/>
-          </a:xfrm>
-          <a:prstGeom prst="rect">
-            <a:avLst/>
-          </a:prstGeom>
-          <a:solidFill>
-            <a:schemeClr val="bg1"/>
-          </a:solidFill>
-          <a:ln>
-            <a:noFill/>
-          </a:ln>
-        </p:spPr>
-        <p:style>
-          <a:lnRef idx="2">
-            <a:schemeClr val="accent1">
-              <a:shade val="50000"/>
-            </a:schemeClr>
-          </a:lnRef>
-          <a:fillRef idx="1">
-            <a:schemeClr val="accent1"/>
-          </a:fillRef>
-          <a:effectRef idx="0">
-            <a:schemeClr val="accent1"/>
-          </a:effectRef>
-          <a:fontRef idx="minor">
-            <a:schemeClr val="lt1"/>
-          </a:fontRef>
-        </p:style>
-        <p:txBody>
-          <a:bodyPr rtlCol="0" anchor="ctr"/>
-          <a:lstStyle/>
-          <a:p>
-            <a:pPr algn="ctr"/>
-            <a:endParaRPr lang="en-US"/>
-          </a:p>
-        </p:txBody>
-      </p:sp>
-    </p:spTree>
-    <p:extLst>
-      <p:ext uri="{BB962C8B-B14F-4D97-AF65-F5344CB8AC3E}">
-        <p14:creationId xmlns:p14="http://schemas.microsoft.com/office/powerpoint/2010/main" val="1554879712"/>
-      </p:ext>
-    </p:extLst>
-  </p:cSld>
-  <p:clrMapOvr>
-    <a:masterClrMapping/>
-  </p:clrMapOvr>
-</p:sldLayout>
-</file>
-
-<file path=ppt/slideLayouts/slideLayout8.xml><?xml version="1.0" encoding="utf-8"?>
 <p:sldLayout xmlns:a="http://schemas.openxmlformats.org/drawingml/2006/main" xmlns:r="http://schemas.openxmlformats.org/officeDocument/2006/relationships" xmlns:p="http://schemas.openxmlformats.org/presentationml/2006/main" preserve="1" userDrawn="1">
   <p:cSld name="Custom Layout">
     <p:spTree>
@@ -2743,7 +1147,7 @@
           <a:p>
             <a:fld id="{F0E53E00-DC67-B043-B571-30083E803751}" type="datetimeFigureOut">
               <a:rPr lang="en-US" smtClean="0"/>
-              <a:t>11/30/2023</a:t>
+              <a:t>11/6/2024</a:t>
             </a:fld>
             <a:endParaRPr lang="en-US"/>
           </a:p>
@@ -2835,9 +1239,9 @@
 </p:sldLayout>
 </file>
 
-<file path=ppt/slideLayouts/slideLayout9.xml><?xml version="1.0" encoding="utf-8"?>
-<p:sldLayout xmlns:a="http://schemas.openxmlformats.org/drawingml/2006/main" xmlns:r="http://schemas.openxmlformats.org/officeDocument/2006/relationships" xmlns:p="http://schemas.openxmlformats.org/presentationml/2006/main" type="objTx" preserve="1">
-  <p:cSld name="Content with Caption">
+<file path=ppt/slideLayouts/slideLayout2.xml><?xml version="1.0" encoding="utf-8"?>
+<p:sldLayout xmlns:a="http://schemas.openxmlformats.org/drawingml/2006/main" xmlns:r="http://schemas.openxmlformats.org/officeDocument/2006/relationships" xmlns:p="http://schemas.openxmlformats.org/presentationml/2006/main" type="obj" preserve="1">
+  <p:cSld name="Titel en object">
     <p:spTree>
       <p:nvGrpSpPr>
         <p:cNvPr id="1" name=""/>
@@ -2854,7 +1258,1417 @@
       </p:grpSpPr>
       <p:sp>
         <p:nvSpPr>
-          <p:cNvPr id="2" name="Title 1"/>
+          <p:cNvPr id="2" name="Titel 1">
+            <a:extLst>
+              <a:ext uri="{FF2B5EF4-FFF2-40B4-BE49-F238E27FC236}">
+                <a16:creationId xmlns:a16="http://schemas.microsoft.com/office/drawing/2014/main" id="{1D6CA981-875D-AB96-B716-BFD0B8253C5A}"/>
+              </a:ext>
+            </a:extLst>
+          </p:cNvPr>
+          <p:cNvSpPr>
+            <a:spLocks noGrp="1"/>
+          </p:cNvSpPr>
+          <p:nvPr>
+            <p:ph type="title"/>
+          </p:nvPr>
+        </p:nvSpPr>
+        <p:spPr/>
+        <p:txBody>
+          <a:bodyPr/>
+          <a:lstStyle/>
+          <a:p>
+            <a:r>
+              <a:rPr lang="nl-NL"/>
+              <a:t>Klik om stijl te bewerken</a:t>
+            </a:r>
+          </a:p>
+        </p:txBody>
+      </p:sp>
+      <p:sp>
+        <p:nvSpPr>
+          <p:cNvPr id="3" name="Tijdelijke aanduiding voor inhoud 2">
+            <a:extLst>
+              <a:ext uri="{FF2B5EF4-FFF2-40B4-BE49-F238E27FC236}">
+                <a16:creationId xmlns:a16="http://schemas.microsoft.com/office/drawing/2014/main" id="{AA4E12DA-A4C1-5EF0-6E66-2516A8D5C317}"/>
+              </a:ext>
+            </a:extLst>
+          </p:cNvPr>
+          <p:cNvSpPr>
+            <a:spLocks noGrp="1"/>
+          </p:cNvSpPr>
+          <p:nvPr>
+            <p:ph idx="1"/>
+          </p:nvPr>
+        </p:nvSpPr>
+        <p:spPr/>
+        <p:txBody>
+          <a:bodyPr/>
+          <a:lstStyle/>
+          <a:p>
+            <a:pPr lvl="0"/>
+            <a:r>
+              <a:rPr lang="nl-NL"/>
+              <a:t>Klikken om de tekststijl van het model te bewerken</a:t>
+            </a:r>
+          </a:p>
+          <a:p>
+            <a:pPr lvl="1"/>
+            <a:r>
+              <a:rPr lang="nl-NL"/>
+              <a:t>Tweede niveau</a:t>
+            </a:r>
+          </a:p>
+          <a:p>
+            <a:pPr lvl="2"/>
+            <a:r>
+              <a:rPr lang="nl-NL"/>
+              <a:t>Derde niveau</a:t>
+            </a:r>
+          </a:p>
+          <a:p>
+            <a:pPr lvl="3"/>
+            <a:r>
+              <a:rPr lang="nl-NL"/>
+              <a:t>Vierde niveau</a:t>
+            </a:r>
+          </a:p>
+          <a:p>
+            <a:pPr lvl="4"/>
+            <a:r>
+              <a:rPr lang="nl-NL"/>
+              <a:t>Vijfde niveau</a:t>
+            </a:r>
+          </a:p>
+        </p:txBody>
+      </p:sp>
+      <p:sp>
+        <p:nvSpPr>
+          <p:cNvPr id="4" name="Tijdelijke aanduiding voor datum 3">
+            <a:extLst>
+              <a:ext uri="{FF2B5EF4-FFF2-40B4-BE49-F238E27FC236}">
+                <a16:creationId xmlns:a16="http://schemas.microsoft.com/office/drawing/2014/main" id="{AE08EF94-1A56-B963-B74D-A2287E150300}"/>
+              </a:ext>
+            </a:extLst>
+          </p:cNvPr>
+          <p:cNvSpPr>
+            <a:spLocks noGrp="1"/>
+          </p:cNvSpPr>
+          <p:nvPr>
+            <p:ph type="dt" sz="half" idx="10"/>
+          </p:nvPr>
+        </p:nvSpPr>
+        <p:spPr/>
+        <p:txBody>
+          <a:bodyPr/>
+          <a:lstStyle/>
+          <a:p>
+            <a:fld id="{F0E53E00-DC67-B043-B571-30083E803751}" type="datetimeFigureOut">
+              <a:rPr lang="en-US" smtClean="0"/>
+              <a:t>11/6/2024</a:t>
+            </a:fld>
+            <a:endParaRPr lang="en-US"/>
+          </a:p>
+        </p:txBody>
+      </p:sp>
+      <p:sp>
+        <p:nvSpPr>
+          <p:cNvPr id="5" name="Tijdelijke aanduiding voor voettekst 4">
+            <a:extLst>
+              <a:ext uri="{FF2B5EF4-FFF2-40B4-BE49-F238E27FC236}">
+                <a16:creationId xmlns:a16="http://schemas.microsoft.com/office/drawing/2014/main" id="{9D74433C-75D0-BB66-AB37-F8CF7550ABB9}"/>
+              </a:ext>
+            </a:extLst>
+          </p:cNvPr>
+          <p:cNvSpPr>
+            <a:spLocks noGrp="1"/>
+          </p:cNvSpPr>
+          <p:nvPr>
+            <p:ph type="ftr" sz="quarter" idx="11"/>
+          </p:nvPr>
+        </p:nvSpPr>
+        <p:spPr/>
+        <p:txBody>
+          <a:bodyPr/>
+          <a:lstStyle/>
+          <a:p>
+            <a:endParaRPr lang="en-US"/>
+          </a:p>
+        </p:txBody>
+      </p:sp>
+      <p:sp>
+        <p:nvSpPr>
+          <p:cNvPr id="6" name="Tijdelijke aanduiding voor dianummer 5">
+            <a:extLst>
+              <a:ext uri="{FF2B5EF4-FFF2-40B4-BE49-F238E27FC236}">
+                <a16:creationId xmlns:a16="http://schemas.microsoft.com/office/drawing/2014/main" id="{2CE36434-5E89-F7C2-A77A-133C56A535D8}"/>
+              </a:ext>
+            </a:extLst>
+          </p:cNvPr>
+          <p:cNvSpPr>
+            <a:spLocks noGrp="1"/>
+          </p:cNvSpPr>
+          <p:nvPr>
+            <p:ph type="sldNum" sz="quarter" idx="12"/>
+          </p:nvPr>
+        </p:nvSpPr>
+        <p:spPr/>
+        <p:txBody>
+          <a:bodyPr/>
+          <a:lstStyle/>
+          <a:p>
+            <a:fld id="{1EF4C9A1-A5AA-A442-908E-CD6EBABAD4FA}" type="slidenum">
+              <a:rPr lang="en-US" smtClean="0"/>
+              <a:t>‹nr.›</a:t>
+            </a:fld>
+            <a:endParaRPr lang="en-US"/>
+          </a:p>
+        </p:txBody>
+      </p:sp>
+    </p:spTree>
+    <p:extLst>
+      <p:ext uri="{BB962C8B-B14F-4D97-AF65-F5344CB8AC3E}">
+        <p14:creationId xmlns:p14="http://schemas.microsoft.com/office/powerpoint/2010/main" val="504500021"/>
+      </p:ext>
+    </p:extLst>
+  </p:cSld>
+  <p:clrMapOvr>
+    <a:masterClrMapping/>
+  </p:clrMapOvr>
+</p:sldLayout>
+</file>
+
+<file path=ppt/slideLayouts/slideLayout3.xml><?xml version="1.0" encoding="utf-8"?>
+<p:sldLayout xmlns:a="http://schemas.openxmlformats.org/drawingml/2006/main" xmlns:r="http://schemas.openxmlformats.org/officeDocument/2006/relationships" xmlns:p="http://schemas.openxmlformats.org/presentationml/2006/main" type="secHead" preserve="1">
+  <p:cSld name="Sectiekop">
+    <p:spTree>
+      <p:nvGrpSpPr>
+        <p:cNvPr id="1" name=""/>
+        <p:cNvGrpSpPr/>
+        <p:nvPr/>
+      </p:nvGrpSpPr>
+      <p:grpSpPr>
+        <a:xfrm>
+          <a:off x="0" y="0"/>
+          <a:ext cx="0" cy="0"/>
+          <a:chOff x="0" y="0"/>
+          <a:chExt cx="0" cy="0"/>
+        </a:xfrm>
+      </p:grpSpPr>
+      <p:sp>
+        <p:nvSpPr>
+          <p:cNvPr id="2" name="Titel 1">
+            <a:extLst>
+              <a:ext uri="{FF2B5EF4-FFF2-40B4-BE49-F238E27FC236}">
+                <a16:creationId xmlns:a16="http://schemas.microsoft.com/office/drawing/2014/main" id="{89BBA32E-CFDD-3B83-CB02-F912FDBF72E3}"/>
+              </a:ext>
+            </a:extLst>
+          </p:cNvPr>
+          <p:cNvSpPr>
+            <a:spLocks noGrp="1"/>
+          </p:cNvSpPr>
+          <p:nvPr>
+            <p:ph type="title"/>
+          </p:nvPr>
+        </p:nvSpPr>
+        <p:spPr>
+          <a:xfrm>
+            <a:off x="831850" y="1709738"/>
+            <a:ext cx="10515600" cy="2852737"/>
+          </a:xfrm>
+        </p:spPr>
+        <p:txBody>
+          <a:bodyPr anchor="b"/>
+          <a:lstStyle>
+            <a:lvl1pPr>
+              <a:defRPr sz="6000"/>
+            </a:lvl1pPr>
+          </a:lstStyle>
+          <a:p>
+            <a:r>
+              <a:rPr lang="nl-NL"/>
+              <a:t>Klik om stijl te bewerken</a:t>
+            </a:r>
+          </a:p>
+        </p:txBody>
+      </p:sp>
+      <p:sp>
+        <p:nvSpPr>
+          <p:cNvPr id="3" name="Tijdelijke aanduiding voor tekst 2">
+            <a:extLst>
+              <a:ext uri="{FF2B5EF4-FFF2-40B4-BE49-F238E27FC236}">
+                <a16:creationId xmlns:a16="http://schemas.microsoft.com/office/drawing/2014/main" id="{3A801C75-2E56-EAA9-76CF-7CB0E2CD75BA}"/>
+              </a:ext>
+            </a:extLst>
+          </p:cNvPr>
+          <p:cNvSpPr>
+            <a:spLocks noGrp="1"/>
+          </p:cNvSpPr>
+          <p:nvPr>
+            <p:ph type="body" idx="1"/>
+          </p:nvPr>
+        </p:nvSpPr>
+        <p:spPr>
+          <a:xfrm>
+            <a:off x="831850" y="4589463"/>
+            <a:ext cx="10515600" cy="1500187"/>
+          </a:xfrm>
+        </p:spPr>
+        <p:txBody>
+          <a:bodyPr/>
+          <a:lstStyle>
+            <a:lvl1pPr marL="0" indent="0">
+              <a:buNone/>
+              <a:defRPr sz="2400">
+                <a:solidFill>
+                  <a:schemeClr val="tx1">
+                    <a:tint val="82000"/>
+                  </a:schemeClr>
+                </a:solidFill>
+              </a:defRPr>
+            </a:lvl1pPr>
+            <a:lvl2pPr marL="457200" indent="0">
+              <a:buNone/>
+              <a:defRPr sz="2000">
+                <a:solidFill>
+                  <a:schemeClr val="tx1">
+                    <a:tint val="82000"/>
+                  </a:schemeClr>
+                </a:solidFill>
+              </a:defRPr>
+            </a:lvl2pPr>
+            <a:lvl3pPr marL="914400" indent="0">
+              <a:buNone/>
+              <a:defRPr sz="1800">
+                <a:solidFill>
+                  <a:schemeClr val="tx1">
+                    <a:tint val="82000"/>
+                  </a:schemeClr>
+                </a:solidFill>
+              </a:defRPr>
+            </a:lvl3pPr>
+            <a:lvl4pPr marL="1371600" indent="0">
+              <a:buNone/>
+              <a:defRPr sz="1600">
+                <a:solidFill>
+                  <a:schemeClr val="tx1">
+                    <a:tint val="82000"/>
+                  </a:schemeClr>
+                </a:solidFill>
+              </a:defRPr>
+            </a:lvl4pPr>
+            <a:lvl5pPr marL="1828800" indent="0">
+              <a:buNone/>
+              <a:defRPr sz="1600">
+                <a:solidFill>
+                  <a:schemeClr val="tx1">
+                    <a:tint val="82000"/>
+                  </a:schemeClr>
+                </a:solidFill>
+              </a:defRPr>
+            </a:lvl5pPr>
+            <a:lvl6pPr marL="2286000" indent="0">
+              <a:buNone/>
+              <a:defRPr sz="1600">
+                <a:solidFill>
+                  <a:schemeClr val="tx1">
+                    <a:tint val="82000"/>
+                  </a:schemeClr>
+                </a:solidFill>
+              </a:defRPr>
+            </a:lvl6pPr>
+            <a:lvl7pPr marL="2743200" indent="0">
+              <a:buNone/>
+              <a:defRPr sz="1600">
+                <a:solidFill>
+                  <a:schemeClr val="tx1">
+                    <a:tint val="82000"/>
+                  </a:schemeClr>
+                </a:solidFill>
+              </a:defRPr>
+            </a:lvl7pPr>
+            <a:lvl8pPr marL="3200400" indent="0">
+              <a:buNone/>
+              <a:defRPr sz="1600">
+                <a:solidFill>
+                  <a:schemeClr val="tx1">
+                    <a:tint val="82000"/>
+                  </a:schemeClr>
+                </a:solidFill>
+              </a:defRPr>
+            </a:lvl8pPr>
+            <a:lvl9pPr marL="3657600" indent="0">
+              <a:buNone/>
+              <a:defRPr sz="1600">
+                <a:solidFill>
+                  <a:schemeClr val="tx1">
+                    <a:tint val="82000"/>
+                  </a:schemeClr>
+                </a:solidFill>
+              </a:defRPr>
+            </a:lvl9pPr>
+          </a:lstStyle>
+          <a:p>
+            <a:pPr lvl="0"/>
+            <a:r>
+              <a:rPr lang="nl-NL"/>
+              <a:t>Klikken om de tekststijl van het model te bewerken</a:t>
+            </a:r>
+          </a:p>
+        </p:txBody>
+      </p:sp>
+      <p:sp>
+        <p:nvSpPr>
+          <p:cNvPr id="4" name="Tijdelijke aanduiding voor datum 3">
+            <a:extLst>
+              <a:ext uri="{FF2B5EF4-FFF2-40B4-BE49-F238E27FC236}">
+                <a16:creationId xmlns:a16="http://schemas.microsoft.com/office/drawing/2014/main" id="{FA2F912E-7682-DCE5-2A8F-E314AE0A2F63}"/>
+              </a:ext>
+            </a:extLst>
+          </p:cNvPr>
+          <p:cNvSpPr>
+            <a:spLocks noGrp="1"/>
+          </p:cNvSpPr>
+          <p:nvPr>
+            <p:ph type="dt" sz="half" idx="10"/>
+          </p:nvPr>
+        </p:nvSpPr>
+        <p:spPr/>
+        <p:txBody>
+          <a:bodyPr/>
+          <a:lstStyle/>
+          <a:p>
+            <a:fld id="{F0E53E00-DC67-B043-B571-30083E803751}" type="datetimeFigureOut">
+              <a:rPr lang="en-US" smtClean="0"/>
+              <a:t>11/6/2024</a:t>
+            </a:fld>
+            <a:endParaRPr lang="en-US"/>
+          </a:p>
+        </p:txBody>
+      </p:sp>
+      <p:sp>
+        <p:nvSpPr>
+          <p:cNvPr id="5" name="Tijdelijke aanduiding voor voettekst 4">
+            <a:extLst>
+              <a:ext uri="{FF2B5EF4-FFF2-40B4-BE49-F238E27FC236}">
+                <a16:creationId xmlns:a16="http://schemas.microsoft.com/office/drawing/2014/main" id="{51985248-C0D3-FE75-E3ED-BDEF76DA8834}"/>
+              </a:ext>
+            </a:extLst>
+          </p:cNvPr>
+          <p:cNvSpPr>
+            <a:spLocks noGrp="1"/>
+          </p:cNvSpPr>
+          <p:nvPr>
+            <p:ph type="ftr" sz="quarter" idx="11"/>
+          </p:nvPr>
+        </p:nvSpPr>
+        <p:spPr/>
+        <p:txBody>
+          <a:bodyPr/>
+          <a:lstStyle/>
+          <a:p>
+            <a:endParaRPr lang="en-US"/>
+          </a:p>
+        </p:txBody>
+      </p:sp>
+      <p:sp>
+        <p:nvSpPr>
+          <p:cNvPr id="6" name="Tijdelijke aanduiding voor dianummer 5">
+            <a:extLst>
+              <a:ext uri="{FF2B5EF4-FFF2-40B4-BE49-F238E27FC236}">
+                <a16:creationId xmlns:a16="http://schemas.microsoft.com/office/drawing/2014/main" id="{8D4B98DE-A538-9D86-CD2A-254DE484BD92}"/>
+              </a:ext>
+            </a:extLst>
+          </p:cNvPr>
+          <p:cNvSpPr>
+            <a:spLocks noGrp="1"/>
+          </p:cNvSpPr>
+          <p:nvPr>
+            <p:ph type="sldNum" sz="quarter" idx="12"/>
+          </p:nvPr>
+        </p:nvSpPr>
+        <p:spPr/>
+        <p:txBody>
+          <a:bodyPr/>
+          <a:lstStyle/>
+          <a:p>
+            <a:fld id="{1EF4C9A1-A5AA-A442-908E-CD6EBABAD4FA}" type="slidenum">
+              <a:rPr lang="en-US" smtClean="0"/>
+              <a:t>‹nr.›</a:t>
+            </a:fld>
+            <a:endParaRPr lang="en-US"/>
+          </a:p>
+        </p:txBody>
+      </p:sp>
+    </p:spTree>
+    <p:extLst>
+      <p:ext uri="{BB962C8B-B14F-4D97-AF65-F5344CB8AC3E}">
+        <p14:creationId xmlns:p14="http://schemas.microsoft.com/office/powerpoint/2010/main" val="2679120901"/>
+      </p:ext>
+    </p:extLst>
+  </p:cSld>
+  <p:clrMapOvr>
+    <a:masterClrMapping/>
+  </p:clrMapOvr>
+</p:sldLayout>
+</file>
+
+<file path=ppt/slideLayouts/slideLayout4.xml><?xml version="1.0" encoding="utf-8"?>
+<p:sldLayout xmlns:a="http://schemas.openxmlformats.org/drawingml/2006/main" xmlns:r="http://schemas.openxmlformats.org/officeDocument/2006/relationships" xmlns:p="http://schemas.openxmlformats.org/presentationml/2006/main" type="twoObj" preserve="1">
+  <p:cSld name="Inhoud van twee">
+    <p:spTree>
+      <p:nvGrpSpPr>
+        <p:cNvPr id="1" name=""/>
+        <p:cNvGrpSpPr/>
+        <p:nvPr/>
+      </p:nvGrpSpPr>
+      <p:grpSpPr>
+        <a:xfrm>
+          <a:off x="0" y="0"/>
+          <a:ext cx="0" cy="0"/>
+          <a:chOff x="0" y="0"/>
+          <a:chExt cx="0" cy="0"/>
+        </a:xfrm>
+      </p:grpSpPr>
+      <p:sp>
+        <p:nvSpPr>
+          <p:cNvPr id="2" name="Titel 1">
+            <a:extLst>
+              <a:ext uri="{FF2B5EF4-FFF2-40B4-BE49-F238E27FC236}">
+                <a16:creationId xmlns:a16="http://schemas.microsoft.com/office/drawing/2014/main" id="{E4DA6E37-6E46-386E-9B8D-D78A20A64BDC}"/>
+              </a:ext>
+            </a:extLst>
+          </p:cNvPr>
+          <p:cNvSpPr>
+            <a:spLocks noGrp="1"/>
+          </p:cNvSpPr>
+          <p:nvPr>
+            <p:ph type="title"/>
+          </p:nvPr>
+        </p:nvSpPr>
+        <p:spPr/>
+        <p:txBody>
+          <a:bodyPr/>
+          <a:lstStyle/>
+          <a:p>
+            <a:r>
+              <a:rPr lang="nl-NL"/>
+              <a:t>Klik om stijl te bewerken</a:t>
+            </a:r>
+          </a:p>
+        </p:txBody>
+      </p:sp>
+      <p:sp>
+        <p:nvSpPr>
+          <p:cNvPr id="3" name="Tijdelijke aanduiding voor inhoud 2">
+            <a:extLst>
+              <a:ext uri="{FF2B5EF4-FFF2-40B4-BE49-F238E27FC236}">
+                <a16:creationId xmlns:a16="http://schemas.microsoft.com/office/drawing/2014/main" id="{3F64E7E8-F763-BFA2-ED8D-BE51785622BE}"/>
+              </a:ext>
+            </a:extLst>
+          </p:cNvPr>
+          <p:cNvSpPr>
+            <a:spLocks noGrp="1"/>
+          </p:cNvSpPr>
+          <p:nvPr>
+            <p:ph sz="half" idx="1"/>
+          </p:nvPr>
+        </p:nvSpPr>
+        <p:spPr>
+          <a:xfrm>
+            <a:off x="838200" y="1825625"/>
+            <a:ext cx="5181600" cy="4351338"/>
+          </a:xfrm>
+        </p:spPr>
+        <p:txBody>
+          <a:bodyPr/>
+          <a:lstStyle/>
+          <a:p>
+            <a:pPr lvl="0"/>
+            <a:r>
+              <a:rPr lang="nl-NL"/>
+              <a:t>Klikken om de tekststijl van het model te bewerken</a:t>
+            </a:r>
+          </a:p>
+          <a:p>
+            <a:pPr lvl="1"/>
+            <a:r>
+              <a:rPr lang="nl-NL"/>
+              <a:t>Tweede niveau</a:t>
+            </a:r>
+          </a:p>
+          <a:p>
+            <a:pPr lvl="2"/>
+            <a:r>
+              <a:rPr lang="nl-NL"/>
+              <a:t>Derde niveau</a:t>
+            </a:r>
+          </a:p>
+          <a:p>
+            <a:pPr lvl="3"/>
+            <a:r>
+              <a:rPr lang="nl-NL"/>
+              <a:t>Vierde niveau</a:t>
+            </a:r>
+          </a:p>
+          <a:p>
+            <a:pPr lvl="4"/>
+            <a:r>
+              <a:rPr lang="nl-NL"/>
+              <a:t>Vijfde niveau</a:t>
+            </a:r>
+          </a:p>
+        </p:txBody>
+      </p:sp>
+      <p:sp>
+        <p:nvSpPr>
+          <p:cNvPr id="4" name="Tijdelijke aanduiding voor inhoud 3">
+            <a:extLst>
+              <a:ext uri="{FF2B5EF4-FFF2-40B4-BE49-F238E27FC236}">
+                <a16:creationId xmlns:a16="http://schemas.microsoft.com/office/drawing/2014/main" id="{2699E5D0-6DF7-6492-7AF2-3F1826F2EAFC}"/>
+              </a:ext>
+            </a:extLst>
+          </p:cNvPr>
+          <p:cNvSpPr>
+            <a:spLocks noGrp="1"/>
+          </p:cNvSpPr>
+          <p:nvPr>
+            <p:ph sz="half" idx="2"/>
+          </p:nvPr>
+        </p:nvSpPr>
+        <p:spPr>
+          <a:xfrm>
+            <a:off x="6172200" y="1825625"/>
+            <a:ext cx="5181600" cy="4351338"/>
+          </a:xfrm>
+        </p:spPr>
+        <p:txBody>
+          <a:bodyPr/>
+          <a:lstStyle/>
+          <a:p>
+            <a:pPr lvl="0"/>
+            <a:r>
+              <a:rPr lang="nl-NL"/>
+              <a:t>Klikken om de tekststijl van het model te bewerken</a:t>
+            </a:r>
+          </a:p>
+          <a:p>
+            <a:pPr lvl="1"/>
+            <a:r>
+              <a:rPr lang="nl-NL"/>
+              <a:t>Tweede niveau</a:t>
+            </a:r>
+          </a:p>
+          <a:p>
+            <a:pPr lvl="2"/>
+            <a:r>
+              <a:rPr lang="nl-NL"/>
+              <a:t>Derde niveau</a:t>
+            </a:r>
+          </a:p>
+          <a:p>
+            <a:pPr lvl="3"/>
+            <a:r>
+              <a:rPr lang="nl-NL"/>
+              <a:t>Vierde niveau</a:t>
+            </a:r>
+          </a:p>
+          <a:p>
+            <a:pPr lvl="4"/>
+            <a:r>
+              <a:rPr lang="nl-NL"/>
+              <a:t>Vijfde niveau</a:t>
+            </a:r>
+          </a:p>
+        </p:txBody>
+      </p:sp>
+      <p:sp>
+        <p:nvSpPr>
+          <p:cNvPr id="5" name="Tijdelijke aanduiding voor datum 4">
+            <a:extLst>
+              <a:ext uri="{FF2B5EF4-FFF2-40B4-BE49-F238E27FC236}">
+                <a16:creationId xmlns:a16="http://schemas.microsoft.com/office/drawing/2014/main" id="{0A0FFEDC-D534-FBA0-CF1F-D7477B07DA5A}"/>
+              </a:ext>
+            </a:extLst>
+          </p:cNvPr>
+          <p:cNvSpPr>
+            <a:spLocks noGrp="1"/>
+          </p:cNvSpPr>
+          <p:nvPr>
+            <p:ph type="dt" sz="half" idx="10"/>
+          </p:nvPr>
+        </p:nvSpPr>
+        <p:spPr/>
+        <p:txBody>
+          <a:bodyPr/>
+          <a:lstStyle/>
+          <a:p>
+            <a:fld id="{F0E53E00-DC67-B043-B571-30083E803751}" type="datetimeFigureOut">
+              <a:rPr lang="en-US" smtClean="0"/>
+              <a:t>11/6/2024</a:t>
+            </a:fld>
+            <a:endParaRPr lang="en-US"/>
+          </a:p>
+        </p:txBody>
+      </p:sp>
+      <p:sp>
+        <p:nvSpPr>
+          <p:cNvPr id="6" name="Tijdelijke aanduiding voor voettekst 5">
+            <a:extLst>
+              <a:ext uri="{FF2B5EF4-FFF2-40B4-BE49-F238E27FC236}">
+                <a16:creationId xmlns:a16="http://schemas.microsoft.com/office/drawing/2014/main" id="{AC30E380-23E5-D9AF-3C34-050D9FC55146}"/>
+              </a:ext>
+            </a:extLst>
+          </p:cNvPr>
+          <p:cNvSpPr>
+            <a:spLocks noGrp="1"/>
+          </p:cNvSpPr>
+          <p:nvPr>
+            <p:ph type="ftr" sz="quarter" idx="11"/>
+          </p:nvPr>
+        </p:nvSpPr>
+        <p:spPr/>
+        <p:txBody>
+          <a:bodyPr/>
+          <a:lstStyle/>
+          <a:p>
+            <a:endParaRPr lang="en-US"/>
+          </a:p>
+        </p:txBody>
+      </p:sp>
+      <p:sp>
+        <p:nvSpPr>
+          <p:cNvPr id="7" name="Tijdelijke aanduiding voor dianummer 6">
+            <a:extLst>
+              <a:ext uri="{FF2B5EF4-FFF2-40B4-BE49-F238E27FC236}">
+                <a16:creationId xmlns:a16="http://schemas.microsoft.com/office/drawing/2014/main" id="{C8973EF5-6FD6-785C-8283-A64117A016F2}"/>
+              </a:ext>
+            </a:extLst>
+          </p:cNvPr>
+          <p:cNvSpPr>
+            <a:spLocks noGrp="1"/>
+          </p:cNvSpPr>
+          <p:nvPr>
+            <p:ph type="sldNum" sz="quarter" idx="12"/>
+          </p:nvPr>
+        </p:nvSpPr>
+        <p:spPr/>
+        <p:txBody>
+          <a:bodyPr/>
+          <a:lstStyle/>
+          <a:p>
+            <a:fld id="{1EF4C9A1-A5AA-A442-908E-CD6EBABAD4FA}" type="slidenum">
+              <a:rPr lang="en-US" smtClean="0"/>
+              <a:t>‹nr.›</a:t>
+            </a:fld>
+            <a:endParaRPr lang="en-US"/>
+          </a:p>
+        </p:txBody>
+      </p:sp>
+    </p:spTree>
+    <p:extLst>
+      <p:ext uri="{BB962C8B-B14F-4D97-AF65-F5344CB8AC3E}">
+        <p14:creationId xmlns:p14="http://schemas.microsoft.com/office/powerpoint/2010/main" val="716725841"/>
+      </p:ext>
+    </p:extLst>
+  </p:cSld>
+  <p:clrMapOvr>
+    <a:masterClrMapping/>
+  </p:clrMapOvr>
+</p:sldLayout>
+</file>
+
+<file path=ppt/slideLayouts/slideLayout5.xml><?xml version="1.0" encoding="utf-8"?>
+<p:sldLayout xmlns:a="http://schemas.openxmlformats.org/drawingml/2006/main" xmlns:r="http://schemas.openxmlformats.org/officeDocument/2006/relationships" xmlns:p="http://schemas.openxmlformats.org/presentationml/2006/main" type="twoTxTwoObj" preserve="1">
+  <p:cSld name="Vergelijking">
+    <p:spTree>
+      <p:nvGrpSpPr>
+        <p:cNvPr id="1" name=""/>
+        <p:cNvGrpSpPr/>
+        <p:nvPr/>
+      </p:nvGrpSpPr>
+      <p:grpSpPr>
+        <a:xfrm>
+          <a:off x="0" y="0"/>
+          <a:ext cx="0" cy="0"/>
+          <a:chOff x="0" y="0"/>
+          <a:chExt cx="0" cy="0"/>
+        </a:xfrm>
+      </p:grpSpPr>
+      <p:sp>
+        <p:nvSpPr>
+          <p:cNvPr id="2" name="Titel 1">
+            <a:extLst>
+              <a:ext uri="{FF2B5EF4-FFF2-40B4-BE49-F238E27FC236}">
+                <a16:creationId xmlns:a16="http://schemas.microsoft.com/office/drawing/2014/main" id="{BEAF35E9-3893-367E-2EDF-64DED32EA8B0}"/>
+              </a:ext>
+            </a:extLst>
+          </p:cNvPr>
+          <p:cNvSpPr>
+            <a:spLocks noGrp="1"/>
+          </p:cNvSpPr>
+          <p:nvPr>
+            <p:ph type="title"/>
+          </p:nvPr>
+        </p:nvSpPr>
+        <p:spPr>
+          <a:xfrm>
+            <a:off x="839788" y="365125"/>
+            <a:ext cx="10515600" cy="1325563"/>
+          </a:xfrm>
+        </p:spPr>
+        <p:txBody>
+          <a:bodyPr/>
+          <a:lstStyle/>
+          <a:p>
+            <a:r>
+              <a:rPr lang="nl-NL"/>
+              <a:t>Klik om stijl te bewerken</a:t>
+            </a:r>
+          </a:p>
+        </p:txBody>
+      </p:sp>
+      <p:sp>
+        <p:nvSpPr>
+          <p:cNvPr id="3" name="Tijdelijke aanduiding voor tekst 2">
+            <a:extLst>
+              <a:ext uri="{FF2B5EF4-FFF2-40B4-BE49-F238E27FC236}">
+                <a16:creationId xmlns:a16="http://schemas.microsoft.com/office/drawing/2014/main" id="{4791B19A-7700-EA6B-624B-C79AA6CAF045}"/>
+              </a:ext>
+            </a:extLst>
+          </p:cNvPr>
+          <p:cNvSpPr>
+            <a:spLocks noGrp="1"/>
+          </p:cNvSpPr>
+          <p:nvPr>
+            <p:ph type="body" idx="1"/>
+          </p:nvPr>
+        </p:nvSpPr>
+        <p:spPr>
+          <a:xfrm>
+            <a:off x="839788" y="1681163"/>
+            <a:ext cx="5157787" cy="823912"/>
+          </a:xfrm>
+        </p:spPr>
+        <p:txBody>
+          <a:bodyPr anchor="b"/>
+          <a:lstStyle>
+            <a:lvl1pPr marL="0" indent="0">
+              <a:buNone/>
+              <a:defRPr sz="2400" b="1"/>
+            </a:lvl1pPr>
+            <a:lvl2pPr marL="457200" indent="0">
+              <a:buNone/>
+              <a:defRPr sz="2000" b="1"/>
+            </a:lvl2pPr>
+            <a:lvl3pPr marL="914400" indent="0">
+              <a:buNone/>
+              <a:defRPr sz="1800" b="1"/>
+            </a:lvl3pPr>
+            <a:lvl4pPr marL="1371600" indent="0">
+              <a:buNone/>
+              <a:defRPr sz="1600" b="1"/>
+            </a:lvl4pPr>
+            <a:lvl5pPr marL="1828800" indent="0">
+              <a:buNone/>
+              <a:defRPr sz="1600" b="1"/>
+            </a:lvl5pPr>
+            <a:lvl6pPr marL="2286000" indent="0">
+              <a:buNone/>
+              <a:defRPr sz="1600" b="1"/>
+            </a:lvl6pPr>
+            <a:lvl7pPr marL="2743200" indent="0">
+              <a:buNone/>
+              <a:defRPr sz="1600" b="1"/>
+            </a:lvl7pPr>
+            <a:lvl8pPr marL="3200400" indent="0">
+              <a:buNone/>
+              <a:defRPr sz="1600" b="1"/>
+            </a:lvl8pPr>
+            <a:lvl9pPr marL="3657600" indent="0">
+              <a:buNone/>
+              <a:defRPr sz="1600" b="1"/>
+            </a:lvl9pPr>
+          </a:lstStyle>
+          <a:p>
+            <a:pPr lvl="0"/>
+            <a:r>
+              <a:rPr lang="nl-NL"/>
+              <a:t>Klikken om de tekststijl van het model te bewerken</a:t>
+            </a:r>
+          </a:p>
+        </p:txBody>
+      </p:sp>
+      <p:sp>
+        <p:nvSpPr>
+          <p:cNvPr id="4" name="Tijdelijke aanduiding voor inhoud 3">
+            <a:extLst>
+              <a:ext uri="{FF2B5EF4-FFF2-40B4-BE49-F238E27FC236}">
+                <a16:creationId xmlns:a16="http://schemas.microsoft.com/office/drawing/2014/main" id="{7549560B-8D47-5176-1F28-327FC7D02D9D}"/>
+              </a:ext>
+            </a:extLst>
+          </p:cNvPr>
+          <p:cNvSpPr>
+            <a:spLocks noGrp="1"/>
+          </p:cNvSpPr>
+          <p:nvPr>
+            <p:ph sz="half" idx="2"/>
+          </p:nvPr>
+        </p:nvSpPr>
+        <p:spPr>
+          <a:xfrm>
+            <a:off x="839788" y="2505075"/>
+            <a:ext cx="5157787" cy="3684588"/>
+          </a:xfrm>
+        </p:spPr>
+        <p:txBody>
+          <a:bodyPr/>
+          <a:lstStyle/>
+          <a:p>
+            <a:pPr lvl="0"/>
+            <a:r>
+              <a:rPr lang="nl-NL"/>
+              <a:t>Klikken om de tekststijl van het model te bewerken</a:t>
+            </a:r>
+          </a:p>
+          <a:p>
+            <a:pPr lvl="1"/>
+            <a:r>
+              <a:rPr lang="nl-NL"/>
+              <a:t>Tweede niveau</a:t>
+            </a:r>
+          </a:p>
+          <a:p>
+            <a:pPr lvl="2"/>
+            <a:r>
+              <a:rPr lang="nl-NL"/>
+              <a:t>Derde niveau</a:t>
+            </a:r>
+          </a:p>
+          <a:p>
+            <a:pPr lvl="3"/>
+            <a:r>
+              <a:rPr lang="nl-NL"/>
+              <a:t>Vierde niveau</a:t>
+            </a:r>
+          </a:p>
+          <a:p>
+            <a:pPr lvl="4"/>
+            <a:r>
+              <a:rPr lang="nl-NL"/>
+              <a:t>Vijfde niveau</a:t>
+            </a:r>
+          </a:p>
+        </p:txBody>
+      </p:sp>
+      <p:sp>
+        <p:nvSpPr>
+          <p:cNvPr id="5" name="Tijdelijke aanduiding voor tekst 4">
+            <a:extLst>
+              <a:ext uri="{FF2B5EF4-FFF2-40B4-BE49-F238E27FC236}">
+                <a16:creationId xmlns:a16="http://schemas.microsoft.com/office/drawing/2014/main" id="{7506B805-6FC8-0A63-6A56-ECFA7028CA56}"/>
+              </a:ext>
+            </a:extLst>
+          </p:cNvPr>
+          <p:cNvSpPr>
+            <a:spLocks noGrp="1"/>
+          </p:cNvSpPr>
+          <p:nvPr>
+            <p:ph type="body" sz="quarter" idx="3"/>
+          </p:nvPr>
+        </p:nvSpPr>
+        <p:spPr>
+          <a:xfrm>
+            <a:off x="6172200" y="1681163"/>
+            <a:ext cx="5183188" cy="823912"/>
+          </a:xfrm>
+        </p:spPr>
+        <p:txBody>
+          <a:bodyPr anchor="b"/>
+          <a:lstStyle>
+            <a:lvl1pPr marL="0" indent="0">
+              <a:buNone/>
+              <a:defRPr sz="2400" b="1"/>
+            </a:lvl1pPr>
+            <a:lvl2pPr marL="457200" indent="0">
+              <a:buNone/>
+              <a:defRPr sz="2000" b="1"/>
+            </a:lvl2pPr>
+            <a:lvl3pPr marL="914400" indent="0">
+              <a:buNone/>
+              <a:defRPr sz="1800" b="1"/>
+            </a:lvl3pPr>
+            <a:lvl4pPr marL="1371600" indent="0">
+              <a:buNone/>
+              <a:defRPr sz="1600" b="1"/>
+            </a:lvl4pPr>
+            <a:lvl5pPr marL="1828800" indent="0">
+              <a:buNone/>
+              <a:defRPr sz="1600" b="1"/>
+            </a:lvl5pPr>
+            <a:lvl6pPr marL="2286000" indent="0">
+              <a:buNone/>
+              <a:defRPr sz="1600" b="1"/>
+            </a:lvl6pPr>
+            <a:lvl7pPr marL="2743200" indent="0">
+              <a:buNone/>
+              <a:defRPr sz="1600" b="1"/>
+            </a:lvl7pPr>
+            <a:lvl8pPr marL="3200400" indent="0">
+              <a:buNone/>
+              <a:defRPr sz="1600" b="1"/>
+            </a:lvl8pPr>
+            <a:lvl9pPr marL="3657600" indent="0">
+              <a:buNone/>
+              <a:defRPr sz="1600" b="1"/>
+            </a:lvl9pPr>
+          </a:lstStyle>
+          <a:p>
+            <a:pPr lvl="0"/>
+            <a:r>
+              <a:rPr lang="nl-NL"/>
+              <a:t>Klikken om de tekststijl van het model te bewerken</a:t>
+            </a:r>
+          </a:p>
+        </p:txBody>
+      </p:sp>
+      <p:sp>
+        <p:nvSpPr>
+          <p:cNvPr id="6" name="Tijdelijke aanduiding voor inhoud 5">
+            <a:extLst>
+              <a:ext uri="{FF2B5EF4-FFF2-40B4-BE49-F238E27FC236}">
+                <a16:creationId xmlns:a16="http://schemas.microsoft.com/office/drawing/2014/main" id="{BA824290-3589-77F3-A636-86D4033606A3}"/>
+              </a:ext>
+            </a:extLst>
+          </p:cNvPr>
+          <p:cNvSpPr>
+            <a:spLocks noGrp="1"/>
+          </p:cNvSpPr>
+          <p:nvPr>
+            <p:ph sz="quarter" idx="4"/>
+          </p:nvPr>
+        </p:nvSpPr>
+        <p:spPr>
+          <a:xfrm>
+            <a:off x="6172200" y="2505075"/>
+            <a:ext cx="5183188" cy="3684588"/>
+          </a:xfrm>
+        </p:spPr>
+        <p:txBody>
+          <a:bodyPr/>
+          <a:lstStyle/>
+          <a:p>
+            <a:pPr lvl="0"/>
+            <a:r>
+              <a:rPr lang="nl-NL"/>
+              <a:t>Klikken om de tekststijl van het model te bewerken</a:t>
+            </a:r>
+          </a:p>
+          <a:p>
+            <a:pPr lvl="1"/>
+            <a:r>
+              <a:rPr lang="nl-NL"/>
+              <a:t>Tweede niveau</a:t>
+            </a:r>
+          </a:p>
+          <a:p>
+            <a:pPr lvl="2"/>
+            <a:r>
+              <a:rPr lang="nl-NL"/>
+              <a:t>Derde niveau</a:t>
+            </a:r>
+          </a:p>
+          <a:p>
+            <a:pPr lvl="3"/>
+            <a:r>
+              <a:rPr lang="nl-NL"/>
+              <a:t>Vierde niveau</a:t>
+            </a:r>
+          </a:p>
+          <a:p>
+            <a:pPr lvl="4"/>
+            <a:r>
+              <a:rPr lang="nl-NL"/>
+              <a:t>Vijfde niveau</a:t>
+            </a:r>
+          </a:p>
+        </p:txBody>
+      </p:sp>
+      <p:sp>
+        <p:nvSpPr>
+          <p:cNvPr id="7" name="Tijdelijke aanduiding voor datum 6">
+            <a:extLst>
+              <a:ext uri="{FF2B5EF4-FFF2-40B4-BE49-F238E27FC236}">
+                <a16:creationId xmlns:a16="http://schemas.microsoft.com/office/drawing/2014/main" id="{D7EB353D-4DD2-ED11-44B4-CB76D5971117}"/>
+              </a:ext>
+            </a:extLst>
+          </p:cNvPr>
+          <p:cNvSpPr>
+            <a:spLocks noGrp="1"/>
+          </p:cNvSpPr>
+          <p:nvPr>
+            <p:ph type="dt" sz="half" idx="10"/>
+          </p:nvPr>
+        </p:nvSpPr>
+        <p:spPr/>
+        <p:txBody>
+          <a:bodyPr/>
+          <a:lstStyle/>
+          <a:p>
+            <a:fld id="{F0E53E00-DC67-B043-B571-30083E803751}" type="datetimeFigureOut">
+              <a:rPr lang="en-US" smtClean="0"/>
+              <a:t>11/6/2024</a:t>
+            </a:fld>
+            <a:endParaRPr lang="en-US"/>
+          </a:p>
+        </p:txBody>
+      </p:sp>
+      <p:sp>
+        <p:nvSpPr>
+          <p:cNvPr id="8" name="Tijdelijke aanduiding voor voettekst 7">
+            <a:extLst>
+              <a:ext uri="{FF2B5EF4-FFF2-40B4-BE49-F238E27FC236}">
+                <a16:creationId xmlns:a16="http://schemas.microsoft.com/office/drawing/2014/main" id="{0479D5D2-BA99-1464-F3C5-DE89F96491EB}"/>
+              </a:ext>
+            </a:extLst>
+          </p:cNvPr>
+          <p:cNvSpPr>
+            <a:spLocks noGrp="1"/>
+          </p:cNvSpPr>
+          <p:nvPr>
+            <p:ph type="ftr" sz="quarter" idx="11"/>
+          </p:nvPr>
+        </p:nvSpPr>
+        <p:spPr/>
+        <p:txBody>
+          <a:bodyPr/>
+          <a:lstStyle/>
+          <a:p>
+            <a:endParaRPr lang="en-US"/>
+          </a:p>
+        </p:txBody>
+      </p:sp>
+      <p:sp>
+        <p:nvSpPr>
+          <p:cNvPr id="9" name="Tijdelijke aanduiding voor dianummer 8">
+            <a:extLst>
+              <a:ext uri="{FF2B5EF4-FFF2-40B4-BE49-F238E27FC236}">
+                <a16:creationId xmlns:a16="http://schemas.microsoft.com/office/drawing/2014/main" id="{05B1DC75-82F3-FE2B-09BE-4A81CD3503FB}"/>
+              </a:ext>
+            </a:extLst>
+          </p:cNvPr>
+          <p:cNvSpPr>
+            <a:spLocks noGrp="1"/>
+          </p:cNvSpPr>
+          <p:nvPr>
+            <p:ph type="sldNum" sz="quarter" idx="12"/>
+          </p:nvPr>
+        </p:nvSpPr>
+        <p:spPr/>
+        <p:txBody>
+          <a:bodyPr/>
+          <a:lstStyle/>
+          <a:p>
+            <a:fld id="{1EF4C9A1-A5AA-A442-908E-CD6EBABAD4FA}" type="slidenum">
+              <a:rPr lang="en-US" smtClean="0"/>
+              <a:t>‹nr.›</a:t>
+            </a:fld>
+            <a:endParaRPr lang="en-US"/>
+          </a:p>
+        </p:txBody>
+      </p:sp>
+    </p:spTree>
+    <p:extLst>
+      <p:ext uri="{BB962C8B-B14F-4D97-AF65-F5344CB8AC3E}">
+        <p14:creationId xmlns:p14="http://schemas.microsoft.com/office/powerpoint/2010/main" val="4070396893"/>
+      </p:ext>
+    </p:extLst>
+  </p:cSld>
+  <p:clrMapOvr>
+    <a:masterClrMapping/>
+  </p:clrMapOvr>
+</p:sldLayout>
+</file>
+
+<file path=ppt/slideLayouts/slideLayout6.xml><?xml version="1.0" encoding="utf-8"?>
+<p:sldLayout xmlns:a="http://schemas.openxmlformats.org/drawingml/2006/main" xmlns:r="http://schemas.openxmlformats.org/officeDocument/2006/relationships" xmlns:p="http://schemas.openxmlformats.org/presentationml/2006/main" type="titleOnly" preserve="1">
+  <p:cSld name="Alleen titel">
+    <p:spTree>
+      <p:nvGrpSpPr>
+        <p:cNvPr id="1" name=""/>
+        <p:cNvGrpSpPr/>
+        <p:nvPr/>
+      </p:nvGrpSpPr>
+      <p:grpSpPr>
+        <a:xfrm>
+          <a:off x="0" y="0"/>
+          <a:ext cx="0" cy="0"/>
+          <a:chOff x="0" y="0"/>
+          <a:chExt cx="0" cy="0"/>
+        </a:xfrm>
+      </p:grpSpPr>
+      <p:sp>
+        <p:nvSpPr>
+          <p:cNvPr id="2" name="Titel 1">
+            <a:extLst>
+              <a:ext uri="{FF2B5EF4-FFF2-40B4-BE49-F238E27FC236}">
+                <a16:creationId xmlns:a16="http://schemas.microsoft.com/office/drawing/2014/main" id="{1E31714F-E1F6-4DEB-0F1C-1EED31EBA7F1}"/>
+              </a:ext>
+            </a:extLst>
+          </p:cNvPr>
+          <p:cNvSpPr>
+            <a:spLocks noGrp="1"/>
+          </p:cNvSpPr>
+          <p:nvPr>
+            <p:ph type="title"/>
+          </p:nvPr>
+        </p:nvSpPr>
+        <p:spPr/>
+        <p:txBody>
+          <a:bodyPr/>
+          <a:lstStyle/>
+          <a:p>
+            <a:r>
+              <a:rPr lang="nl-NL"/>
+              <a:t>Klik om stijl te bewerken</a:t>
+            </a:r>
+          </a:p>
+        </p:txBody>
+      </p:sp>
+      <p:sp>
+        <p:nvSpPr>
+          <p:cNvPr id="3" name="Tijdelijke aanduiding voor datum 2">
+            <a:extLst>
+              <a:ext uri="{FF2B5EF4-FFF2-40B4-BE49-F238E27FC236}">
+                <a16:creationId xmlns:a16="http://schemas.microsoft.com/office/drawing/2014/main" id="{7E86C7F5-84A2-CD11-9A24-E8AE75E8EBBC}"/>
+              </a:ext>
+            </a:extLst>
+          </p:cNvPr>
+          <p:cNvSpPr>
+            <a:spLocks noGrp="1"/>
+          </p:cNvSpPr>
+          <p:nvPr>
+            <p:ph type="dt" sz="half" idx="10"/>
+          </p:nvPr>
+        </p:nvSpPr>
+        <p:spPr/>
+        <p:txBody>
+          <a:bodyPr/>
+          <a:lstStyle/>
+          <a:p>
+            <a:fld id="{F0E53E00-DC67-B043-B571-30083E803751}" type="datetimeFigureOut">
+              <a:rPr lang="en-US" smtClean="0"/>
+              <a:t>11/6/2024</a:t>
+            </a:fld>
+            <a:endParaRPr lang="en-US"/>
+          </a:p>
+        </p:txBody>
+      </p:sp>
+      <p:sp>
+        <p:nvSpPr>
+          <p:cNvPr id="4" name="Tijdelijke aanduiding voor voettekst 3">
+            <a:extLst>
+              <a:ext uri="{FF2B5EF4-FFF2-40B4-BE49-F238E27FC236}">
+                <a16:creationId xmlns:a16="http://schemas.microsoft.com/office/drawing/2014/main" id="{28142B1F-4965-6B03-BD7D-BD6892E15BFC}"/>
+              </a:ext>
+            </a:extLst>
+          </p:cNvPr>
+          <p:cNvSpPr>
+            <a:spLocks noGrp="1"/>
+          </p:cNvSpPr>
+          <p:nvPr>
+            <p:ph type="ftr" sz="quarter" idx="11"/>
+          </p:nvPr>
+        </p:nvSpPr>
+        <p:spPr/>
+        <p:txBody>
+          <a:bodyPr/>
+          <a:lstStyle/>
+          <a:p>
+            <a:endParaRPr lang="en-US"/>
+          </a:p>
+        </p:txBody>
+      </p:sp>
+      <p:sp>
+        <p:nvSpPr>
+          <p:cNvPr id="5" name="Tijdelijke aanduiding voor dianummer 4">
+            <a:extLst>
+              <a:ext uri="{FF2B5EF4-FFF2-40B4-BE49-F238E27FC236}">
+                <a16:creationId xmlns:a16="http://schemas.microsoft.com/office/drawing/2014/main" id="{848EA01C-AEEB-4661-9E2A-B868CC274522}"/>
+              </a:ext>
+            </a:extLst>
+          </p:cNvPr>
+          <p:cNvSpPr>
+            <a:spLocks noGrp="1"/>
+          </p:cNvSpPr>
+          <p:nvPr>
+            <p:ph type="sldNum" sz="quarter" idx="12"/>
+          </p:nvPr>
+        </p:nvSpPr>
+        <p:spPr/>
+        <p:txBody>
+          <a:bodyPr/>
+          <a:lstStyle/>
+          <a:p>
+            <a:fld id="{1EF4C9A1-A5AA-A442-908E-CD6EBABAD4FA}" type="slidenum">
+              <a:rPr lang="en-US" smtClean="0"/>
+              <a:t>‹nr.›</a:t>
+            </a:fld>
+            <a:endParaRPr lang="en-US"/>
+          </a:p>
+        </p:txBody>
+      </p:sp>
+    </p:spTree>
+    <p:extLst>
+      <p:ext uri="{BB962C8B-B14F-4D97-AF65-F5344CB8AC3E}">
+        <p14:creationId xmlns:p14="http://schemas.microsoft.com/office/powerpoint/2010/main" val="2692071462"/>
+      </p:ext>
+    </p:extLst>
+  </p:cSld>
+  <p:clrMapOvr>
+    <a:masterClrMapping/>
+  </p:clrMapOvr>
+</p:sldLayout>
+</file>
+
+<file path=ppt/slideLayouts/slideLayout7.xml><?xml version="1.0" encoding="utf-8"?>
+<p:sldLayout xmlns:a="http://schemas.openxmlformats.org/drawingml/2006/main" xmlns:r="http://schemas.openxmlformats.org/officeDocument/2006/relationships" xmlns:p="http://schemas.openxmlformats.org/presentationml/2006/main" type="blank" preserve="1">
+  <p:cSld name="Leeg">
+    <p:spTree>
+      <p:nvGrpSpPr>
+        <p:cNvPr id="1" name=""/>
+        <p:cNvGrpSpPr/>
+        <p:nvPr/>
+      </p:nvGrpSpPr>
+      <p:grpSpPr>
+        <a:xfrm>
+          <a:off x="0" y="0"/>
+          <a:ext cx="0" cy="0"/>
+          <a:chOff x="0" y="0"/>
+          <a:chExt cx="0" cy="0"/>
+        </a:xfrm>
+      </p:grpSpPr>
+      <p:sp>
+        <p:nvSpPr>
+          <p:cNvPr id="2" name="Tijdelijke aanduiding voor datum 1">
+            <a:extLst>
+              <a:ext uri="{FF2B5EF4-FFF2-40B4-BE49-F238E27FC236}">
+                <a16:creationId xmlns:a16="http://schemas.microsoft.com/office/drawing/2014/main" id="{BE605398-AC1A-341F-788C-2AC00F207237}"/>
+              </a:ext>
+            </a:extLst>
+          </p:cNvPr>
+          <p:cNvSpPr>
+            <a:spLocks noGrp="1"/>
+          </p:cNvSpPr>
+          <p:nvPr>
+            <p:ph type="dt" sz="half" idx="10"/>
+          </p:nvPr>
+        </p:nvSpPr>
+        <p:spPr/>
+        <p:txBody>
+          <a:bodyPr/>
+          <a:lstStyle/>
+          <a:p>
+            <a:fld id="{F0E53E00-DC67-B043-B571-30083E803751}" type="datetimeFigureOut">
+              <a:rPr lang="en-US" smtClean="0"/>
+              <a:t>11/6/2024</a:t>
+            </a:fld>
+            <a:endParaRPr lang="en-US"/>
+          </a:p>
+        </p:txBody>
+      </p:sp>
+      <p:sp>
+        <p:nvSpPr>
+          <p:cNvPr id="3" name="Tijdelijke aanduiding voor voettekst 2">
+            <a:extLst>
+              <a:ext uri="{FF2B5EF4-FFF2-40B4-BE49-F238E27FC236}">
+                <a16:creationId xmlns:a16="http://schemas.microsoft.com/office/drawing/2014/main" id="{60209834-33E5-E3B6-A251-E7E860E3C735}"/>
+              </a:ext>
+            </a:extLst>
+          </p:cNvPr>
+          <p:cNvSpPr>
+            <a:spLocks noGrp="1"/>
+          </p:cNvSpPr>
+          <p:nvPr>
+            <p:ph type="ftr" sz="quarter" idx="11"/>
+          </p:nvPr>
+        </p:nvSpPr>
+        <p:spPr/>
+        <p:txBody>
+          <a:bodyPr/>
+          <a:lstStyle/>
+          <a:p>
+            <a:endParaRPr lang="en-US"/>
+          </a:p>
+        </p:txBody>
+      </p:sp>
+      <p:sp>
+        <p:nvSpPr>
+          <p:cNvPr id="4" name="Tijdelijke aanduiding voor dianummer 3">
+            <a:extLst>
+              <a:ext uri="{FF2B5EF4-FFF2-40B4-BE49-F238E27FC236}">
+                <a16:creationId xmlns:a16="http://schemas.microsoft.com/office/drawing/2014/main" id="{D8463108-E7C4-4717-3A93-73C0D38F5F2F}"/>
+              </a:ext>
+            </a:extLst>
+          </p:cNvPr>
+          <p:cNvSpPr>
+            <a:spLocks noGrp="1"/>
+          </p:cNvSpPr>
+          <p:nvPr>
+            <p:ph type="sldNum" sz="quarter" idx="12"/>
+          </p:nvPr>
+        </p:nvSpPr>
+        <p:spPr/>
+        <p:txBody>
+          <a:bodyPr/>
+          <a:lstStyle/>
+          <a:p>
+            <a:fld id="{1EF4C9A1-A5AA-A442-908E-CD6EBABAD4FA}" type="slidenum">
+              <a:rPr lang="en-US" smtClean="0"/>
+              <a:t>‹nr.›</a:t>
+            </a:fld>
+            <a:endParaRPr lang="en-US"/>
+          </a:p>
+        </p:txBody>
+      </p:sp>
+    </p:spTree>
+    <p:extLst>
+      <p:ext uri="{BB962C8B-B14F-4D97-AF65-F5344CB8AC3E}">
+        <p14:creationId xmlns:p14="http://schemas.microsoft.com/office/powerpoint/2010/main" val="1533070541"/>
+      </p:ext>
+    </p:extLst>
+  </p:cSld>
+  <p:clrMapOvr>
+    <a:masterClrMapping/>
+  </p:clrMapOvr>
+</p:sldLayout>
+</file>
+
+<file path=ppt/slideLayouts/slideLayout8.xml><?xml version="1.0" encoding="utf-8"?>
+<p:sldLayout xmlns:a="http://schemas.openxmlformats.org/drawingml/2006/main" xmlns:r="http://schemas.openxmlformats.org/officeDocument/2006/relationships" xmlns:p="http://schemas.openxmlformats.org/presentationml/2006/main" type="objTx" preserve="1">
+  <p:cSld name="Inhoud met bijschrift">
+    <p:spTree>
+      <p:nvGrpSpPr>
+        <p:cNvPr id="1" name=""/>
+        <p:cNvGrpSpPr/>
+        <p:nvPr/>
+      </p:nvGrpSpPr>
+      <p:grpSpPr>
+        <a:xfrm>
+          <a:off x="0" y="0"/>
+          <a:ext cx="0" cy="0"/>
+          <a:chOff x="0" y="0"/>
+          <a:chExt cx="0" cy="0"/>
+        </a:xfrm>
+      </p:grpSpPr>
+      <p:sp>
+        <p:nvSpPr>
+          <p:cNvPr id="2" name="Titel 1">
+            <a:extLst>
+              <a:ext uri="{FF2B5EF4-FFF2-40B4-BE49-F238E27FC236}">
+                <a16:creationId xmlns:a16="http://schemas.microsoft.com/office/drawing/2014/main" id="{3371F995-0BC7-7B05-192C-077A75018A12}"/>
+              </a:ext>
+            </a:extLst>
+          </p:cNvPr>
           <p:cNvSpPr>
             <a:spLocks noGrp="1"/>
           </p:cNvSpPr>
@@ -2877,15 +2691,21 @@
           </a:lstStyle>
           <a:p>
             <a:r>
-              <a:rPr lang="en-US"/>
-              <a:t>Click to edit Master title style</a:t>
+              <a:rPr lang="nl-NL"/>
+              <a:t>Klik om stijl te bewerken</a:t>
             </a:r>
           </a:p>
         </p:txBody>
       </p:sp>
       <p:sp>
         <p:nvSpPr>
-          <p:cNvPr id="3" name="Content Placeholder 2"/>
+          <p:cNvPr id="3" name="Tijdelijke aanduiding voor inhoud 2">
+            <a:extLst>
+              <a:ext uri="{FF2B5EF4-FFF2-40B4-BE49-F238E27FC236}">
+                <a16:creationId xmlns:a16="http://schemas.microsoft.com/office/drawing/2014/main" id="{7C88730F-65C8-7265-CE2C-65256E676F94}"/>
+              </a:ext>
+            </a:extLst>
+          </p:cNvPr>
           <p:cNvSpPr>
             <a:spLocks noGrp="1"/>
           </p:cNvSpPr>
@@ -2933,43 +2753,49 @@
           <a:p>
             <a:pPr lvl="0"/>
             <a:r>
-              <a:rPr lang="en-US"/>
-              <a:t>Click to edit Master text styles</a:t>
+              <a:rPr lang="nl-NL"/>
+              <a:t>Klikken om de tekststijl van het model te bewerken</a:t>
             </a:r>
           </a:p>
           <a:p>
             <a:pPr lvl="1"/>
             <a:r>
-              <a:rPr lang="en-US"/>
-              <a:t>Second level</a:t>
+              <a:rPr lang="nl-NL"/>
+              <a:t>Tweede niveau</a:t>
             </a:r>
           </a:p>
           <a:p>
             <a:pPr lvl="2"/>
             <a:r>
-              <a:rPr lang="en-US"/>
-              <a:t>Third level</a:t>
+              <a:rPr lang="nl-NL"/>
+              <a:t>Derde niveau</a:t>
             </a:r>
           </a:p>
           <a:p>
             <a:pPr lvl="3"/>
             <a:r>
-              <a:rPr lang="en-US"/>
-              <a:t>Fourth level</a:t>
+              <a:rPr lang="nl-NL"/>
+              <a:t>Vierde niveau</a:t>
             </a:r>
           </a:p>
           <a:p>
             <a:pPr lvl="4"/>
             <a:r>
-              <a:rPr lang="en-US"/>
-              <a:t>Fifth level</a:t>
+              <a:rPr lang="nl-NL"/>
+              <a:t>Vijfde niveau</a:t>
             </a:r>
           </a:p>
         </p:txBody>
       </p:sp>
       <p:sp>
         <p:nvSpPr>
-          <p:cNvPr id="4" name="Text Placeholder 3"/>
+          <p:cNvPr id="4" name="Tijdelijke aanduiding voor tekst 3">
+            <a:extLst>
+              <a:ext uri="{FF2B5EF4-FFF2-40B4-BE49-F238E27FC236}">
+                <a16:creationId xmlns:a16="http://schemas.microsoft.com/office/drawing/2014/main" id="{1C070050-4539-7EF0-6DDB-B523D8E63864}"/>
+              </a:ext>
+            </a:extLst>
+          </p:cNvPr>
           <p:cNvSpPr>
             <a:spLocks noGrp="1"/>
           </p:cNvSpPr>
@@ -3026,15 +2852,21 @@
           <a:p>
             <a:pPr lvl="0"/>
             <a:r>
-              <a:rPr lang="en-US"/>
-              <a:t>Click to edit Master text styles</a:t>
+              <a:rPr lang="nl-NL"/>
+              <a:t>Klikken om de tekststijl van het model te bewerken</a:t>
             </a:r>
           </a:p>
         </p:txBody>
       </p:sp>
       <p:sp>
         <p:nvSpPr>
-          <p:cNvPr id="5" name="Date Placeholder 4"/>
+          <p:cNvPr id="5" name="Tijdelijke aanduiding voor datum 4">
+            <a:extLst>
+              <a:ext uri="{FF2B5EF4-FFF2-40B4-BE49-F238E27FC236}">
+                <a16:creationId xmlns:a16="http://schemas.microsoft.com/office/drawing/2014/main" id="{4234AEE0-A8D4-0B5A-B986-FFFF1EDA7583}"/>
+              </a:ext>
+            </a:extLst>
+          </p:cNvPr>
           <p:cNvSpPr>
             <a:spLocks noGrp="1"/>
           </p:cNvSpPr>
@@ -3049,7 +2881,7 @@
           <a:p>
             <a:fld id="{F0E53E00-DC67-B043-B571-30083E803751}" type="datetimeFigureOut">
               <a:rPr lang="en-US" smtClean="0"/>
-              <a:t>11/30/2023</a:t>
+              <a:t>11/6/2024</a:t>
             </a:fld>
             <a:endParaRPr lang="en-US"/>
           </a:p>
@@ -3057,7 +2889,13 @@
       </p:sp>
       <p:sp>
         <p:nvSpPr>
-          <p:cNvPr id="6" name="Footer Placeholder 5"/>
+          <p:cNvPr id="6" name="Tijdelijke aanduiding voor voettekst 5">
+            <a:extLst>
+              <a:ext uri="{FF2B5EF4-FFF2-40B4-BE49-F238E27FC236}">
+                <a16:creationId xmlns:a16="http://schemas.microsoft.com/office/drawing/2014/main" id="{8EF96723-6D5D-2E0D-6C02-DFAE2385F2DD}"/>
+              </a:ext>
+            </a:extLst>
+          </p:cNvPr>
           <p:cNvSpPr>
             <a:spLocks noGrp="1"/>
           </p:cNvSpPr>
@@ -3076,7 +2914,13 @@
       </p:sp>
       <p:sp>
         <p:nvSpPr>
-          <p:cNvPr id="7" name="Slide Number Placeholder 6"/>
+          <p:cNvPr id="7" name="Tijdelijke aanduiding voor dianummer 6">
+            <a:extLst>
+              <a:ext uri="{FF2B5EF4-FFF2-40B4-BE49-F238E27FC236}">
+                <a16:creationId xmlns:a16="http://schemas.microsoft.com/office/drawing/2014/main" id="{896EDF28-4124-EE39-BF96-3DB71CD7973B}"/>
+              </a:ext>
+            </a:extLst>
+          </p:cNvPr>
           <p:cNvSpPr>
             <a:spLocks noGrp="1"/>
           </p:cNvSpPr>
@@ -3100,7 +2944,295 @@
     </p:spTree>
     <p:extLst>
       <p:ext uri="{BB962C8B-B14F-4D97-AF65-F5344CB8AC3E}">
-        <p14:creationId xmlns:p14="http://schemas.microsoft.com/office/powerpoint/2010/main" val="134819241"/>
+        <p14:creationId xmlns:p14="http://schemas.microsoft.com/office/powerpoint/2010/main" val="871678599"/>
+      </p:ext>
+    </p:extLst>
+  </p:cSld>
+  <p:clrMapOvr>
+    <a:masterClrMapping/>
+  </p:clrMapOvr>
+</p:sldLayout>
+</file>
+
+<file path=ppt/slideLayouts/slideLayout9.xml><?xml version="1.0" encoding="utf-8"?>
+<p:sldLayout xmlns:a="http://schemas.openxmlformats.org/drawingml/2006/main" xmlns:r="http://schemas.openxmlformats.org/officeDocument/2006/relationships" xmlns:p="http://schemas.openxmlformats.org/presentationml/2006/main" type="picTx" preserve="1">
+  <p:cSld name="Afbeelding met bijschrift">
+    <p:spTree>
+      <p:nvGrpSpPr>
+        <p:cNvPr id="1" name=""/>
+        <p:cNvGrpSpPr/>
+        <p:nvPr/>
+      </p:nvGrpSpPr>
+      <p:grpSpPr>
+        <a:xfrm>
+          <a:off x="0" y="0"/>
+          <a:ext cx="0" cy="0"/>
+          <a:chOff x="0" y="0"/>
+          <a:chExt cx="0" cy="0"/>
+        </a:xfrm>
+      </p:grpSpPr>
+      <p:sp>
+        <p:nvSpPr>
+          <p:cNvPr id="2" name="Titel 1">
+            <a:extLst>
+              <a:ext uri="{FF2B5EF4-FFF2-40B4-BE49-F238E27FC236}">
+                <a16:creationId xmlns:a16="http://schemas.microsoft.com/office/drawing/2014/main" id="{03439278-3A00-FA84-1585-04118E1192B8}"/>
+              </a:ext>
+            </a:extLst>
+          </p:cNvPr>
+          <p:cNvSpPr>
+            <a:spLocks noGrp="1"/>
+          </p:cNvSpPr>
+          <p:nvPr>
+            <p:ph type="title"/>
+          </p:nvPr>
+        </p:nvSpPr>
+        <p:spPr>
+          <a:xfrm>
+            <a:off x="839788" y="457200"/>
+            <a:ext cx="3932237" cy="1600200"/>
+          </a:xfrm>
+        </p:spPr>
+        <p:txBody>
+          <a:bodyPr anchor="b"/>
+          <a:lstStyle>
+            <a:lvl1pPr>
+              <a:defRPr sz="3200"/>
+            </a:lvl1pPr>
+          </a:lstStyle>
+          <a:p>
+            <a:r>
+              <a:rPr lang="nl-NL"/>
+              <a:t>Klik om stijl te bewerken</a:t>
+            </a:r>
+          </a:p>
+        </p:txBody>
+      </p:sp>
+      <p:sp>
+        <p:nvSpPr>
+          <p:cNvPr id="3" name="Tijdelijke aanduiding voor afbeelding 2">
+            <a:extLst>
+              <a:ext uri="{FF2B5EF4-FFF2-40B4-BE49-F238E27FC236}">
+                <a16:creationId xmlns:a16="http://schemas.microsoft.com/office/drawing/2014/main" id="{2C2BD516-B73C-8BFF-2CCB-7A381CD8A92A}"/>
+              </a:ext>
+            </a:extLst>
+          </p:cNvPr>
+          <p:cNvSpPr>
+            <a:spLocks noGrp="1"/>
+          </p:cNvSpPr>
+          <p:nvPr>
+            <p:ph type="pic" idx="1"/>
+          </p:nvPr>
+        </p:nvSpPr>
+        <p:spPr>
+          <a:xfrm>
+            <a:off x="5183188" y="987425"/>
+            <a:ext cx="6172200" cy="4873625"/>
+          </a:xfrm>
+        </p:spPr>
+        <p:txBody>
+          <a:bodyPr/>
+          <a:lstStyle>
+            <a:lvl1pPr marL="0" indent="0">
+              <a:buNone/>
+              <a:defRPr sz="3200"/>
+            </a:lvl1pPr>
+            <a:lvl2pPr marL="457200" indent="0">
+              <a:buNone/>
+              <a:defRPr sz="2800"/>
+            </a:lvl2pPr>
+            <a:lvl3pPr marL="914400" indent="0">
+              <a:buNone/>
+              <a:defRPr sz="2400"/>
+            </a:lvl3pPr>
+            <a:lvl4pPr marL="1371600" indent="0">
+              <a:buNone/>
+              <a:defRPr sz="2000"/>
+            </a:lvl4pPr>
+            <a:lvl5pPr marL="1828800" indent="0">
+              <a:buNone/>
+              <a:defRPr sz="2000"/>
+            </a:lvl5pPr>
+            <a:lvl6pPr marL="2286000" indent="0">
+              <a:buNone/>
+              <a:defRPr sz="2000"/>
+            </a:lvl6pPr>
+            <a:lvl7pPr marL="2743200" indent="0">
+              <a:buNone/>
+              <a:defRPr sz="2000"/>
+            </a:lvl7pPr>
+            <a:lvl8pPr marL="3200400" indent="0">
+              <a:buNone/>
+              <a:defRPr sz="2000"/>
+            </a:lvl8pPr>
+            <a:lvl9pPr marL="3657600" indent="0">
+              <a:buNone/>
+              <a:defRPr sz="2000"/>
+            </a:lvl9pPr>
+          </a:lstStyle>
+          <a:p>
+            <a:endParaRPr lang="nl-NL"/>
+          </a:p>
+        </p:txBody>
+      </p:sp>
+      <p:sp>
+        <p:nvSpPr>
+          <p:cNvPr id="4" name="Tijdelijke aanduiding voor tekst 3">
+            <a:extLst>
+              <a:ext uri="{FF2B5EF4-FFF2-40B4-BE49-F238E27FC236}">
+                <a16:creationId xmlns:a16="http://schemas.microsoft.com/office/drawing/2014/main" id="{CABD27F4-94EC-1D43-60C6-958644A88A03}"/>
+              </a:ext>
+            </a:extLst>
+          </p:cNvPr>
+          <p:cNvSpPr>
+            <a:spLocks noGrp="1"/>
+          </p:cNvSpPr>
+          <p:nvPr>
+            <p:ph type="body" sz="half" idx="2"/>
+          </p:nvPr>
+        </p:nvSpPr>
+        <p:spPr>
+          <a:xfrm>
+            <a:off x="839788" y="2057400"/>
+            <a:ext cx="3932237" cy="3811588"/>
+          </a:xfrm>
+        </p:spPr>
+        <p:txBody>
+          <a:bodyPr/>
+          <a:lstStyle>
+            <a:lvl1pPr marL="0" indent="0">
+              <a:buNone/>
+              <a:defRPr sz="1600"/>
+            </a:lvl1pPr>
+            <a:lvl2pPr marL="457200" indent="0">
+              <a:buNone/>
+              <a:defRPr sz="1400"/>
+            </a:lvl2pPr>
+            <a:lvl3pPr marL="914400" indent="0">
+              <a:buNone/>
+              <a:defRPr sz="1200"/>
+            </a:lvl3pPr>
+            <a:lvl4pPr marL="1371600" indent="0">
+              <a:buNone/>
+              <a:defRPr sz="1000"/>
+            </a:lvl4pPr>
+            <a:lvl5pPr marL="1828800" indent="0">
+              <a:buNone/>
+              <a:defRPr sz="1000"/>
+            </a:lvl5pPr>
+            <a:lvl6pPr marL="2286000" indent="0">
+              <a:buNone/>
+              <a:defRPr sz="1000"/>
+            </a:lvl6pPr>
+            <a:lvl7pPr marL="2743200" indent="0">
+              <a:buNone/>
+              <a:defRPr sz="1000"/>
+            </a:lvl7pPr>
+            <a:lvl8pPr marL="3200400" indent="0">
+              <a:buNone/>
+              <a:defRPr sz="1000"/>
+            </a:lvl8pPr>
+            <a:lvl9pPr marL="3657600" indent="0">
+              <a:buNone/>
+              <a:defRPr sz="1000"/>
+            </a:lvl9pPr>
+          </a:lstStyle>
+          <a:p>
+            <a:pPr lvl="0"/>
+            <a:r>
+              <a:rPr lang="nl-NL"/>
+              <a:t>Klikken om de tekststijl van het model te bewerken</a:t>
+            </a:r>
+          </a:p>
+        </p:txBody>
+      </p:sp>
+      <p:sp>
+        <p:nvSpPr>
+          <p:cNvPr id="5" name="Tijdelijke aanduiding voor datum 4">
+            <a:extLst>
+              <a:ext uri="{FF2B5EF4-FFF2-40B4-BE49-F238E27FC236}">
+                <a16:creationId xmlns:a16="http://schemas.microsoft.com/office/drawing/2014/main" id="{74F734F6-AF0A-17E1-5B91-721759E8170C}"/>
+              </a:ext>
+            </a:extLst>
+          </p:cNvPr>
+          <p:cNvSpPr>
+            <a:spLocks noGrp="1"/>
+          </p:cNvSpPr>
+          <p:nvPr>
+            <p:ph type="dt" sz="half" idx="10"/>
+          </p:nvPr>
+        </p:nvSpPr>
+        <p:spPr/>
+        <p:txBody>
+          <a:bodyPr/>
+          <a:lstStyle/>
+          <a:p>
+            <a:fld id="{F0E53E00-DC67-B043-B571-30083E803751}" type="datetimeFigureOut">
+              <a:rPr lang="en-US" smtClean="0"/>
+              <a:t>11/6/2024</a:t>
+            </a:fld>
+            <a:endParaRPr lang="en-US"/>
+          </a:p>
+        </p:txBody>
+      </p:sp>
+      <p:sp>
+        <p:nvSpPr>
+          <p:cNvPr id="6" name="Tijdelijke aanduiding voor voettekst 5">
+            <a:extLst>
+              <a:ext uri="{FF2B5EF4-FFF2-40B4-BE49-F238E27FC236}">
+                <a16:creationId xmlns:a16="http://schemas.microsoft.com/office/drawing/2014/main" id="{41894DD8-CF6D-36CB-5486-65B843AB3C6B}"/>
+              </a:ext>
+            </a:extLst>
+          </p:cNvPr>
+          <p:cNvSpPr>
+            <a:spLocks noGrp="1"/>
+          </p:cNvSpPr>
+          <p:nvPr>
+            <p:ph type="ftr" sz="quarter" idx="11"/>
+          </p:nvPr>
+        </p:nvSpPr>
+        <p:spPr/>
+        <p:txBody>
+          <a:bodyPr/>
+          <a:lstStyle/>
+          <a:p>
+            <a:endParaRPr lang="en-US"/>
+          </a:p>
+        </p:txBody>
+      </p:sp>
+      <p:sp>
+        <p:nvSpPr>
+          <p:cNvPr id="7" name="Tijdelijke aanduiding voor dianummer 6">
+            <a:extLst>
+              <a:ext uri="{FF2B5EF4-FFF2-40B4-BE49-F238E27FC236}">
+                <a16:creationId xmlns:a16="http://schemas.microsoft.com/office/drawing/2014/main" id="{4102275A-7C3C-FEB8-3477-C9DCB045BAF6}"/>
+              </a:ext>
+            </a:extLst>
+          </p:cNvPr>
+          <p:cNvSpPr>
+            <a:spLocks noGrp="1"/>
+          </p:cNvSpPr>
+          <p:nvPr>
+            <p:ph type="sldNum" sz="quarter" idx="12"/>
+          </p:nvPr>
+        </p:nvSpPr>
+        <p:spPr/>
+        <p:txBody>
+          <a:bodyPr/>
+          <a:lstStyle/>
+          <a:p>
+            <a:fld id="{1EF4C9A1-A5AA-A442-908E-CD6EBABAD4FA}" type="slidenum">
+              <a:rPr lang="en-US" smtClean="0"/>
+              <a:t>‹nr.›</a:t>
+            </a:fld>
+            <a:endParaRPr lang="en-US"/>
+          </a:p>
+        </p:txBody>
+      </p:sp>
+    </p:spTree>
+    <p:extLst>
+      <p:ext uri="{BB962C8B-B14F-4D97-AF65-F5344CB8AC3E}">
+        <p14:creationId xmlns:p14="http://schemas.microsoft.com/office/powerpoint/2010/main" val="2027676714"/>
       </p:ext>
     </p:extLst>
   </p:cSld>
@@ -3134,7 +3266,13 @@
       </p:grpSpPr>
       <p:sp>
         <p:nvSpPr>
-          <p:cNvPr id="2" name="Title Placeholder 1"/>
+          <p:cNvPr id="2" name="Tijdelijke aanduiding voor titel 1">
+            <a:extLst>
+              <a:ext uri="{FF2B5EF4-FFF2-40B4-BE49-F238E27FC236}">
+                <a16:creationId xmlns:a16="http://schemas.microsoft.com/office/drawing/2014/main" id="{AF191C13-D9AB-C37D-911A-29FDE01E67A9}"/>
+              </a:ext>
+            </a:extLst>
+          </p:cNvPr>
           <p:cNvSpPr>
             <a:spLocks noGrp="1"/>
           </p:cNvSpPr>
@@ -3158,15 +3296,21 @@
           <a:lstStyle/>
           <a:p>
             <a:r>
-              <a:rPr lang="en-US"/>
-              <a:t>Click to edit Master title style</a:t>
+              <a:rPr lang="nl-NL"/>
+              <a:t>Klik om stijl te bewerken</a:t>
             </a:r>
           </a:p>
         </p:txBody>
       </p:sp>
       <p:sp>
         <p:nvSpPr>
-          <p:cNvPr id="3" name="Text Placeholder 2"/>
+          <p:cNvPr id="3" name="Tijdelijke aanduiding voor tekst 2">
+            <a:extLst>
+              <a:ext uri="{FF2B5EF4-FFF2-40B4-BE49-F238E27FC236}">
+                <a16:creationId xmlns:a16="http://schemas.microsoft.com/office/drawing/2014/main" id="{5DE2AF1A-099E-67D4-8F00-0071A0D05208}"/>
+              </a:ext>
+            </a:extLst>
+          </p:cNvPr>
           <p:cNvSpPr>
             <a:spLocks noGrp="1"/>
           </p:cNvSpPr>
@@ -3191,43 +3335,49 @@
           <a:p>
             <a:pPr lvl="0"/>
             <a:r>
-              <a:rPr lang="en-US"/>
-              <a:t>Click to edit Master text styles</a:t>
+              <a:rPr lang="nl-NL"/>
+              <a:t>Klikken om de tekststijl van het model te bewerken</a:t>
             </a:r>
           </a:p>
           <a:p>
             <a:pPr lvl="1"/>
             <a:r>
-              <a:rPr lang="en-US"/>
-              <a:t>Second level</a:t>
+              <a:rPr lang="nl-NL"/>
+              <a:t>Tweede niveau</a:t>
             </a:r>
           </a:p>
           <a:p>
             <a:pPr lvl="2"/>
             <a:r>
-              <a:rPr lang="en-US"/>
-              <a:t>Third level</a:t>
+              <a:rPr lang="nl-NL"/>
+              <a:t>Derde niveau</a:t>
             </a:r>
           </a:p>
           <a:p>
             <a:pPr lvl="3"/>
             <a:r>
-              <a:rPr lang="en-US"/>
-              <a:t>Fourth level</a:t>
+              <a:rPr lang="nl-NL"/>
+              <a:t>Vierde niveau</a:t>
             </a:r>
           </a:p>
           <a:p>
             <a:pPr lvl="4"/>
             <a:r>
-              <a:rPr lang="en-US"/>
-              <a:t>Fifth level</a:t>
+              <a:rPr lang="nl-NL"/>
+              <a:t>Vijfde niveau</a:t>
             </a:r>
           </a:p>
         </p:txBody>
       </p:sp>
       <p:sp>
         <p:nvSpPr>
-          <p:cNvPr id="4" name="Date Placeholder 3"/>
+          <p:cNvPr id="4" name="Tijdelijke aanduiding voor datum 3">
+            <a:extLst>
+              <a:ext uri="{FF2B5EF4-FFF2-40B4-BE49-F238E27FC236}">
+                <a16:creationId xmlns:a16="http://schemas.microsoft.com/office/drawing/2014/main" id="{B40D3BF5-5933-476D-E3BD-0CD95613DDA3}"/>
+              </a:ext>
+            </a:extLst>
+          </p:cNvPr>
           <p:cNvSpPr>
             <a:spLocks noGrp="1"/>
           </p:cNvSpPr>
@@ -3251,7 +3401,7 @@
               <a:defRPr sz="1200">
                 <a:solidFill>
                   <a:schemeClr val="tx1">
-                    <a:tint val="75000"/>
+                    <a:tint val="82000"/>
                   </a:schemeClr>
                 </a:solidFill>
               </a:defRPr>
@@ -3260,7 +3410,7 @@
           <a:p>
             <a:fld id="{F0E53E00-DC67-B043-B571-30083E803751}" type="datetimeFigureOut">
               <a:rPr lang="en-US" smtClean="0"/>
-              <a:t>11/30/2023</a:t>
+              <a:t>11/6/2024</a:t>
             </a:fld>
             <a:endParaRPr lang="en-US"/>
           </a:p>
@@ -3268,7 +3418,13 @@
       </p:sp>
       <p:sp>
         <p:nvSpPr>
-          <p:cNvPr id="5" name="Footer Placeholder 4"/>
+          <p:cNvPr id="5" name="Tijdelijke aanduiding voor voettekst 4">
+            <a:extLst>
+              <a:ext uri="{FF2B5EF4-FFF2-40B4-BE49-F238E27FC236}">
+                <a16:creationId xmlns:a16="http://schemas.microsoft.com/office/drawing/2014/main" id="{ED465BC5-9DBB-ED00-85DB-F65179BC190F}"/>
+              </a:ext>
+            </a:extLst>
+          </p:cNvPr>
           <p:cNvSpPr>
             <a:spLocks noGrp="1"/>
           </p:cNvSpPr>
@@ -3292,7 +3448,7 @@
               <a:defRPr sz="1200">
                 <a:solidFill>
                   <a:schemeClr val="tx1">
-                    <a:tint val="75000"/>
+                    <a:tint val="82000"/>
                   </a:schemeClr>
                 </a:solidFill>
               </a:defRPr>
@@ -3305,7 +3461,13 @@
       </p:sp>
       <p:sp>
         <p:nvSpPr>
-          <p:cNvPr id="6" name="Slide Number Placeholder 5"/>
+          <p:cNvPr id="6" name="Tijdelijke aanduiding voor dianummer 5">
+            <a:extLst>
+              <a:ext uri="{FF2B5EF4-FFF2-40B4-BE49-F238E27FC236}">
+                <a16:creationId xmlns:a16="http://schemas.microsoft.com/office/drawing/2014/main" id="{AFF45270-425F-AFC4-2E13-BD16433D8799}"/>
+              </a:ext>
+            </a:extLst>
+          </p:cNvPr>
           <p:cNvSpPr>
             <a:spLocks noGrp="1"/>
           </p:cNvSpPr>
@@ -3329,7 +3491,7 @@
               <a:defRPr sz="1200">
                 <a:solidFill>
                   <a:schemeClr val="tx1">
-                    <a:tint val="75000"/>
+                    <a:tint val="82000"/>
                   </a:schemeClr>
                 </a:solidFill>
               </a:defRPr>
@@ -3347,24 +3509,24 @@
     </p:spTree>
     <p:extLst>
       <p:ext uri="{BB962C8B-B14F-4D97-AF65-F5344CB8AC3E}">
-        <p14:creationId xmlns:p14="http://schemas.microsoft.com/office/powerpoint/2010/main" val="51812958"/>
+        <p14:creationId xmlns:p14="http://schemas.microsoft.com/office/powerpoint/2010/main" val="2182744505"/>
       </p:ext>
     </p:extLst>
   </p:cSld>
   <p:clrMap bg1="lt1" tx1="dk1" bg2="lt2" tx2="dk2" accent1="accent1" accent2="accent2" accent3="accent3" accent4="accent4" accent5="accent5" accent6="accent6" hlink="hlink" folHlink="folHlink"/>
   <p:sldLayoutIdLst>
-    <p:sldLayoutId id="2147483649" r:id="rId1"/>
-    <p:sldLayoutId id="2147483650" r:id="rId2"/>
-    <p:sldLayoutId id="2147483651" r:id="rId3"/>
-    <p:sldLayoutId id="2147483652" r:id="rId4"/>
-    <p:sldLayoutId id="2147483653" r:id="rId5"/>
-    <p:sldLayoutId id="2147483654" r:id="rId6"/>
-    <p:sldLayoutId id="2147483655" r:id="rId7"/>
-    <p:sldLayoutId id="2147483660" r:id="rId8"/>
-    <p:sldLayoutId id="2147483656" r:id="rId9"/>
-    <p:sldLayoutId id="2147483657" r:id="rId10"/>
-    <p:sldLayoutId id="2147483658" r:id="rId11"/>
-    <p:sldLayoutId id="2147483659" r:id="rId12"/>
+    <p:sldLayoutId id="2147483662" r:id="rId1"/>
+    <p:sldLayoutId id="2147483663" r:id="rId2"/>
+    <p:sldLayoutId id="2147483664" r:id="rId3"/>
+    <p:sldLayoutId id="2147483665" r:id="rId4"/>
+    <p:sldLayoutId id="2147483666" r:id="rId5"/>
+    <p:sldLayoutId id="2147483667" r:id="rId6"/>
+    <p:sldLayoutId id="2147483668" r:id="rId7"/>
+    <p:sldLayoutId id="2147483669" r:id="rId8"/>
+    <p:sldLayoutId id="2147483670" r:id="rId9"/>
+    <p:sldLayoutId id="2147483671" r:id="rId10"/>
+    <p:sldLayoutId id="2147483672" r:id="rId11"/>
+    <p:sldLayoutId id="2147483660" r:id="rId12"/>
   </p:sldLayoutIdLst>
   <p:txStyles>
     <p:titleStyle>
@@ -3394,7 +3556,7 @@
         <a:spcBef>
           <a:spcPts val="1000"/>
         </a:spcBef>
-        <a:buFont typeface="Arial"/>
+        <a:buFont typeface="Arial" panose="020B0604020202020204" pitchFamily="34" charset="0"/>
         <a:buChar char="•"/>
         <a:defRPr sz="2800" kern="1200">
           <a:solidFill>
@@ -3412,7 +3574,7 @@
         <a:spcBef>
           <a:spcPts val="500"/>
         </a:spcBef>
-        <a:buFont typeface="Arial"/>
+        <a:buFont typeface="Arial" panose="020B0604020202020204" pitchFamily="34" charset="0"/>
         <a:buChar char="•"/>
         <a:defRPr sz="2400" kern="1200">
           <a:solidFill>
@@ -3430,7 +3592,7 @@
         <a:spcBef>
           <a:spcPts val="500"/>
         </a:spcBef>
-        <a:buFont typeface="Arial"/>
+        <a:buFont typeface="Arial" panose="020B0604020202020204" pitchFamily="34" charset="0"/>
         <a:buChar char="•"/>
         <a:defRPr sz="2000" kern="1200">
           <a:solidFill>
@@ -3448,7 +3610,7 @@
         <a:spcBef>
           <a:spcPts val="500"/>
         </a:spcBef>
-        <a:buFont typeface="Arial"/>
+        <a:buFont typeface="Arial" panose="020B0604020202020204" pitchFamily="34" charset="0"/>
         <a:buChar char="•"/>
         <a:defRPr sz="1800" kern="1200">
           <a:solidFill>
@@ -3466,7 +3628,7 @@
         <a:spcBef>
           <a:spcPts val="500"/>
         </a:spcBef>
-        <a:buFont typeface="Arial"/>
+        <a:buFont typeface="Arial" panose="020B0604020202020204" pitchFamily="34" charset="0"/>
         <a:buChar char="•"/>
         <a:defRPr sz="1800" kern="1200">
           <a:solidFill>
@@ -3484,7 +3646,7 @@
         <a:spcBef>
           <a:spcPts val="500"/>
         </a:spcBef>
-        <a:buFont typeface="Arial"/>
+        <a:buFont typeface="Arial" panose="020B0604020202020204" pitchFamily="34" charset="0"/>
         <a:buChar char="•"/>
         <a:defRPr sz="1800" kern="1200">
           <a:solidFill>
@@ -3502,7 +3664,7 @@
         <a:spcBef>
           <a:spcPts val="500"/>
         </a:spcBef>
-        <a:buFont typeface="Arial"/>
+        <a:buFont typeface="Arial" panose="020B0604020202020204" pitchFamily="34" charset="0"/>
         <a:buChar char="•"/>
         <a:defRPr sz="1800" kern="1200">
           <a:solidFill>
@@ -3520,7 +3682,7 @@
         <a:spcBef>
           <a:spcPts val="500"/>
         </a:spcBef>
-        <a:buFont typeface="Arial"/>
+        <a:buFont typeface="Arial" panose="020B0604020202020204" pitchFamily="34" charset="0"/>
         <a:buChar char="•"/>
         <a:defRPr sz="1800" kern="1200">
           <a:solidFill>
@@ -3538,7 +3700,7 @@
         <a:spcBef>
           <a:spcPts val="500"/>
         </a:spcBef>
-        <a:buFont typeface="Arial"/>
+        <a:buFont typeface="Arial" panose="020B0604020202020204" pitchFamily="34" charset="0"/>
         <a:buChar char="•"/>
         <a:defRPr sz="1800" kern="1200">
           <a:solidFill>
@@ -3552,7 +3714,7 @@
     </p:bodyStyle>
     <p:otherStyle>
       <a:defPPr>
-        <a:defRPr lang="en-US"/>
+        <a:defRPr lang="nl-NL"/>
       </a:defPPr>
       <a:lvl1pPr marL="0" algn="l" defTabSz="914400" rtl="0" eaLnBrk="1" latinLnBrk="0" hangingPunct="1">
         <a:defRPr sz="1800" kern="1200">
@@ -4716,6 +4878,36 @@
           </p:txBody>
         </p:sp>
       </p:grpSp>
+      <p:pic>
+        <p:nvPicPr>
+          <p:cNvPr id="8" name="Afbeelding 7" descr="Afbeelding met clipart, symbool, Graphics, tekenfilm&#10;&#10;Automatisch gegenereerde beschrijving">
+            <a:extLst>
+              <a:ext uri="{FF2B5EF4-FFF2-40B4-BE49-F238E27FC236}">
+                <a16:creationId xmlns:a16="http://schemas.microsoft.com/office/drawing/2014/main" id="{A3B5142A-3FF2-B15E-1F82-82770E438189}"/>
+              </a:ext>
+            </a:extLst>
+          </p:cNvPr>
+          <p:cNvPicPr>
+            <a:picLocks noChangeAspect="1"/>
+          </p:cNvPicPr>
+          <p:nvPr/>
+        </p:nvPicPr>
+        <p:blipFill>
+          <a:blip r:embed="rId2"/>
+          <a:stretch>
+            <a:fillRect/>
+          </a:stretch>
+        </p:blipFill>
+        <p:spPr>
+          <a:xfrm>
+            <a:off x="9967427" y="681037"/>
+            <a:ext cx="1058245" cy="1282483"/>
+          </a:xfrm>
+          <a:prstGeom prst="rect">
+            <a:avLst/>
+          </a:prstGeom>
+        </p:spPr>
+      </p:pic>
     </p:spTree>
     <p:extLst>
       <p:ext uri="{BB962C8B-B14F-4D97-AF65-F5344CB8AC3E}">
@@ -6217,6 +6409,36 @@
           </p:txBody>
         </p:sp>
       </p:grpSp>
+      <p:pic>
+        <p:nvPicPr>
+          <p:cNvPr id="8" name="Afbeelding 7" descr="Afbeelding met clipart, symbool, Graphics, tekenfilm&#10;&#10;Automatisch gegenereerde beschrijving">
+            <a:extLst>
+              <a:ext uri="{FF2B5EF4-FFF2-40B4-BE49-F238E27FC236}">
+                <a16:creationId xmlns:a16="http://schemas.microsoft.com/office/drawing/2014/main" id="{8DA68E39-827D-B49B-66B4-8F45826E7B22}"/>
+              </a:ext>
+            </a:extLst>
+          </p:cNvPr>
+          <p:cNvPicPr>
+            <a:picLocks noChangeAspect="1"/>
+          </p:cNvPicPr>
+          <p:nvPr/>
+        </p:nvPicPr>
+        <p:blipFill>
+          <a:blip r:embed="rId2"/>
+          <a:stretch>
+            <a:fillRect/>
+          </a:stretch>
+        </p:blipFill>
+        <p:spPr>
+          <a:xfrm>
+            <a:off x="9967427" y="681037"/>
+            <a:ext cx="1058245" cy="1282483"/>
+          </a:xfrm>
+          <a:prstGeom prst="rect">
+            <a:avLst/>
+          </a:prstGeom>
+        </p:spPr>
+      </p:pic>
     </p:spTree>
     <p:extLst>
       <p:ext uri="{BB962C8B-B14F-4D97-AF65-F5344CB8AC3E}">
@@ -7780,6 +8002,36 @@
           </p:txBody>
         </p:sp>
       </p:grpSp>
+      <p:pic>
+        <p:nvPicPr>
+          <p:cNvPr id="8" name="Afbeelding 7" descr="Afbeelding met clipart, symbool, Graphics, tekenfilm&#10;&#10;Automatisch gegenereerde beschrijving">
+            <a:extLst>
+              <a:ext uri="{FF2B5EF4-FFF2-40B4-BE49-F238E27FC236}">
+                <a16:creationId xmlns:a16="http://schemas.microsoft.com/office/drawing/2014/main" id="{DAC80D96-84B0-E1FF-EC9F-69A0F309331C}"/>
+              </a:ext>
+            </a:extLst>
+          </p:cNvPr>
+          <p:cNvPicPr>
+            <a:picLocks noChangeAspect="1"/>
+          </p:cNvPicPr>
+          <p:nvPr/>
+        </p:nvPicPr>
+        <p:blipFill>
+          <a:blip r:embed="rId2"/>
+          <a:stretch>
+            <a:fillRect/>
+          </a:stretch>
+        </p:blipFill>
+        <p:spPr>
+          <a:xfrm>
+            <a:off x="9967427" y="681037"/>
+            <a:ext cx="1058245" cy="1282483"/>
+          </a:xfrm>
+          <a:prstGeom prst="rect">
+            <a:avLst/>
+          </a:prstGeom>
+        </p:spPr>
+      </p:pic>
     </p:spTree>
     <p:extLst>
       <p:ext uri="{BB962C8B-B14F-4D97-AF65-F5344CB8AC3E}">
@@ -8895,6 +9147,36 @@
           </p:txBody>
         </p:sp>
       </p:grpSp>
+      <p:pic>
+        <p:nvPicPr>
+          <p:cNvPr id="3" name="Afbeelding 2" descr="Afbeelding met clipart, symbool, Graphics, tekenfilm&#10;&#10;Automatisch gegenereerde beschrijving">
+            <a:extLst>
+              <a:ext uri="{FF2B5EF4-FFF2-40B4-BE49-F238E27FC236}">
+                <a16:creationId xmlns:a16="http://schemas.microsoft.com/office/drawing/2014/main" id="{F5C67302-8D0B-A1D1-6430-AA6490803281}"/>
+              </a:ext>
+            </a:extLst>
+          </p:cNvPr>
+          <p:cNvPicPr>
+            <a:picLocks noChangeAspect="1"/>
+          </p:cNvPicPr>
+          <p:nvPr/>
+        </p:nvPicPr>
+        <p:blipFill>
+          <a:blip r:embed="rId2"/>
+          <a:stretch>
+            <a:fillRect/>
+          </a:stretch>
+        </p:blipFill>
+        <p:spPr>
+          <a:xfrm>
+            <a:off x="9967427" y="681037"/>
+            <a:ext cx="1058245" cy="1282483"/>
+          </a:xfrm>
+          <a:prstGeom prst="rect">
+            <a:avLst/>
+          </a:prstGeom>
+        </p:spPr>
+      </p:pic>
     </p:spTree>
     <p:extLst>
       <p:ext uri="{BB962C8B-B14F-4D97-AF65-F5344CB8AC3E}">
@@ -10114,6 +10396,36 @@
           </p:txBody>
         </p:sp>
       </p:grpSp>
+      <p:pic>
+        <p:nvPicPr>
+          <p:cNvPr id="3" name="Afbeelding 2" descr="Afbeelding met clipart, symbool, Graphics, tekenfilm&#10;&#10;Automatisch gegenereerde beschrijving">
+            <a:extLst>
+              <a:ext uri="{FF2B5EF4-FFF2-40B4-BE49-F238E27FC236}">
+                <a16:creationId xmlns:a16="http://schemas.microsoft.com/office/drawing/2014/main" id="{5FECC275-3663-C73F-8BFA-713EB2B47E1E}"/>
+              </a:ext>
+            </a:extLst>
+          </p:cNvPr>
+          <p:cNvPicPr>
+            <a:picLocks noChangeAspect="1"/>
+          </p:cNvPicPr>
+          <p:nvPr/>
+        </p:nvPicPr>
+        <p:blipFill>
+          <a:blip r:embed="rId2"/>
+          <a:stretch>
+            <a:fillRect/>
+          </a:stretch>
+        </p:blipFill>
+        <p:spPr>
+          <a:xfrm>
+            <a:off x="9967427" y="681037"/>
+            <a:ext cx="1058245" cy="1282483"/>
+          </a:xfrm>
+          <a:prstGeom prst="rect">
+            <a:avLst/>
+          </a:prstGeom>
+        </p:spPr>
+      </p:pic>
     </p:spTree>
     <p:extLst>
       <p:ext uri="{BB962C8B-B14F-4D97-AF65-F5344CB8AC3E}">
@@ -10400,6 +10712,36 @@
           </a:p>
         </p:txBody>
       </p:sp>
+      <p:pic>
+        <p:nvPicPr>
+          <p:cNvPr id="3" name="Afbeelding 2" descr="Afbeelding met clipart, symbool, Graphics, tekenfilm&#10;&#10;Automatisch gegenereerde beschrijving">
+            <a:extLst>
+              <a:ext uri="{FF2B5EF4-FFF2-40B4-BE49-F238E27FC236}">
+                <a16:creationId xmlns:a16="http://schemas.microsoft.com/office/drawing/2014/main" id="{8665CDB8-6C1C-0263-4C24-03295C011992}"/>
+              </a:ext>
+            </a:extLst>
+          </p:cNvPr>
+          <p:cNvPicPr>
+            <a:picLocks noChangeAspect="1"/>
+          </p:cNvPicPr>
+          <p:nvPr/>
+        </p:nvPicPr>
+        <p:blipFill>
+          <a:blip r:embed="rId2"/>
+          <a:stretch>
+            <a:fillRect/>
+          </a:stretch>
+        </p:blipFill>
+        <p:spPr>
+          <a:xfrm>
+            <a:off x="9967427" y="681037"/>
+            <a:ext cx="1058245" cy="1282483"/>
+          </a:xfrm>
+          <a:prstGeom prst="rect">
+            <a:avLst/>
+          </a:prstGeom>
+        </p:spPr>
+      </p:pic>
     </p:spTree>
     <p:extLst>
       <p:ext uri="{BB962C8B-B14F-4D97-AF65-F5344CB8AC3E}">
@@ -10869,6 +11211,36 @@
           </a:p>
         </p:txBody>
       </p:sp>
+      <p:pic>
+        <p:nvPicPr>
+          <p:cNvPr id="4" name="Afbeelding 3" descr="Afbeelding met clipart, symbool, Graphics, tekenfilm&#10;&#10;Automatisch gegenereerde beschrijving">
+            <a:extLst>
+              <a:ext uri="{FF2B5EF4-FFF2-40B4-BE49-F238E27FC236}">
+                <a16:creationId xmlns:a16="http://schemas.microsoft.com/office/drawing/2014/main" id="{1DB13615-8B28-996B-72E7-7D192CB33FBE}"/>
+              </a:ext>
+            </a:extLst>
+          </p:cNvPr>
+          <p:cNvPicPr>
+            <a:picLocks noChangeAspect="1"/>
+          </p:cNvPicPr>
+          <p:nvPr/>
+        </p:nvPicPr>
+        <p:blipFill>
+          <a:blip r:embed="rId2"/>
+          <a:stretch>
+            <a:fillRect/>
+          </a:stretch>
+        </p:blipFill>
+        <p:spPr>
+          <a:xfrm>
+            <a:off x="9967427" y="681037"/>
+            <a:ext cx="1058245" cy="1282483"/>
+          </a:xfrm>
+          <a:prstGeom prst="rect">
+            <a:avLst/>
+          </a:prstGeom>
+        </p:spPr>
+      </p:pic>
     </p:spTree>
     <p:extLst>
       <p:ext uri="{BB962C8B-B14F-4D97-AF65-F5344CB8AC3E}">
@@ -10941,7 +11313,7 @@
           </p:nvPr>
         </p:nvGraphicFramePr>
         <p:xfrm>
-          <a:off x="838200" y="1825621"/>
+          <a:off x="838200" y="1825625"/>
           <a:ext cx="10515600" cy="4252452"/>
         </p:xfrm>
         <a:graphic>
@@ -16302,6 +16674,36 @@
           </a:p>
         </p:txBody>
       </p:sp>
+      <p:pic>
+        <p:nvPicPr>
+          <p:cNvPr id="3" name="Afbeelding 2" descr="Afbeelding met clipart, symbool, Graphics, tekenfilm&#10;&#10;Automatisch gegenereerde beschrijving">
+            <a:extLst>
+              <a:ext uri="{FF2B5EF4-FFF2-40B4-BE49-F238E27FC236}">
+                <a16:creationId xmlns:a16="http://schemas.microsoft.com/office/drawing/2014/main" id="{A5E8C113-C1F3-6F3B-AC6D-367B0F81DE6E}"/>
+              </a:ext>
+            </a:extLst>
+          </p:cNvPr>
+          <p:cNvPicPr>
+            <a:picLocks noChangeAspect="1"/>
+          </p:cNvPicPr>
+          <p:nvPr/>
+        </p:nvPicPr>
+        <p:blipFill>
+          <a:blip r:embed="rId2"/>
+          <a:stretch>
+            <a:fillRect/>
+          </a:stretch>
+        </p:blipFill>
+        <p:spPr>
+          <a:xfrm>
+            <a:off x="9967427" y="681037"/>
+            <a:ext cx="1058245" cy="1282483"/>
+          </a:xfrm>
+          <a:prstGeom prst="rect">
+            <a:avLst/>
+          </a:prstGeom>
+        </p:spPr>
+      </p:pic>
     </p:spTree>
     <p:extLst>
       <p:ext uri="{BB962C8B-B14F-4D97-AF65-F5344CB8AC3E}">
@@ -21119,6 +21521,36 @@
           </p:txBody>
         </p:sp>
       </p:grpSp>
+      <p:pic>
+        <p:nvPicPr>
+          <p:cNvPr id="3" name="Afbeelding 2" descr="Afbeelding met clipart, symbool, Graphics, tekenfilm&#10;&#10;Automatisch gegenereerde beschrijving">
+            <a:extLst>
+              <a:ext uri="{FF2B5EF4-FFF2-40B4-BE49-F238E27FC236}">
+                <a16:creationId xmlns:a16="http://schemas.microsoft.com/office/drawing/2014/main" id="{33692544-9F54-3E3F-9FBC-5C28EF668C2A}"/>
+              </a:ext>
+            </a:extLst>
+          </p:cNvPr>
+          <p:cNvPicPr>
+            <a:picLocks noChangeAspect="1"/>
+          </p:cNvPicPr>
+          <p:nvPr/>
+        </p:nvPicPr>
+        <p:blipFill>
+          <a:blip r:embed="rId2"/>
+          <a:stretch>
+            <a:fillRect/>
+          </a:stretch>
+        </p:blipFill>
+        <p:spPr>
+          <a:xfrm>
+            <a:off x="9967427" y="681037"/>
+            <a:ext cx="1058245" cy="1282483"/>
+          </a:xfrm>
+          <a:prstGeom prst="rect">
+            <a:avLst/>
+          </a:prstGeom>
+        </p:spPr>
+      </p:pic>
     </p:spTree>
     <p:extLst>
       <p:ext uri="{BB962C8B-B14F-4D97-AF65-F5344CB8AC3E}">
@@ -21527,6 +21959,36 @@
           </a:p>
         </p:txBody>
       </p:sp>
+      <p:pic>
+        <p:nvPicPr>
+          <p:cNvPr id="2" name="Afbeelding 1" descr="Afbeelding met clipart, symbool, Graphics, tekenfilm&#10;&#10;Automatisch gegenereerde beschrijving">
+            <a:extLst>
+              <a:ext uri="{FF2B5EF4-FFF2-40B4-BE49-F238E27FC236}">
+                <a16:creationId xmlns:a16="http://schemas.microsoft.com/office/drawing/2014/main" id="{3D43D167-7B5E-DA44-BD56-D46C471BCC2F}"/>
+              </a:ext>
+            </a:extLst>
+          </p:cNvPr>
+          <p:cNvPicPr>
+            <a:picLocks noChangeAspect="1"/>
+          </p:cNvPicPr>
+          <p:nvPr/>
+        </p:nvPicPr>
+        <p:blipFill>
+          <a:blip r:embed="rId2"/>
+          <a:stretch>
+            <a:fillRect/>
+          </a:stretch>
+        </p:blipFill>
+        <p:spPr>
+          <a:xfrm>
+            <a:off x="9967427" y="681037"/>
+            <a:ext cx="1058245" cy="1282483"/>
+          </a:xfrm>
+          <a:prstGeom prst="rect">
+            <a:avLst/>
+          </a:prstGeom>
+        </p:spPr>
+      </p:pic>
     </p:spTree>
     <p:extLst>
       <p:ext uri="{BB962C8B-B14F-4D97-AF65-F5344CB8AC3E}">
@@ -21666,6 +22128,36 @@
           </a:p>
         </p:txBody>
       </p:sp>
+      <p:pic>
+        <p:nvPicPr>
+          <p:cNvPr id="3" name="Afbeelding 2" descr="Afbeelding met clipart, symbool, Graphics, tekenfilm&#10;&#10;Automatisch gegenereerde beschrijving">
+            <a:extLst>
+              <a:ext uri="{FF2B5EF4-FFF2-40B4-BE49-F238E27FC236}">
+                <a16:creationId xmlns:a16="http://schemas.microsoft.com/office/drawing/2014/main" id="{86ACBE30-3126-7289-E567-0E000C456CEF}"/>
+              </a:ext>
+            </a:extLst>
+          </p:cNvPr>
+          <p:cNvPicPr>
+            <a:picLocks noChangeAspect="1"/>
+          </p:cNvPicPr>
+          <p:nvPr/>
+        </p:nvPicPr>
+        <p:blipFill>
+          <a:blip r:embed="rId2"/>
+          <a:stretch>
+            <a:fillRect/>
+          </a:stretch>
+        </p:blipFill>
+        <p:spPr>
+          <a:xfrm>
+            <a:off x="9967427" y="681037"/>
+            <a:ext cx="1058245" cy="1282483"/>
+          </a:xfrm>
+          <a:prstGeom prst="rect">
+            <a:avLst/>
+          </a:prstGeom>
+        </p:spPr>
+      </p:pic>
     </p:spTree>
     <p:extLst>
       <p:ext uri="{BB962C8B-B14F-4D97-AF65-F5344CB8AC3E}">
@@ -22035,6 +22527,36 @@
           </a:p>
         </p:txBody>
       </p:sp>
+      <p:pic>
+        <p:nvPicPr>
+          <p:cNvPr id="4" name="Afbeelding 3" descr="Afbeelding met clipart, symbool, Graphics, tekenfilm&#10;&#10;Automatisch gegenereerde beschrijving">
+            <a:extLst>
+              <a:ext uri="{FF2B5EF4-FFF2-40B4-BE49-F238E27FC236}">
+                <a16:creationId xmlns:a16="http://schemas.microsoft.com/office/drawing/2014/main" id="{C61CE56B-0EAE-CE08-8054-6D7FD7BDDF0D}"/>
+              </a:ext>
+            </a:extLst>
+          </p:cNvPr>
+          <p:cNvPicPr>
+            <a:picLocks noChangeAspect="1"/>
+          </p:cNvPicPr>
+          <p:nvPr/>
+        </p:nvPicPr>
+        <p:blipFill>
+          <a:blip r:embed="rId2"/>
+          <a:stretch>
+            <a:fillRect/>
+          </a:stretch>
+        </p:blipFill>
+        <p:spPr>
+          <a:xfrm>
+            <a:off x="9967427" y="681037"/>
+            <a:ext cx="1058245" cy="1282483"/>
+          </a:xfrm>
+          <a:prstGeom prst="rect">
+            <a:avLst/>
+          </a:prstGeom>
+        </p:spPr>
+      </p:pic>
     </p:spTree>
     <p:extLst>
       <p:ext uri="{BB962C8B-B14F-4D97-AF65-F5344CB8AC3E}">
@@ -22737,6 +23259,36 @@
           </a:p>
         </p:txBody>
       </p:sp>
+      <p:pic>
+        <p:nvPicPr>
+          <p:cNvPr id="3" name="Afbeelding 2" descr="Afbeelding met clipart, symbool, Graphics, tekenfilm&#10;&#10;Automatisch gegenereerde beschrijving">
+            <a:extLst>
+              <a:ext uri="{FF2B5EF4-FFF2-40B4-BE49-F238E27FC236}">
+                <a16:creationId xmlns:a16="http://schemas.microsoft.com/office/drawing/2014/main" id="{06C843E3-70F7-FE20-F1C7-C08B858B750B}"/>
+              </a:ext>
+            </a:extLst>
+          </p:cNvPr>
+          <p:cNvPicPr>
+            <a:picLocks noChangeAspect="1"/>
+          </p:cNvPicPr>
+          <p:nvPr/>
+        </p:nvPicPr>
+        <p:blipFill>
+          <a:blip r:embed="rId2"/>
+          <a:stretch>
+            <a:fillRect/>
+          </a:stretch>
+        </p:blipFill>
+        <p:spPr>
+          <a:xfrm>
+            <a:off x="9967427" y="681037"/>
+            <a:ext cx="1058245" cy="1282483"/>
+          </a:xfrm>
+          <a:prstGeom prst="rect">
+            <a:avLst/>
+          </a:prstGeom>
+        </p:spPr>
+      </p:pic>
     </p:spTree>
     <p:extLst>
       <p:ext uri="{BB962C8B-B14F-4D97-AF65-F5344CB8AC3E}">
@@ -23243,6 +23795,36 @@
           <a:chExt cx="0" cy="0"/>
         </a:xfrm>
       </p:grpSpPr>
+      <p:pic>
+        <p:nvPicPr>
+          <p:cNvPr id="3" name="Afbeelding 2" descr="Afbeelding met clipart, symbool, Graphics, tekenfilm&#10;&#10;Automatisch gegenereerde beschrijving">
+            <a:extLst>
+              <a:ext uri="{FF2B5EF4-FFF2-40B4-BE49-F238E27FC236}">
+                <a16:creationId xmlns:a16="http://schemas.microsoft.com/office/drawing/2014/main" id="{075BEC3A-7C1A-F5D7-9D6D-05EFDFB2FAD3}"/>
+              </a:ext>
+            </a:extLst>
+          </p:cNvPr>
+          <p:cNvPicPr>
+            <a:picLocks noChangeAspect="1"/>
+          </p:cNvPicPr>
+          <p:nvPr/>
+        </p:nvPicPr>
+        <p:blipFill>
+          <a:blip r:embed="rId2"/>
+          <a:stretch>
+            <a:fillRect/>
+          </a:stretch>
+        </p:blipFill>
+        <p:spPr>
+          <a:xfrm>
+            <a:off x="10698967" y="361032"/>
+            <a:ext cx="1058245" cy="1282483"/>
+          </a:xfrm>
+          <a:prstGeom prst="rect">
+            <a:avLst/>
+          </a:prstGeom>
+        </p:spPr>
+      </p:pic>
       <p:sp>
         <p:nvSpPr>
           <p:cNvPr id="5" name="Rectangle 4"/>
@@ -25997,29 +26579,18 @@
               <a:buNone/>
             </a:pPr>
             <a:r>
-              <a:rPr lang="en-US" sz="4800" dirty="0">
+              <a:rPr lang="en-US" sz="4800">
                 <a:latin typeface="Lucida Console" charset="0"/>
                 <a:ea typeface="Lucida Console" charset="0"/>
                 <a:cs typeface="Lucida Console" charset="0"/>
               </a:rPr>
-              <a:t>http://</a:t>
-            </a:r>
-            <a:r>
-              <a:rPr lang="en-US" sz="4800" dirty="0" err="1">
-                <a:latin typeface="Lucida Console" charset="0"/>
-                <a:ea typeface="Lucida Console" charset="0"/>
-                <a:cs typeface="Lucida Console" charset="0"/>
-              </a:rPr>
-              <a:t>bit.ly</a:t>
-            </a:r>
-            <a:r>
-              <a:rPr lang="en-US" sz="4800" dirty="0">
-                <a:latin typeface="Lucida Console" charset="0"/>
-                <a:ea typeface="Lucida Console" charset="0"/>
-                <a:cs typeface="Lucida Console" charset="0"/>
-              </a:rPr>
-              <a:t>/2iMd0cR</a:t>
-            </a:r>
+              <a:t>Werk met de Python editor aan de opdrachten</a:t>
+            </a:r>
+            <a:endParaRPr lang="en-US" sz="4800" dirty="0">
+              <a:latin typeface="Lucida Console" charset="0"/>
+              <a:ea typeface="Lucida Console" charset="0"/>
+              <a:cs typeface="Lucida Console" charset="0"/>
+            </a:endParaRPr>
           </a:p>
           <a:p>
             <a:pPr algn="ctr"/>
@@ -28499,6 +29070,36 @@
           </p:txBody>
         </p:sp>
       </p:grpSp>
+      <p:pic>
+        <p:nvPicPr>
+          <p:cNvPr id="2" name="Afbeelding 1" descr="Afbeelding met clipart, symbool, Graphics, tekenfilm&#10;&#10;Automatisch gegenereerde beschrijving">
+            <a:extLst>
+              <a:ext uri="{FF2B5EF4-FFF2-40B4-BE49-F238E27FC236}">
+                <a16:creationId xmlns:a16="http://schemas.microsoft.com/office/drawing/2014/main" id="{8851EDF8-EE45-6048-8A50-733145AA6B6D}"/>
+              </a:ext>
+            </a:extLst>
+          </p:cNvPr>
+          <p:cNvPicPr>
+            <a:picLocks noChangeAspect="1"/>
+          </p:cNvPicPr>
+          <p:nvPr/>
+        </p:nvPicPr>
+        <p:blipFill>
+          <a:blip r:embed="rId2"/>
+          <a:stretch>
+            <a:fillRect/>
+          </a:stretch>
+        </p:blipFill>
+        <p:spPr>
+          <a:xfrm>
+            <a:off x="9967427" y="681037"/>
+            <a:ext cx="1058245" cy="1282483"/>
+          </a:xfrm>
+          <a:prstGeom prst="rect">
+            <a:avLst/>
+          </a:prstGeom>
+        </p:spPr>
+      </p:pic>
     </p:spTree>
     <p:extLst>
       <p:ext uri="{BB962C8B-B14F-4D97-AF65-F5344CB8AC3E}">
@@ -29846,6 +30447,36 @@
           </p:txBody>
         </p:sp>
       </p:grpSp>
+      <p:pic>
+        <p:nvPicPr>
+          <p:cNvPr id="2" name="Afbeelding 1" descr="Afbeelding met clipart, symbool, Graphics, tekenfilm&#10;&#10;Automatisch gegenereerde beschrijving">
+            <a:extLst>
+              <a:ext uri="{FF2B5EF4-FFF2-40B4-BE49-F238E27FC236}">
+                <a16:creationId xmlns:a16="http://schemas.microsoft.com/office/drawing/2014/main" id="{E27205EE-B937-9360-9DAF-0501FF100CDB}"/>
+              </a:ext>
+            </a:extLst>
+          </p:cNvPr>
+          <p:cNvPicPr>
+            <a:picLocks noChangeAspect="1"/>
+          </p:cNvPicPr>
+          <p:nvPr/>
+        </p:nvPicPr>
+        <p:blipFill>
+          <a:blip r:embed="rId2"/>
+          <a:stretch>
+            <a:fillRect/>
+          </a:stretch>
+        </p:blipFill>
+        <p:spPr>
+          <a:xfrm>
+            <a:off x="9967427" y="681037"/>
+            <a:ext cx="1058245" cy="1282483"/>
+          </a:xfrm>
+          <a:prstGeom prst="rect">
+            <a:avLst/>
+          </a:prstGeom>
+        </p:spPr>
+      </p:pic>
     </p:spTree>
     <p:extLst>
       <p:ext uri="{BB962C8B-B14F-4D97-AF65-F5344CB8AC3E}">
@@ -30148,6 +30779,36 @@
           </a:p>
         </p:txBody>
       </p:sp>
+      <p:pic>
+        <p:nvPicPr>
+          <p:cNvPr id="3" name="Afbeelding 2" descr="Afbeelding met clipart, symbool, Graphics, tekenfilm&#10;&#10;Automatisch gegenereerde beschrijving">
+            <a:extLst>
+              <a:ext uri="{FF2B5EF4-FFF2-40B4-BE49-F238E27FC236}">
+                <a16:creationId xmlns:a16="http://schemas.microsoft.com/office/drawing/2014/main" id="{328CFE83-4642-8559-B115-5827B419E7B8}"/>
+              </a:ext>
+            </a:extLst>
+          </p:cNvPr>
+          <p:cNvPicPr>
+            <a:picLocks noChangeAspect="1"/>
+          </p:cNvPicPr>
+          <p:nvPr/>
+        </p:nvPicPr>
+        <p:blipFill>
+          <a:blip r:embed="rId2"/>
+          <a:stretch>
+            <a:fillRect/>
+          </a:stretch>
+        </p:blipFill>
+        <p:spPr>
+          <a:xfrm>
+            <a:off x="9967427" y="681037"/>
+            <a:ext cx="1058245" cy="1282483"/>
+          </a:xfrm>
+          <a:prstGeom prst="rect">
+            <a:avLst/>
+          </a:prstGeom>
+        </p:spPr>
+      </p:pic>
     </p:spTree>
     <p:extLst>
       <p:ext uri="{BB962C8B-B14F-4D97-AF65-F5344CB8AC3E}">
@@ -30543,6 +31204,36 @@
           </a:p>
         </p:txBody>
       </p:sp>
+      <p:pic>
+        <p:nvPicPr>
+          <p:cNvPr id="4" name="Afbeelding 3" descr="Afbeelding met clipart, symbool, Graphics, tekenfilm&#10;&#10;Automatisch gegenereerde beschrijving">
+            <a:extLst>
+              <a:ext uri="{FF2B5EF4-FFF2-40B4-BE49-F238E27FC236}">
+                <a16:creationId xmlns:a16="http://schemas.microsoft.com/office/drawing/2014/main" id="{FF87F91B-A04E-97C2-CC26-CE0DB749368D}"/>
+              </a:ext>
+            </a:extLst>
+          </p:cNvPr>
+          <p:cNvPicPr>
+            <a:picLocks noChangeAspect="1"/>
+          </p:cNvPicPr>
+          <p:nvPr/>
+        </p:nvPicPr>
+        <p:blipFill>
+          <a:blip r:embed="rId2"/>
+          <a:stretch>
+            <a:fillRect/>
+          </a:stretch>
+        </p:blipFill>
+        <p:spPr>
+          <a:xfrm>
+            <a:off x="9967427" y="681037"/>
+            <a:ext cx="1058245" cy="1282483"/>
+          </a:xfrm>
+          <a:prstGeom prst="rect">
+            <a:avLst/>
+          </a:prstGeom>
+        </p:spPr>
+      </p:pic>
     </p:spTree>
     <p:extLst>
       <p:ext uri="{BB962C8B-B14F-4D97-AF65-F5344CB8AC3E}">
@@ -32847,6 +33538,36 @@
           </p:txBody>
         </p:sp>
       </p:grpSp>
+      <p:pic>
+        <p:nvPicPr>
+          <p:cNvPr id="2" name="Afbeelding 1" descr="Afbeelding met clipart, symbool, Graphics, tekenfilm&#10;&#10;Automatisch gegenereerde beschrijving">
+            <a:extLst>
+              <a:ext uri="{FF2B5EF4-FFF2-40B4-BE49-F238E27FC236}">
+                <a16:creationId xmlns:a16="http://schemas.microsoft.com/office/drawing/2014/main" id="{09B74F10-31B6-5040-D939-0E39E2E4DBE3}"/>
+              </a:ext>
+            </a:extLst>
+          </p:cNvPr>
+          <p:cNvPicPr>
+            <a:picLocks noChangeAspect="1"/>
+          </p:cNvPicPr>
+          <p:nvPr/>
+        </p:nvPicPr>
+        <p:blipFill>
+          <a:blip r:embed="rId2"/>
+          <a:stretch>
+            <a:fillRect/>
+          </a:stretch>
+        </p:blipFill>
+        <p:spPr>
+          <a:xfrm>
+            <a:off x="10496549" y="510990"/>
+            <a:ext cx="1058245" cy="1282483"/>
+          </a:xfrm>
+          <a:prstGeom prst="rect">
+            <a:avLst/>
+          </a:prstGeom>
+        </p:spPr>
+      </p:pic>
     </p:spTree>
     <p:extLst>
       <p:ext uri="{BB962C8B-B14F-4D97-AF65-F5344CB8AC3E}">
@@ -34591,6 +35312,36 @@
           </p:txBody>
         </p:sp>
       </p:grpSp>
+      <p:pic>
+        <p:nvPicPr>
+          <p:cNvPr id="8" name="Afbeelding 7" descr="Afbeelding met clipart, symbool, Graphics, tekenfilm&#10;&#10;Automatisch gegenereerde beschrijving">
+            <a:extLst>
+              <a:ext uri="{FF2B5EF4-FFF2-40B4-BE49-F238E27FC236}">
+                <a16:creationId xmlns:a16="http://schemas.microsoft.com/office/drawing/2014/main" id="{54D3FC3C-548C-18D9-4F5D-49A9E7120987}"/>
+              </a:ext>
+            </a:extLst>
+          </p:cNvPr>
+          <p:cNvPicPr>
+            <a:picLocks noChangeAspect="1"/>
+          </p:cNvPicPr>
+          <p:nvPr/>
+        </p:nvPicPr>
+        <p:blipFill>
+          <a:blip r:embed="rId2"/>
+          <a:stretch>
+            <a:fillRect/>
+          </a:stretch>
+        </p:blipFill>
+        <p:spPr>
+          <a:xfrm>
+            <a:off x="9967427" y="681037"/>
+            <a:ext cx="1058245" cy="1282483"/>
+          </a:xfrm>
+          <a:prstGeom prst="rect">
+            <a:avLst/>
+          </a:prstGeom>
+        </p:spPr>
+      </p:pic>
     </p:spTree>
     <p:extLst>
       <p:ext uri="{BB962C8B-B14F-4D97-AF65-F5344CB8AC3E}">
@@ -34824,7 +35575,7 @@
 </file>
 
 <file path=ppt/theme/theme1.xml><?xml version="1.0" encoding="utf-8"?>
-<a:theme xmlns:a="http://schemas.openxmlformats.org/drawingml/2006/main" name="Office Theme">
+<a:theme xmlns:a="http://schemas.openxmlformats.org/drawingml/2006/main" name="Kantoorthema">
   <a:themeElements>
     <a:clrScheme name="Office">
       <a:dk1>
@@ -34834,44 +35585,44 @@
         <a:sysClr val="window" lastClr="FFFFFF"/>
       </a:lt1>
       <a:dk2>
-        <a:srgbClr val="44546A"/>
+        <a:srgbClr val="0E2841"/>
       </a:dk2>
       <a:lt2>
-        <a:srgbClr val="E7E6E6"/>
+        <a:srgbClr val="E8E8E8"/>
       </a:lt2>
       <a:accent1>
-        <a:srgbClr val="4472C4"/>
+        <a:srgbClr val="156082"/>
       </a:accent1>
       <a:accent2>
-        <a:srgbClr val="ED7D31"/>
+        <a:srgbClr val="E97132"/>
       </a:accent2>
       <a:accent3>
-        <a:srgbClr val="A5A5A5"/>
+        <a:srgbClr val="196B24"/>
       </a:accent3>
       <a:accent4>
-        <a:srgbClr val="FFC000"/>
+        <a:srgbClr val="0F9ED5"/>
       </a:accent4>
       <a:accent5>
-        <a:srgbClr val="5B9BD5"/>
+        <a:srgbClr val="A02B93"/>
       </a:accent5>
       <a:accent6>
-        <a:srgbClr val="70AD47"/>
+        <a:srgbClr val="4EA72E"/>
       </a:accent6>
       <a:hlink>
-        <a:srgbClr val="0563C1"/>
+        <a:srgbClr val="467886"/>
       </a:hlink>
       <a:folHlink>
-        <a:srgbClr val="954F72"/>
+        <a:srgbClr val="96607D"/>
       </a:folHlink>
     </a:clrScheme>
     <a:fontScheme name="Office">
       <a:majorFont>
-        <a:latin typeface="Calibri Light" panose="020F0302020204030204"/>
+        <a:latin typeface="Aptos Display" panose="02110004020202020204"/>
         <a:ea typeface=""/>
         <a:cs typeface=""/>
-        <a:font script="Jpan" typeface="Yu Gothic Light"/>
+        <a:font script="Jpan" typeface="游ゴシック Light"/>
         <a:font script="Hang" typeface="맑은 고딕"/>
-        <a:font script="Hans" typeface="DengXian Light"/>
+        <a:font script="Hans" typeface="等线 Light"/>
         <a:font script="Hant" typeface="新細明體"/>
         <a:font script="Arab" typeface="Times New Roman"/>
         <a:font script="Hebr" typeface="Times New Roman"/>
@@ -34899,14 +35650,31 @@
         <a:font script="Viet" typeface="Times New Roman"/>
         <a:font script="Uigh" typeface="Microsoft Uighur"/>
         <a:font script="Geor" typeface="Sylfaen"/>
+        <a:font script="Armn" typeface="Arial"/>
+        <a:font script="Bugi" typeface="Leelawadee UI"/>
+        <a:font script="Bopo" typeface="Microsoft JhengHei"/>
+        <a:font script="Java" typeface="Javanese Text"/>
+        <a:font script="Lisu" typeface="Segoe UI"/>
+        <a:font script="Mymr" typeface="Myanmar Text"/>
+        <a:font script="Nkoo" typeface="Ebrima"/>
+        <a:font script="Olck" typeface="Nirmala UI"/>
+        <a:font script="Osma" typeface="Ebrima"/>
+        <a:font script="Phag" typeface="Phagspa"/>
+        <a:font script="Syrn" typeface="Estrangelo Edessa"/>
+        <a:font script="Syrj" typeface="Estrangelo Edessa"/>
+        <a:font script="Syre" typeface="Estrangelo Edessa"/>
+        <a:font script="Sora" typeface="Nirmala UI"/>
+        <a:font script="Tale" typeface="Microsoft Tai Le"/>
+        <a:font script="Talu" typeface="Microsoft New Tai Lue"/>
+        <a:font script="Tfng" typeface="Ebrima"/>
       </a:majorFont>
       <a:minorFont>
-        <a:latin typeface="Calibri" panose="020F0502020204030204"/>
+        <a:latin typeface="Aptos" panose="02110004020202020204"/>
         <a:ea typeface=""/>
         <a:cs typeface=""/>
-        <a:font script="Jpan" typeface="Yu Gothic"/>
+        <a:font script="Jpan" typeface="游ゴシック"/>
         <a:font script="Hang" typeface="맑은 고딕"/>
-        <a:font script="Hans" typeface="DengXian"/>
+        <a:font script="Hans" typeface="等线"/>
         <a:font script="Hant" typeface="新細明體"/>
         <a:font script="Arab" typeface="Arial"/>
         <a:font script="Hebr" typeface="Arial"/>
@@ -34934,6 +35702,23 @@
         <a:font script="Viet" typeface="Arial"/>
         <a:font script="Uigh" typeface="Microsoft Uighur"/>
         <a:font script="Geor" typeface="Sylfaen"/>
+        <a:font script="Armn" typeface="Arial"/>
+        <a:font script="Bugi" typeface="Leelawadee UI"/>
+        <a:font script="Bopo" typeface="Microsoft JhengHei"/>
+        <a:font script="Java" typeface="Javanese Text"/>
+        <a:font script="Lisu" typeface="Segoe UI"/>
+        <a:font script="Mymr" typeface="Myanmar Text"/>
+        <a:font script="Nkoo" typeface="Ebrima"/>
+        <a:font script="Olck" typeface="Nirmala UI"/>
+        <a:font script="Osma" typeface="Ebrima"/>
+        <a:font script="Phag" typeface="Phagspa"/>
+        <a:font script="Syrn" typeface="Estrangelo Edessa"/>
+        <a:font script="Syrj" typeface="Estrangelo Edessa"/>
+        <a:font script="Syre" typeface="Estrangelo Edessa"/>
+        <a:font script="Sora" typeface="Nirmala UI"/>
+        <a:font script="Tale" typeface="Microsoft Tai Le"/>
+        <a:font script="Talu" typeface="Microsoft New Tai Lue"/>
+        <a:font script="Tfng" typeface="Ebrima"/>
       </a:minorFont>
     </a:fontScheme>
     <a:fmtScheme name="Office">
@@ -34995,13 +35780,6 @@
         </a:gradFill>
       </a:fillStyleLst>
       <a:lnStyleLst>
-        <a:ln w="6350" cap="flat" cmpd="sng" algn="ctr">
-          <a:solidFill>
-            <a:schemeClr val="phClr"/>
-          </a:solidFill>
-          <a:prstDash val="solid"/>
-          <a:miter lim="800000"/>
-        </a:ln>
         <a:ln w="12700" cap="flat" cmpd="sng" algn="ctr">
           <a:solidFill>
             <a:schemeClr val="phClr"/>
@@ -35010,6 +35788,13 @@
           <a:miter lim="800000"/>
         </a:ln>
         <a:ln w="19050" cap="flat" cmpd="sng" algn="ctr">
+          <a:solidFill>
+            <a:schemeClr val="phClr"/>
+          </a:solidFill>
+          <a:prstDash val="solid"/>
+          <a:miter lim="800000"/>
+        </a:ln>
+        <a:ln w="25400" cap="flat" cmpd="sng" algn="ctr">
           <a:solidFill>
             <a:schemeClr val="phClr"/>
           </a:solidFill>
@@ -35074,11 +35859,31 @@
       </a:bgFillStyleLst>
     </a:fmtScheme>
   </a:themeElements>
-  <a:objectDefaults/>
+  <a:objectDefaults>
+    <a:lnDef>
+      <a:spPr/>
+      <a:bodyPr/>
+      <a:lstStyle/>
+      <a:style>
+        <a:lnRef idx="2">
+          <a:schemeClr val="accent1"/>
+        </a:lnRef>
+        <a:fillRef idx="0">
+          <a:schemeClr val="accent1"/>
+        </a:fillRef>
+        <a:effectRef idx="1">
+          <a:schemeClr val="accent1"/>
+        </a:effectRef>
+        <a:fontRef idx="minor">
+          <a:schemeClr val="tx1"/>
+        </a:fontRef>
+      </a:style>
+    </a:lnDef>
+  </a:objectDefaults>
   <a:extraClrSchemeLst/>
   <a:extLst>
     <a:ext uri="{05A4C25C-085E-4340-85A3-A5531E510DB2}">
-      <thm15:themeFamily xmlns:thm15="http://schemas.microsoft.com/office/thememl/2012/main" name="Office Theme" id="{62F939B6-93AF-4DB8-9C6B-D6C7DFDC589F}" vid="{4A3C46E8-61CC-4603-A589-7422A47A8E4A}"/>
+      <thm15:themeFamily xmlns:thm15="http://schemas.microsoft.com/office/thememl/2012/main" name="Office Theme" id="{2E142A2C-CD16-42D6-873A-C26D2A0506FA}" vid="{1BDDFF52-6CD6-40A5-AB3C-68EB2F1E4D0A}"/>
     </a:ext>
   </a:extLst>
 </a:theme>
